--- a/Things we did in project.pptx
+++ b/Things we did in project.pptx
@@ -5,7 +5,7 @@
     <p:sldMasterId id="2147483672" r:id="rId1"/>
   </p:sldMasterIdLst>
   <p:notesMasterIdLst>
-    <p:notesMasterId r:id="rId7"/>
+    <p:notesMasterId r:id="rId12"/>
   </p:notesMasterIdLst>
   <p:sldIdLst>
     <p:sldId id="256" r:id="rId2"/>
@@ -13,6 +13,11 @@
     <p:sldId id="264" r:id="rId4"/>
     <p:sldId id="265" r:id="rId5"/>
     <p:sldId id="266" r:id="rId6"/>
+    <p:sldId id="267" r:id="rId7"/>
+    <p:sldId id="268" r:id="rId8"/>
+    <p:sldId id="269" r:id="rId9"/>
+    <p:sldId id="270" r:id="rId10"/>
+    <p:sldId id="271" r:id="rId11"/>
   </p:sldIdLst>
   <p:sldSz cx="12192000" cy="6858000"/>
   <p:notesSz cx="6858000" cy="9144000"/>
@@ -14409,6 +14414,320 @@
 </p:sld>
 </file>
 
+<file path=ppt/slides/slide10.xml><?xml version="1.0" encoding="utf-8"?>
+<p:sld xmlns:a="http://schemas.openxmlformats.org/drawingml/2006/main" xmlns:r="http://schemas.openxmlformats.org/officeDocument/2006/relationships" xmlns:p="http://schemas.openxmlformats.org/presentationml/2006/main">
+  <p:cSld>
+    <p:spTree>
+      <p:nvGrpSpPr>
+        <p:cNvPr id="1" name=""/>
+        <p:cNvGrpSpPr/>
+        <p:nvPr/>
+      </p:nvGrpSpPr>
+      <p:grpSpPr>
+        <a:xfrm>
+          <a:off x="0" y="0"/>
+          <a:ext cx="0" cy="0"/>
+          <a:chOff x="0" y="0"/>
+          <a:chExt cx="0" cy="0"/>
+        </a:xfrm>
+      </p:grpSpPr>
+      <p:sp>
+        <p:nvSpPr>
+          <p:cNvPr id="2" name="כותרת 1">
+            <a:extLst>
+              <a:ext uri="{FF2B5EF4-FFF2-40B4-BE49-F238E27FC236}">
+                <a16:creationId xmlns:a16="http://schemas.microsoft.com/office/drawing/2014/main" id="{5EF63109-57FF-4909-8FC9-A7AD1F49FC56}"/>
+              </a:ext>
+            </a:extLst>
+          </p:cNvPr>
+          <p:cNvSpPr>
+            <a:spLocks noGrp="1"/>
+          </p:cNvSpPr>
+          <p:nvPr>
+            <p:ph type="title"/>
+          </p:nvPr>
+        </p:nvSpPr>
+        <p:spPr/>
+        <p:txBody>
+          <a:bodyPr/>
+          <a:lstStyle/>
+          <a:p>
+            <a:r>
+              <a:rPr lang="en-US" dirty="0"/>
+              <a:t>Main things we did and challenges</a:t>
+            </a:r>
+            <a:endParaRPr lang="he-IL" dirty="0"/>
+          </a:p>
+        </p:txBody>
+      </p:sp>
+      <p:sp>
+        <p:nvSpPr>
+          <p:cNvPr id="4" name="מציין מיקום תוכן 3">
+            <a:extLst>
+              <a:ext uri="{FF2B5EF4-FFF2-40B4-BE49-F238E27FC236}">
+                <a16:creationId xmlns:a16="http://schemas.microsoft.com/office/drawing/2014/main" id="{D1512E5A-B809-4F4B-A4ED-D899E7C8424A}"/>
+              </a:ext>
+            </a:extLst>
+          </p:cNvPr>
+          <p:cNvSpPr>
+            <a:spLocks noGrp="1"/>
+          </p:cNvSpPr>
+          <p:nvPr>
+            <p:ph sz="half" idx="2"/>
+          </p:nvPr>
+        </p:nvSpPr>
+        <p:spPr>
+          <a:xfrm>
+            <a:off x="1154954" y="2603500"/>
+            <a:ext cx="9878917" cy="3416300"/>
+          </a:xfrm>
+        </p:spPr>
+        <p:txBody>
+          <a:bodyPr/>
+          <a:lstStyle/>
+          <a:p>
+            <a:pPr algn="l" rtl="0"/>
+            <a:r>
+              <a:rPr lang="en-US" dirty="0"/>
+              <a:t>Classification of reviews (supervised model)</a:t>
+            </a:r>
+          </a:p>
+          <a:p>
+            <a:pPr lvl="1" algn="l" rtl="0"/>
+            <a:r>
+              <a:rPr lang="en-US" dirty="0"/>
+              <a:t>..continue</a:t>
+            </a:r>
+          </a:p>
+          <a:p>
+            <a:pPr lvl="1" algn="l" rtl="0"/>
+            <a:endParaRPr lang="en-US" dirty="0"/>
+          </a:p>
+          <a:p>
+            <a:pPr lvl="1" algn="l" rtl="0"/>
+            <a:endParaRPr lang="he-IL" dirty="0"/>
+          </a:p>
+        </p:txBody>
+      </p:sp>
+      <p:sp>
+        <p:nvSpPr>
+          <p:cNvPr id="6" name="תיבת טקסט 5">
+            <a:extLst>
+              <a:ext uri="{FF2B5EF4-FFF2-40B4-BE49-F238E27FC236}">
+                <a16:creationId xmlns:a16="http://schemas.microsoft.com/office/drawing/2014/main" id="{43DD3447-9580-41B5-B558-7F65504323AE}"/>
+              </a:ext>
+            </a:extLst>
+          </p:cNvPr>
+          <p:cNvSpPr txBox="1"/>
+          <p:nvPr/>
+        </p:nvSpPr>
+        <p:spPr>
+          <a:xfrm>
+            <a:off x="1280808" y="5835134"/>
+            <a:ext cx="1524212" cy="369332"/>
+          </a:xfrm>
+          <a:prstGeom prst="rect">
+            <a:avLst/>
+          </a:prstGeom>
+          <a:noFill/>
+        </p:spPr>
+        <p:txBody>
+          <a:bodyPr wrap="square" rtlCol="1">
+            <a:spAutoFit/>
+          </a:bodyPr>
+          <a:lstStyle/>
+          <a:p>
+            <a:r>
+              <a:rPr lang="en-US" dirty="0" err="1"/>
+              <a:t>FastText</a:t>
+            </a:r>
+            <a:endParaRPr lang="he-IL" dirty="0"/>
+          </a:p>
+        </p:txBody>
+      </p:sp>
+      <p:pic>
+        <p:nvPicPr>
+          <p:cNvPr id="3" name="תמונה 2">
+            <a:extLst>
+              <a:ext uri="{FF2B5EF4-FFF2-40B4-BE49-F238E27FC236}">
+                <a16:creationId xmlns:a16="http://schemas.microsoft.com/office/drawing/2014/main" id="{07668EC8-73FF-4C26-88E2-D40D99D18281}"/>
+              </a:ext>
+            </a:extLst>
+          </p:cNvPr>
+          <p:cNvPicPr>
+            <a:picLocks noChangeAspect="1"/>
+          </p:cNvPicPr>
+          <p:nvPr/>
+        </p:nvPicPr>
+        <p:blipFill>
+          <a:blip r:embed="rId2"/>
+          <a:stretch>
+            <a:fillRect/>
+          </a:stretch>
+        </p:blipFill>
+        <p:spPr>
+          <a:xfrm>
+            <a:off x="1154954" y="4814021"/>
+            <a:ext cx="1524213" cy="809738"/>
+          </a:xfrm>
+          <a:prstGeom prst="rect">
+            <a:avLst/>
+          </a:prstGeom>
+        </p:spPr>
+      </p:pic>
+      <p:sp>
+        <p:nvSpPr>
+          <p:cNvPr id="9" name="תיבת טקסט 8">
+            <a:extLst>
+              <a:ext uri="{FF2B5EF4-FFF2-40B4-BE49-F238E27FC236}">
+                <a16:creationId xmlns:a16="http://schemas.microsoft.com/office/drawing/2014/main" id="{6D1E9806-7DBD-4ED1-92D8-CD7C96DDFEAD}"/>
+              </a:ext>
+            </a:extLst>
+          </p:cNvPr>
+          <p:cNvSpPr txBox="1"/>
+          <p:nvPr/>
+        </p:nvSpPr>
+        <p:spPr>
+          <a:xfrm>
+            <a:off x="7335560" y="5916917"/>
+            <a:ext cx="3698311" cy="646331"/>
+          </a:xfrm>
+          <a:prstGeom prst="rect">
+            <a:avLst/>
+          </a:prstGeom>
+          <a:noFill/>
+        </p:spPr>
+        <p:txBody>
+          <a:bodyPr wrap="square" rtlCol="1">
+            <a:spAutoFit/>
+          </a:bodyPr>
+          <a:lstStyle/>
+          <a:p>
+            <a:r>
+              <a:rPr lang="en-US" dirty="0" err="1"/>
+              <a:t>FastText</a:t>
+            </a:r>
+            <a:r>
+              <a:rPr lang="en-US" dirty="0"/>
+              <a:t> with cleaned text and learning rate=0.05, epochs=30</a:t>
+            </a:r>
+            <a:endParaRPr lang="he-IL" dirty="0"/>
+          </a:p>
+        </p:txBody>
+      </p:sp>
+      <p:pic>
+        <p:nvPicPr>
+          <p:cNvPr id="7" name="תמונה 6">
+            <a:extLst>
+              <a:ext uri="{FF2B5EF4-FFF2-40B4-BE49-F238E27FC236}">
+                <a16:creationId xmlns:a16="http://schemas.microsoft.com/office/drawing/2014/main" id="{640D5ADA-1733-49DA-8B71-046B3ED16637}"/>
+              </a:ext>
+            </a:extLst>
+          </p:cNvPr>
+          <p:cNvPicPr>
+            <a:picLocks noChangeAspect="1"/>
+          </p:cNvPicPr>
+          <p:nvPr/>
+        </p:nvPicPr>
+        <p:blipFill>
+          <a:blip r:embed="rId3"/>
+          <a:stretch>
+            <a:fillRect/>
+          </a:stretch>
+        </p:blipFill>
+        <p:spPr>
+          <a:xfrm>
+            <a:off x="3906658" y="4727559"/>
+            <a:ext cx="1629002" cy="771633"/>
+          </a:xfrm>
+          <a:prstGeom prst="rect">
+            <a:avLst/>
+          </a:prstGeom>
+        </p:spPr>
+      </p:pic>
+      <p:pic>
+        <p:nvPicPr>
+          <p:cNvPr id="8" name="תמונה 7">
+            <a:extLst>
+              <a:ext uri="{FF2B5EF4-FFF2-40B4-BE49-F238E27FC236}">
+                <a16:creationId xmlns:a16="http://schemas.microsoft.com/office/drawing/2014/main" id="{371B6D2D-36EA-4C29-A6F9-1DEEAF05421A}"/>
+              </a:ext>
+            </a:extLst>
+          </p:cNvPr>
+          <p:cNvPicPr>
+            <a:picLocks noChangeAspect="1"/>
+          </p:cNvPicPr>
+          <p:nvPr/>
+        </p:nvPicPr>
+        <p:blipFill>
+          <a:blip r:embed="rId4"/>
+          <a:stretch>
+            <a:fillRect/>
+          </a:stretch>
+        </p:blipFill>
+        <p:spPr>
+          <a:xfrm>
+            <a:off x="8207982" y="4727559"/>
+            <a:ext cx="1943371" cy="943107"/>
+          </a:xfrm>
+          <a:prstGeom prst="rect">
+            <a:avLst/>
+          </a:prstGeom>
+        </p:spPr>
+      </p:pic>
+      <p:sp>
+        <p:nvSpPr>
+          <p:cNvPr id="12" name="תיבת טקסט 11">
+            <a:extLst>
+              <a:ext uri="{FF2B5EF4-FFF2-40B4-BE49-F238E27FC236}">
+                <a16:creationId xmlns:a16="http://schemas.microsoft.com/office/drawing/2014/main" id="{D30248E4-FC93-420E-B000-C5460B31A626}"/>
+              </a:ext>
+            </a:extLst>
+          </p:cNvPr>
+          <p:cNvSpPr txBox="1"/>
+          <p:nvPr/>
+        </p:nvSpPr>
+        <p:spPr>
+          <a:xfrm>
+            <a:off x="3542311" y="5937274"/>
+            <a:ext cx="3698311" cy="369332"/>
+          </a:xfrm>
+          <a:prstGeom prst="rect">
+            <a:avLst/>
+          </a:prstGeom>
+          <a:noFill/>
+        </p:spPr>
+        <p:txBody>
+          <a:bodyPr wrap="square" rtlCol="1">
+            <a:spAutoFit/>
+          </a:bodyPr>
+          <a:lstStyle/>
+          <a:p>
+            <a:r>
+              <a:rPr lang="en-US" dirty="0" err="1"/>
+              <a:t>FastText</a:t>
+            </a:r>
+            <a:r>
+              <a:rPr lang="en-US" dirty="0"/>
+              <a:t> with cleaned text</a:t>
+            </a:r>
+            <a:endParaRPr lang="he-IL" dirty="0"/>
+          </a:p>
+        </p:txBody>
+      </p:sp>
+    </p:spTree>
+    <p:extLst>
+      <p:ext uri="{BB962C8B-B14F-4D97-AF65-F5344CB8AC3E}">
+        <p14:creationId xmlns:p14="http://schemas.microsoft.com/office/powerpoint/2010/main" val="2447700099"/>
+      </p:ext>
+    </p:extLst>
+  </p:cSld>
+  <p:clrMapOvr>
+    <a:masterClrMapping/>
+  </p:clrMapOvr>
+</p:sld>
+</file>
+
 <file path=ppt/slides/slide2.xml><?xml version="1.0" encoding="utf-8"?>
 <p:sld xmlns:a="http://schemas.openxmlformats.org/drawingml/2006/main" xmlns:r="http://schemas.openxmlformats.org/officeDocument/2006/relationships" xmlns:p="http://schemas.openxmlformats.org/presentationml/2006/main">
   <p:cSld>
@@ -15017,6 +15336,947 @@
     <p:extLst>
       <p:ext uri="{BB962C8B-B14F-4D97-AF65-F5344CB8AC3E}">
         <p14:creationId xmlns:p14="http://schemas.microsoft.com/office/powerpoint/2010/main" val="594490391"/>
+      </p:ext>
+    </p:extLst>
+  </p:cSld>
+  <p:clrMapOvr>
+    <a:masterClrMapping/>
+  </p:clrMapOvr>
+</p:sld>
+</file>
+
+<file path=ppt/slides/slide6.xml><?xml version="1.0" encoding="utf-8"?>
+<p:sld xmlns:a="http://schemas.openxmlformats.org/drawingml/2006/main" xmlns:r="http://schemas.openxmlformats.org/officeDocument/2006/relationships" xmlns:p="http://schemas.openxmlformats.org/presentationml/2006/main">
+  <p:cSld>
+    <p:spTree>
+      <p:nvGrpSpPr>
+        <p:cNvPr id="1" name=""/>
+        <p:cNvGrpSpPr/>
+        <p:nvPr/>
+      </p:nvGrpSpPr>
+      <p:grpSpPr>
+        <a:xfrm>
+          <a:off x="0" y="0"/>
+          <a:ext cx="0" cy="0"/>
+          <a:chOff x="0" y="0"/>
+          <a:chExt cx="0" cy="0"/>
+        </a:xfrm>
+      </p:grpSpPr>
+      <p:sp>
+        <p:nvSpPr>
+          <p:cNvPr id="2" name="כותרת 1">
+            <a:extLst>
+              <a:ext uri="{FF2B5EF4-FFF2-40B4-BE49-F238E27FC236}">
+                <a16:creationId xmlns:a16="http://schemas.microsoft.com/office/drawing/2014/main" id="{5EF63109-57FF-4909-8FC9-A7AD1F49FC56}"/>
+              </a:ext>
+            </a:extLst>
+          </p:cNvPr>
+          <p:cNvSpPr>
+            <a:spLocks noGrp="1"/>
+          </p:cNvSpPr>
+          <p:nvPr>
+            <p:ph type="title"/>
+          </p:nvPr>
+        </p:nvSpPr>
+        <p:spPr/>
+        <p:txBody>
+          <a:bodyPr/>
+          <a:lstStyle/>
+          <a:p>
+            <a:r>
+              <a:rPr lang="en-US" dirty="0"/>
+              <a:t>Main things we did and challenges</a:t>
+            </a:r>
+            <a:endParaRPr lang="he-IL" dirty="0"/>
+          </a:p>
+        </p:txBody>
+      </p:sp>
+      <p:sp>
+        <p:nvSpPr>
+          <p:cNvPr id="4" name="מציין מיקום תוכן 3">
+            <a:extLst>
+              <a:ext uri="{FF2B5EF4-FFF2-40B4-BE49-F238E27FC236}">
+                <a16:creationId xmlns:a16="http://schemas.microsoft.com/office/drawing/2014/main" id="{D1512E5A-B809-4F4B-A4ED-D899E7C8424A}"/>
+              </a:ext>
+            </a:extLst>
+          </p:cNvPr>
+          <p:cNvSpPr>
+            <a:spLocks noGrp="1"/>
+          </p:cNvSpPr>
+          <p:nvPr>
+            <p:ph sz="half" idx="2"/>
+          </p:nvPr>
+        </p:nvSpPr>
+        <p:spPr>
+          <a:xfrm>
+            <a:off x="1154954" y="2603500"/>
+            <a:ext cx="9878917" cy="3416300"/>
+          </a:xfrm>
+        </p:spPr>
+        <p:txBody>
+          <a:bodyPr/>
+          <a:lstStyle/>
+          <a:p>
+            <a:pPr algn="l" rtl="0"/>
+            <a:r>
+              <a:rPr lang="en-US" dirty="0"/>
+              <a:t>Classification of reviews (supervised model)</a:t>
+            </a:r>
+          </a:p>
+          <a:p>
+            <a:pPr lvl="1" algn="l" rtl="0"/>
+            <a:r>
+              <a:rPr lang="en-US" dirty="0"/>
+              <a:t>Running Dord2Vec and using </a:t>
+            </a:r>
+            <a:r>
+              <a:rPr lang="en-US" dirty="0" err="1"/>
+              <a:t>DecisionTreeClassifier</a:t>
+            </a:r>
+            <a:r>
+              <a:rPr lang="en-US" dirty="0"/>
+              <a:t> , and building model from training dataset only (</a:t>
+            </a:r>
+            <a:r>
+              <a:rPr lang="en-US" i="1" dirty="0" err="1"/>
+              <a:t>model.build_vocab</a:t>
+            </a:r>
+            <a:r>
+              <a:rPr lang="en-US" i="1" dirty="0"/>
+              <a:t>(</a:t>
+            </a:r>
+            <a:r>
+              <a:rPr lang="en-US" i="1" dirty="0" err="1"/>
+              <a:t>train_corpus</a:t>
+            </a:r>
+            <a:r>
+              <a:rPr lang="en-US" i="1" dirty="0"/>
+              <a:t>)</a:t>
+            </a:r>
+            <a:r>
+              <a:rPr lang="en-US" dirty="0"/>
+              <a:t>)</a:t>
+            </a:r>
+          </a:p>
+          <a:p>
+            <a:pPr lvl="1" algn="l" rtl="0"/>
+            <a:r>
+              <a:rPr lang="en-US" dirty="0"/>
+              <a:t>Vector size = 50</a:t>
+            </a:r>
+          </a:p>
+          <a:p>
+            <a:pPr lvl="1" algn="l" rtl="0"/>
+            <a:endParaRPr lang="en-US" dirty="0"/>
+          </a:p>
+          <a:p>
+            <a:pPr lvl="1" algn="l" rtl="0"/>
+            <a:endParaRPr lang="he-IL" dirty="0"/>
+          </a:p>
+        </p:txBody>
+      </p:sp>
+      <p:pic>
+        <p:nvPicPr>
+          <p:cNvPr id="3" name="תמונה 2">
+            <a:extLst>
+              <a:ext uri="{FF2B5EF4-FFF2-40B4-BE49-F238E27FC236}">
+                <a16:creationId xmlns:a16="http://schemas.microsoft.com/office/drawing/2014/main" id="{CFA49558-BC76-45EA-9F7B-CA6EFF1807F5}"/>
+              </a:ext>
+            </a:extLst>
+          </p:cNvPr>
+          <p:cNvPicPr>
+            <a:picLocks noChangeAspect="1"/>
+          </p:cNvPicPr>
+          <p:nvPr/>
+        </p:nvPicPr>
+        <p:blipFill>
+          <a:blip r:embed="rId2"/>
+          <a:stretch>
+            <a:fillRect/>
+          </a:stretch>
+        </p:blipFill>
+        <p:spPr>
+          <a:xfrm>
+            <a:off x="3052671" y="4105008"/>
+            <a:ext cx="5658640" cy="1914792"/>
+          </a:xfrm>
+          <a:prstGeom prst="rect">
+            <a:avLst/>
+          </a:prstGeom>
+        </p:spPr>
+      </p:pic>
+      <p:sp>
+        <p:nvSpPr>
+          <p:cNvPr id="5" name="תיבת טקסט 4">
+            <a:extLst>
+              <a:ext uri="{FF2B5EF4-FFF2-40B4-BE49-F238E27FC236}">
+                <a16:creationId xmlns:a16="http://schemas.microsoft.com/office/drawing/2014/main" id="{33E0E4A0-3E4A-442A-8D9C-E2446D6CA570}"/>
+              </a:ext>
+            </a:extLst>
+          </p:cNvPr>
+          <p:cNvSpPr txBox="1"/>
+          <p:nvPr/>
+        </p:nvSpPr>
+        <p:spPr>
+          <a:xfrm>
+            <a:off x="4922196" y="6138153"/>
+            <a:ext cx="2733472" cy="369332"/>
+          </a:xfrm>
+          <a:prstGeom prst="rect">
+            <a:avLst/>
+          </a:prstGeom>
+          <a:noFill/>
+        </p:spPr>
+        <p:txBody>
+          <a:bodyPr wrap="square" rtlCol="1">
+            <a:spAutoFit/>
+          </a:bodyPr>
+          <a:lstStyle/>
+          <a:p>
+            <a:r>
+              <a:rPr lang="en-US" dirty="0" err="1"/>
+              <a:t>DecisionTree</a:t>
+            </a:r>
+            <a:r>
+              <a:rPr lang="en-US" dirty="0"/>
+              <a:t> Model</a:t>
+            </a:r>
+            <a:endParaRPr lang="he-IL" dirty="0"/>
+          </a:p>
+        </p:txBody>
+      </p:sp>
+    </p:spTree>
+    <p:extLst>
+      <p:ext uri="{BB962C8B-B14F-4D97-AF65-F5344CB8AC3E}">
+        <p14:creationId xmlns:p14="http://schemas.microsoft.com/office/powerpoint/2010/main" val="2157378269"/>
+      </p:ext>
+    </p:extLst>
+  </p:cSld>
+  <p:clrMapOvr>
+    <a:masterClrMapping/>
+  </p:clrMapOvr>
+</p:sld>
+</file>
+
+<file path=ppt/slides/slide7.xml><?xml version="1.0" encoding="utf-8"?>
+<p:sld xmlns:a="http://schemas.openxmlformats.org/drawingml/2006/main" xmlns:r="http://schemas.openxmlformats.org/officeDocument/2006/relationships" xmlns:p="http://schemas.openxmlformats.org/presentationml/2006/main">
+  <p:cSld>
+    <p:spTree>
+      <p:nvGrpSpPr>
+        <p:cNvPr id="1" name=""/>
+        <p:cNvGrpSpPr/>
+        <p:nvPr/>
+      </p:nvGrpSpPr>
+      <p:grpSpPr>
+        <a:xfrm>
+          <a:off x="0" y="0"/>
+          <a:ext cx="0" cy="0"/>
+          <a:chOff x="0" y="0"/>
+          <a:chExt cx="0" cy="0"/>
+        </a:xfrm>
+      </p:grpSpPr>
+      <p:sp>
+        <p:nvSpPr>
+          <p:cNvPr id="2" name="כותרת 1">
+            <a:extLst>
+              <a:ext uri="{FF2B5EF4-FFF2-40B4-BE49-F238E27FC236}">
+                <a16:creationId xmlns:a16="http://schemas.microsoft.com/office/drawing/2014/main" id="{5EF63109-57FF-4909-8FC9-A7AD1F49FC56}"/>
+              </a:ext>
+            </a:extLst>
+          </p:cNvPr>
+          <p:cNvSpPr>
+            <a:spLocks noGrp="1"/>
+          </p:cNvSpPr>
+          <p:nvPr>
+            <p:ph type="title"/>
+          </p:nvPr>
+        </p:nvSpPr>
+        <p:spPr/>
+        <p:txBody>
+          <a:bodyPr/>
+          <a:lstStyle/>
+          <a:p>
+            <a:r>
+              <a:rPr lang="en-US" dirty="0"/>
+              <a:t>Main things we did and challenges</a:t>
+            </a:r>
+            <a:endParaRPr lang="he-IL" dirty="0"/>
+          </a:p>
+        </p:txBody>
+      </p:sp>
+      <p:sp>
+        <p:nvSpPr>
+          <p:cNvPr id="4" name="מציין מיקום תוכן 3">
+            <a:extLst>
+              <a:ext uri="{FF2B5EF4-FFF2-40B4-BE49-F238E27FC236}">
+                <a16:creationId xmlns:a16="http://schemas.microsoft.com/office/drawing/2014/main" id="{D1512E5A-B809-4F4B-A4ED-D899E7C8424A}"/>
+              </a:ext>
+            </a:extLst>
+          </p:cNvPr>
+          <p:cNvSpPr>
+            <a:spLocks noGrp="1"/>
+          </p:cNvSpPr>
+          <p:nvPr>
+            <p:ph sz="half" idx="2"/>
+          </p:nvPr>
+        </p:nvSpPr>
+        <p:spPr>
+          <a:xfrm>
+            <a:off x="1154954" y="2603500"/>
+            <a:ext cx="9878917" cy="3416300"/>
+          </a:xfrm>
+        </p:spPr>
+        <p:txBody>
+          <a:bodyPr/>
+          <a:lstStyle/>
+          <a:p>
+            <a:pPr algn="l" rtl="0"/>
+            <a:r>
+              <a:rPr lang="en-US" dirty="0"/>
+              <a:t>Classification of reviews (supervised model)</a:t>
+            </a:r>
+          </a:p>
+          <a:p>
+            <a:pPr lvl="1" algn="l" rtl="0"/>
+            <a:r>
+              <a:rPr lang="en-US" dirty="0"/>
+              <a:t>..continue</a:t>
+            </a:r>
+          </a:p>
+          <a:p>
+            <a:pPr lvl="1" algn="l" rtl="0"/>
+            <a:endParaRPr lang="en-US" dirty="0"/>
+          </a:p>
+          <a:p>
+            <a:pPr lvl="1" algn="l" rtl="0"/>
+            <a:endParaRPr lang="he-IL" dirty="0"/>
+          </a:p>
+        </p:txBody>
+      </p:sp>
+      <p:pic>
+        <p:nvPicPr>
+          <p:cNvPr id="5" name="תמונה 4">
+            <a:extLst>
+              <a:ext uri="{FF2B5EF4-FFF2-40B4-BE49-F238E27FC236}">
+                <a16:creationId xmlns:a16="http://schemas.microsoft.com/office/drawing/2014/main" id="{657F1462-DC54-4F8B-829E-9840A5F9DD92}"/>
+              </a:ext>
+            </a:extLst>
+          </p:cNvPr>
+          <p:cNvPicPr>
+            <a:picLocks noChangeAspect="1"/>
+          </p:cNvPicPr>
+          <p:nvPr/>
+        </p:nvPicPr>
+        <p:blipFill>
+          <a:blip r:embed="rId2"/>
+          <a:stretch>
+            <a:fillRect/>
+          </a:stretch>
+        </p:blipFill>
+        <p:spPr>
+          <a:xfrm>
+            <a:off x="91948" y="4047850"/>
+            <a:ext cx="5591955" cy="1971950"/>
+          </a:xfrm>
+          <a:prstGeom prst="rect">
+            <a:avLst/>
+          </a:prstGeom>
+        </p:spPr>
+      </p:pic>
+      <p:sp>
+        <p:nvSpPr>
+          <p:cNvPr id="6" name="תיבת טקסט 5">
+            <a:extLst>
+              <a:ext uri="{FF2B5EF4-FFF2-40B4-BE49-F238E27FC236}">
+                <a16:creationId xmlns:a16="http://schemas.microsoft.com/office/drawing/2014/main" id="{43DD3447-9580-41B5-B558-7F65504323AE}"/>
+              </a:ext>
+            </a:extLst>
+          </p:cNvPr>
+          <p:cNvSpPr txBox="1"/>
+          <p:nvPr/>
+        </p:nvSpPr>
+        <p:spPr>
+          <a:xfrm>
+            <a:off x="2276273" y="6215975"/>
+            <a:ext cx="1624519" cy="369332"/>
+          </a:xfrm>
+          <a:prstGeom prst="rect">
+            <a:avLst/>
+          </a:prstGeom>
+          <a:noFill/>
+        </p:spPr>
+        <p:txBody>
+          <a:bodyPr wrap="square" rtlCol="1">
+            <a:spAutoFit/>
+          </a:bodyPr>
+          <a:lstStyle/>
+          <a:p>
+            <a:r>
+              <a:rPr lang="en-US" dirty="0"/>
+              <a:t>SVM Model</a:t>
+            </a:r>
+            <a:endParaRPr lang="he-IL" dirty="0"/>
+          </a:p>
+        </p:txBody>
+      </p:sp>
+      <p:pic>
+        <p:nvPicPr>
+          <p:cNvPr id="7" name="תמונה 6">
+            <a:extLst>
+              <a:ext uri="{FF2B5EF4-FFF2-40B4-BE49-F238E27FC236}">
+                <a16:creationId xmlns:a16="http://schemas.microsoft.com/office/drawing/2014/main" id="{9E24C469-6BE0-4530-A453-0C06960573A8}"/>
+              </a:ext>
+            </a:extLst>
+          </p:cNvPr>
+          <p:cNvPicPr>
+            <a:picLocks noChangeAspect="1"/>
+          </p:cNvPicPr>
+          <p:nvPr/>
+        </p:nvPicPr>
+        <p:blipFill>
+          <a:blip r:embed="rId3"/>
+          <a:stretch>
+            <a:fillRect/>
+          </a:stretch>
+        </p:blipFill>
+        <p:spPr>
+          <a:xfrm>
+            <a:off x="6335656" y="4047850"/>
+            <a:ext cx="5649113" cy="1971950"/>
+          </a:xfrm>
+          <a:prstGeom prst="rect">
+            <a:avLst/>
+          </a:prstGeom>
+        </p:spPr>
+      </p:pic>
+      <p:sp>
+        <p:nvSpPr>
+          <p:cNvPr id="8" name="תיבת טקסט 7">
+            <a:extLst>
+              <a:ext uri="{FF2B5EF4-FFF2-40B4-BE49-F238E27FC236}">
+                <a16:creationId xmlns:a16="http://schemas.microsoft.com/office/drawing/2014/main" id="{AC713C63-930E-4995-AE6D-47382FB40DAF}"/>
+              </a:ext>
+            </a:extLst>
+          </p:cNvPr>
+          <p:cNvSpPr txBox="1"/>
+          <p:nvPr/>
+        </p:nvSpPr>
+        <p:spPr>
+          <a:xfrm>
+            <a:off x="8291210" y="6215975"/>
+            <a:ext cx="2916676" cy="369332"/>
+          </a:xfrm>
+          <a:prstGeom prst="rect">
+            <a:avLst/>
+          </a:prstGeom>
+          <a:noFill/>
+        </p:spPr>
+        <p:txBody>
+          <a:bodyPr wrap="square" rtlCol="1">
+            <a:spAutoFit/>
+          </a:bodyPr>
+          <a:lstStyle/>
+          <a:p>
+            <a:r>
+              <a:rPr lang="en-US" dirty="0" err="1"/>
+              <a:t>RandomForest</a:t>
+            </a:r>
+            <a:r>
+              <a:rPr lang="en-US" dirty="0"/>
+              <a:t> Model</a:t>
+            </a:r>
+            <a:endParaRPr lang="he-IL" dirty="0"/>
+          </a:p>
+        </p:txBody>
+      </p:sp>
+    </p:spTree>
+    <p:extLst>
+      <p:ext uri="{BB962C8B-B14F-4D97-AF65-F5344CB8AC3E}">
+        <p14:creationId xmlns:p14="http://schemas.microsoft.com/office/powerpoint/2010/main" val="1051921710"/>
+      </p:ext>
+    </p:extLst>
+  </p:cSld>
+  <p:clrMapOvr>
+    <a:masterClrMapping/>
+  </p:clrMapOvr>
+</p:sld>
+</file>
+
+<file path=ppt/slides/slide8.xml><?xml version="1.0" encoding="utf-8"?>
+<p:sld xmlns:a="http://schemas.openxmlformats.org/drawingml/2006/main" xmlns:r="http://schemas.openxmlformats.org/officeDocument/2006/relationships" xmlns:p="http://schemas.openxmlformats.org/presentationml/2006/main">
+  <p:cSld>
+    <p:spTree>
+      <p:nvGrpSpPr>
+        <p:cNvPr id="1" name=""/>
+        <p:cNvGrpSpPr/>
+        <p:nvPr/>
+      </p:nvGrpSpPr>
+      <p:grpSpPr>
+        <a:xfrm>
+          <a:off x="0" y="0"/>
+          <a:ext cx="0" cy="0"/>
+          <a:chOff x="0" y="0"/>
+          <a:chExt cx="0" cy="0"/>
+        </a:xfrm>
+      </p:grpSpPr>
+      <p:sp>
+        <p:nvSpPr>
+          <p:cNvPr id="2" name="כותרת 1">
+            <a:extLst>
+              <a:ext uri="{FF2B5EF4-FFF2-40B4-BE49-F238E27FC236}">
+                <a16:creationId xmlns:a16="http://schemas.microsoft.com/office/drawing/2014/main" id="{5EF63109-57FF-4909-8FC9-A7AD1F49FC56}"/>
+              </a:ext>
+            </a:extLst>
+          </p:cNvPr>
+          <p:cNvSpPr>
+            <a:spLocks noGrp="1"/>
+          </p:cNvSpPr>
+          <p:nvPr>
+            <p:ph type="title"/>
+          </p:nvPr>
+        </p:nvSpPr>
+        <p:spPr/>
+        <p:txBody>
+          <a:bodyPr/>
+          <a:lstStyle/>
+          <a:p>
+            <a:r>
+              <a:rPr lang="en-US" dirty="0"/>
+              <a:t>Main things we did and challenges</a:t>
+            </a:r>
+            <a:endParaRPr lang="he-IL" dirty="0"/>
+          </a:p>
+        </p:txBody>
+      </p:sp>
+      <p:sp>
+        <p:nvSpPr>
+          <p:cNvPr id="4" name="מציין מיקום תוכן 3">
+            <a:extLst>
+              <a:ext uri="{FF2B5EF4-FFF2-40B4-BE49-F238E27FC236}">
+                <a16:creationId xmlns:a16="http://schemas.microsoft.com/office/drawing/2014/main" id="{D1512E5A-B809-4F4B-A4ED-D899E7C8424A}"/>
+              </a:ext>
+            </a:extLst>
+          </p:cNvPr>
+          <p:cNvSpPr>
+            <a:spLocks noGrp="1"/>
+          </p:cNvSpPr>
+          <p:nvPr>
+            <p:ph sz="half" idx="2"/>
+          </p:nvPr>
+        </p:nvSpPr>
+        <p:spPr>
+          <a:xfrm>
+            <a:off x="1154954" y="2603500"/>
+            <a:ext cx="9878917" cy="3416300"/>
+          </a:xfrm>
+        </p:spPr>
+        <p:txBody>
+          <a:bodyPr/>
+          <a:lstStyle/>
+          <a:p>
+            <a:pPr algn="l" rtl="0"/>
+            <a:r>
+              <a:rPr lang="en-US" dirty="0"/>
+              <a:t>Classification of reviews (supervised model)</a:t>
+            </a:r>
+          </a:p>
+          <a:p>
+            <a:pPr lvl="1" algn="l" rtl="0"/>
+            <a:r>
+              <a:rPr lang="en-US" dirty="0"/>
+              <a:t>..continue</a:t>
+            </a:r>
+          </a:p>
+          <a:p>
+            <a:pPr lvl="1" algn="l" rtl="0"/>
+            <a:endParaRPr lang="en-US" dirty="0"/>
+          </a:p>
+          <a:p>
+            <a:pPr lvl="1" algn="l" rtl="0"/>
+            <a:endParaRPr lang="he-IL" dirty="0"/>
+          </a:p>
+        </p:txBody>
+      </p:sp>
+      <p:sp>
+        <p:nvSpPr>
+          <p:cNvPr id="6" name="תיבת טקסט 5">
+            <a:extLst>
+              <a:ext uri="{FF2B5EF4-FFF2-40B4-BE49-F238E27FC236}">
+                <a16:creationId xmlns:a16="http://schemas.microsoft.com/office/drawing/2014/main" id="{43DD3447-9580-41B5-B558-7F65504323AE}"/>
+              </a:ext>
+            </a:extLst>
+          </p:cNvPr>
+          <p:cNvSpPr txBox="1"/>
+          <p:nvPr/>
+        </p:nvSpPr>
+        <p:spPr>
+          <a:xfrm>
+            <a:off x="1952016" y="6215975"/>
+            <a:ext cx="3073940" cy="369332"/>
+          </a:xfrm>
+          <a:prstGeom prst="rect">
+            <a:avLst/>
+          </a:prstGeom>
+          <a:noFill/>
+        </p:spPr>
+        <p:txBody>
+          <a:bodyPr wrap="square" rtlCol="1">
+            <a:spAutoFit/>
+          </a:bodyPr>
+          <a:lstStyle/>
+          <a:p>
+            <a:r>
+              <a:rPr lang="en-US" dirty="0"/>
+              <a:t>Logistic Regression Model</a:t>
+            </a:r>
+            <a:endParaRPr lang="he-IL" dirty="0"/>
+          </a:p>
+        </p:txBody>
+      </p:sp>
+      <p:sp>
+        <p:nvSpPr>
+          <p:cNvPr id="8" name="תיבת טקסט 7">
+            <a:extLst>
+              <a:ext uri="{FF2B5EF4-FFF2-40B4-BE49-F238E27FC236}">
+                <a16:creationId xmlns:a16="http://schemas.microsoft.com/office/drawing/2014/main" id="{AC713C63-930E-4995-AE6D-47382FB40DAF}"/>
+              </a:ext>
+            </a:extLst>
+          </p:cNvPr>
+          <p:cNvSpPr txBox="1"/>
+          <p:nvPr/>
+        </p:nvSpPr>
+        <p:spPr>
+          <a:xfrm>
+            <a:off x="8291210" y="6215975"/>
+            <a:ext cx="2916676" cy="369332"/>
+          </a:xfrm>
+          <a:prstGeom prst="rect">
+            <a:avLst/>
+          </a:prstGeom>
+          <a:noFill/>
+        </p:spPr>
+        <p:txBody>
+          <a:bodyPr wrap="square" rtlCol="1">
+            <a:spAutoFit/>
+          </a:bodyPr>
+          <a:lstStyle/>
+          <a:p>
+            <a:r>
+              <a:rPr lang="en-US" dirty="0"/>
+              <a:t>Naive Base Model</a:t>
+            </a:r>
+            <a:endParaRPr lang="he-IL" dirty="0"/>
+          </a:p>
+        </p:txBody>
+      </p:sp>
+      <p:pic>
+        <p:nvPicPr>
+          <p:cNvPr id="3" name="תמונה 2">
+            <a:extLst>
+              <a:ext uri="{FF2B5EF4-FFF2-40B4-BE49-F238E27FC236}">
+                <a16:creationId xmlns:a16="http://schemas.microsoft.com/office/drawing/2014/main" id="{5D37AE59-70DB-45A0-9458-876039244BF3}"/>
+              </a:ext>
+            </a:extLst>
+          </p:cNvPr>
+          <p:cNvPicPr>
+            <a:picLocks noChangeAspect="1"/>
+          </p:cNvPicPr>
+          <p:nvPr/>
+        </p:nvPicPr>
+        <p:blipFill>
+          <a:blip r:embed="rId2"/>
+          <a:stretch>
+            <a:fillRect/>
+          </a:stretch>
+        </p:blipFill>
+        <p:spPr>
+          <a:xfrm>
+            <a:off x="531061" y="3786046"/>
+            <a:ext cx="5915851" cy="2029108"/>
+          </a:xfrm>
+          <a:prstGeom prst="rect">
+            <a:avLst/>
+          </a:prstGeom>
+        </p:spPr>
+      </p:pic>
+      <p:pic>
+        <p:nvPicPr>
+          <p:cNvPr id="9" name="תמונה 8">
+            <a:extLst>
+              <a:ext uri="{FF2B5EF4-FFF2-40B4-BE49-F238E27FC236}">
+                <a16:creationId xmlns:a16="http://schemas.microsoft.com/office/drawing/2014/main" id="{78FB95B7-D7F6-4C22-8E4E-614F546EB462}"/>
+              </a:ext>
+            </a:extLst>
+          </p:cNvPr>
+          <p:cNvPicPr>
+            <a:picLocks noChangeAspect="1"/>
+          </p:cNvPicPr>
+          <p:nvPr/>
+        </p:nvPicPr>
+        <p:blipFill>
+          <a:blip r:embed="rId3"/>
+          <a:stretch>
+            <a:fillRect/>
+          </a:stretch>
+        </p:blipFill>
+        <p:spPr>
+          <a:xfrm>
+            <a:off x="6446912" y="3871783"/>
+            <a:ext cx="5630061" cy="1943371"/>
+          </a:xfrm>
+          <a:prstGeom prst="rect">
+            <a:avLst/>
+          </a:prstGeom>
+        </p:spPr>
+      </p:pic>
+    </p:spTree>
+    <p:extLst>
+      <p:ext uri="{BB962C8B-B14F-4D97-AF65-F5344CB8AC3E}">
+        <p14:creationId xmlns:p14="http://schemas.microsoft.com/office/powerpoint/2010/main" val="2121082668"/>
+      </p:ext>
+    </p:extLst>
+  </p:cSld>
+  <p:clrMapOvr>
+    <a:masterClrMapping/>
+  </p:clrMapOvr>
+</p:sld>
+</file>
+
+<file path=ppt/slides/slide9.xml><?xml version="1.0" encoding="utf-8"?>
+<p:sld xmlns:a="http://schemas.openxmlformats.org/drawingml/2006/main" xmlns:r="http://schemas.openxmlformats.org/officeDocument/2006/relationships" xmlns:p="http://schemas.openxmlformats.org/presentationml/2006/main">
+  <p:cSld>
+    <p:spTree>
+      <p:nvGrpSpPr>
+        <p:cNvPr id="1" name=""/>
+        <p:cNvGrpSpPr/>
+        <p:nvPr/>
+      </p:nvGrpSpPr>
+      <p:grpSpPr>
+        <a:xfrm>
+          <a:off x="0" y="0"/>
+          <a:ext cx="0" cy="0"/>
+          <a:chOff x="0" y="0"/>
+          <a:chExt cx="0" cy="0"/>
+        </a:xfrm>
+      </p:grpSpPr>
+      <p:sp>
+        <p:nvSpPr>
+          <p:cNvPr id="2" name="כותרת 1">
+            <a:extLst>
+              <a:ext uri="{FF2B5EF4-FFF2-40B4-BE49-F238E27FC236}">
+                <a16:creationId xmlns:a16="http://schemas.microsoft.com/office/drawing/2014/main" id="{5EF63109-57FF-4909-8FC9-A7AD1F49FC56}"/>
+              </a:ext>
+            </a:extLst>
+          </p:cNvPr>
+          <p:cNvSpPr>
+            <a:spLocks noGrp="1"/>
+          </p:cNvSpPr>
+          <p:nvPr>
+            <p:ph type="title"/>
+          </p:nvPr>
+        </p:nvSpPr>
+        <p:spPr/>
+        <p:txBody>
+          <a:bodyPr/>
+          <a:lstStyle/>
+          <a:p>
+            <a:r>
+              <a:rPr lang="en-US" dirty="0"/>
+              <a:t>Main things we did and challenges</a:t>
+            </a:r>
+            <a:endParaRPr lang="he-IL" dirty="0"/>
+          </a:p>
+        </p:txBody>
+      </p:sp>
+      <p:sp>
+        <p:nvSpPr>
+          <p:cNvPr id="4" name="מציין מיקום תוכן 3">
+            <a:extLst>
+              <a:ext uri="{FF2B5EF4-FFF2-40B4-BE49-F238E27FC236}">
+                <a16:creationId xmlns:a16="http://schemas.microsoft.com/office/drawing/2014/main" id="{D1512E5A-B809-4F4B-A4ED-D899E7C8424A}"/>
+              </a:ext>
+            </a:extLst>
+          </p:cNvPr>
+          <p:cNvSpPr>
+            <a:spLocks noGrp="1"/>
+          </p:cNvSpPr>
+          <p:nvPr>
+            <p:ph sz="half" idx="2"/>
+          </p:nvPr>
+        </p:nvSpPr>
+        <p:spPr>
+          <a:xfrm>
+            <a:off x="1154954" y="2603500"/>
+            <a:ext cx="9878917" cy="3416300"/>
+          </a:xfrm>
+        </p:spPr>
+        <p:txBody>
+          <a:bodyPr/>
+          <a:lstStyle/>
+          <a:p>
+            <a:pPr algn="l" rtl="0"/>
+            <a:r>
+              <a:rPr lang="en-US" dirty="0"/>
+              <a:t>Classification of reviews (supervised model)</a:t>
+            </a:r>
+          </a:p>
+          <a:p>
+            <a:pPr lvl="1" algn="l" rtl="0"/>
+            <a:r>
+              <a:rPr lang="en-US" dirty="0"/>
+              <a:t>..continue</a:t>
+            </a:r>
+          </a:p>
+          <a:p>
+            <a:pPr lvl="1" algn="l" rtl="0"/>
+            <a:endParaRPr lang="en-US" dirty="0"/>
+          </a:p>
+          <a:p>
+            <a:pPr lvl="1" algn="l" rtl="0"/>
+            <a:endParaRPr lang="he-IL" dirty="0"/>
+          </a:p>
+        </p:txBody>
+      </p:sp>
+      <p:sp>
+        <p:nvSpPr>
+          <p:cNvPr id="6" name="תיבת טקסט 5">
+            <a:extLst>
+              <a:ext uri="{FF2B5EF4-FFF2-40B4-BE49-F238E27FC236}">
+                <a16:creationId xmlns:a16="http://schemas.microsoft.com/office/drawing/2014/main" id="{43DD3447-9580-41B5-B558-7F65504323AE}"/>
+              </a:ext>
+            </a:extLst>
+          </p:cNvPr>
+          <p:cNvSpPr txBox="1"/>
+          <p:nvPr/>
+        </p:nvSpPr>
+        <p:spPr>
+          <a:xfrm>
+            <a:off x="1952016" y="6215975"/>
+            <a:ext cx="3073940" cy="369332"/>
+          </a:xfrm>
+          <a:prstGeom prst="rect">
+            <a:avLst/>
+          </a:prstGeom>
+          <a:noFill/>
+        </p:spPr>
+        <p:txBody>
+          <a:bodyPr wrap="square" rtlCol="1">
+            <a:spAutoFit/>
+          </a:bodyPr>
+          <a:lstStyle/>
+          <a:p>
+            <a:r>
+              <a:rPr lang="en-US" dirty="0" err="1"/>
+              <a:t>LinearSVC</a:t>
+            </a:r>
+            <a:r>
+              <a:rPr lang="en-US" dirty="0"/>
+              <a:t> Model</a:t>
+            </a:r>
+            <a:endParaRPr lang="he-IL" dirty="0"/>
+          </a:p>
+        </p:txBody>
+      </p:sp>
+      <p:pic>
+        <p:nvPicPr>
+          <p:cNvPr id="5" name="תמונה 4">
+            <a:extLst>
+              <a:ext uri="{FF2B5EF4-FFF2-40B4-BE49-F238E27FC236}">
+                <a16:creationId xmlns:a16="http://schemas.microsoft.com/office/drawing/2014/main" id="{6B4E1F83-7DE7-4966-866C-673866BB6590}"/>
+              </a:ext>
+            </a:extLst>
+          </p:cNvPr>
+          <p:cNvPicPr>
+            <a:picLocks noChangeAspect="1"/>
+          </p:cNvPicPr>
+          <p:nvPr/>
+        </p:nvPicPr>
+        <p:blipFill>
+          <a:blip r:embed="rId2"/>
+          <a:stretch>
+            <a:fillRect/>
+          </a:stretch>
+        </p:blipFill>
+        <p:spPr>
+          <a:xfrm>
+            <a:off x="464351" y="3863062"/>
+            <a:ext cx="5630061" cy="1952898"/>
+          </a:xfrm>
+          <a:prstGeom prst="rect">
+            <a:avLst/>
+          </a:prstGeom>
+        </p:spPr>
+      </p:pic>
+      <p:sp>
+        <p:nvSpPr>
+          <p:cNvPr id="10" name="תיבת טקסט 9">
+            <a:extLst>
+              <a:ext uri="{FF2B5EF4-FFF2-40B4-BE49-F238E27FC236}">
+                <a16:creationId xmlns:a16="http://schemas.microsoft.com/office/drawing/2014/main" id="{233EEE49-06ED-4996-A0EB-CE0225E9877D}"/>
+              </a:ext>
+            </a:extLst>
+          </p:cNvPr>
+          <p:cNvSpPr txBox="1"/>
+          <p:nvPr/>
+        </p:nvSpPr>
+        <p:spPr>
+          <a:xfrm>
+            <a:off x="8213387" y="6215975"/>
+            <a:ext cx="3073940" cy="369332"/>
+          </a:xfrm>
+          <a:prstGeom prst="rect">
+            <a:avLst/>
+          </a:prstGeom>
+          <a:noFill/>
+        </p:spPr>
+        <p:txBody>
+          <a:bodyPr wrap="square" rtlCol="1">
+            <a:spAutoFit/>
+          </a:bodyPr>
+          <a:lstStyle/>
+          <a:p>
+            <a:r>
+              <a:rPr lang="en-US" dirty="0"/>
+              <a:t>KNN Model (k=7)</a:t>
+            </a:r>
+            <a:endParaRPr lang="he-IL" dirty="0"/>
+          </a:p>
+        </p:txBody>
+      </p:sp>
+      <p:pic>
+        <p:nvPicPr>
+          <p:cNvPr id="11" name="תמונה 10">
+            <a:extLst>
+              <a:ext uri="{FF2B5EF4-FFF2-40B4-BE49-F238E27FC236}">
+                <a16:creationId xmlns:a16="http://schemas.microsoft.com/office/drawing/2014/main" id="{06455232-D515-401C-9D5C-DF308A8CD444}"/>
+              </a:ext>
+            </a:extLst>
+          </p:cNvPr>
+          <p:cNvPicPr>
+            <a:picLocks noChangeAspect="1"/>
+          </p:cNvPicPr>
+          <p:nvPr/>
+        </p:nvPicPr>
+        <p:blipFill>
+          <a:blip r:embed="rId3"/>
+          <a:stretch>
+            <a:fillRect/>
+          </a:stretch>
+        </p:blipFill>
+        <p:spPr>
+          <a:xfrm>
+            <a:off x="6422601" y="3920220"/>
+            <a:ext cx="5591955" cy="1838582"/>
+          </a:xfrm>
+          <a:prstGeom prst="rect">
+            <a:avLst/>
+          </a:prstGeom>
+        </p:spPr>
+      </p:pic>
+    </p:spTree>
+    <p:extLst>
+      <p:ext uri="{BB962C8B-B14F-4D97-AF65-F5344CB8AC3E}">
+        <p14:creationId xmlns:p14="http://schemas.microsoft.com/office/powerpoint/2010/main" val="2749043660"/>
       </p:ext>
     </p:extLst>
   </p:cSld>

--- a/Things we did in project.pptx
+++ b/Things we did in project.pptx
@@ -5,19 +5,23 @@
     <p:sldMasterId id="2147483672" r:id="rId1"/>
   </p:sldMasterIdLst>
   <p:notesMasterIdLst>
-    <p:notesMasterId r:id="rId12"/>
+    <p:notesMasterId r:id="rId16"/>
   </p:notesMasterIdLst>
   <p:sldIdLst>
     <p:sldId id="256" r:id="rId2"/>
     <p:sldId id="263" r:id="rId3"/>
     <p:sldId id="264" r:id="rId4"/>
     <p:sldId id="265" r:id="rId5"/>
-    <p:sldId id="266" r:id="rId6"/>
-    <p:sldId id="267" r:id="rId7"/>
-    <p:sldId id="268" r:id="rId8"/>
-    <p:sldId id="269" r:id="rId9"/>
-    <p:sldId id="270" r:id="rId10"/>
-    <p:sldId id="271" r:id="rId11"/>
+    <p:sldId id="275" r:id="rId6"/>
+    <p:sldId id="274" r:id="rId7"/>
+    <p:sldId id="266" r:id="rId8"/>
+    <p:sldId id="267" r:id="rId9"/>
+    <p:sldId id="268" r:id="rId10"/>
+    <p:sldId id="269" r:id="rId11"/>
+    <p:sldId id="270" r:id="rId12"/>
+    <p:sldId id="271" r:id="rId13"/>
+    <p:sldId id="272" r:id="rId14"/>
+    <p:sldId id="273" r:id="rId15"/>
   </p:sldIdLst>
   <p:sldSz cx="12192000" cy="6858000"/>
   <p:notesSz cx="6858000" cy="9144000"/>
@@ -206,7 +210,7 @@
           <a:p>
             <a:fld id="{99B3FE1B-01D1-459D-875F-8154E6AE5851}" type="datetimeFigureOut">
               <a:rPr lang="he-IL" smtClean="0"/>
-              <a:t>כ"ג/חשון/תשפ"א</a:t>
+              <a:t>א'/כסלו/תשפ"א</a:t>
             </a:fld>
             <a:endParaRPr lang="he-IL"/>
           </a:p>
@@ -808,7 +812,7 @@
           <a:p>
             <a:fld id="{8236B938-022E-4225-A7C0-0A189B935F48}" type="datetimeFigureOut">
               <a:rPr lang="he-IL" smtClean="0"/>
-              <a:t>כ"ג/חשון/תשפ"א</a:t>
+              <a:t>א'/כסלו/תשפ"א</a:t>
             </a:fld>
             <a:endParaRPr lang="he-IL"/>
           </a:p>
@@ -1896,7 +1900,7 @@
           <a:p>
             <a:fld id="{8236B938-022E-4225-A7C0-0A189B935F48}" type="datetimeFigureOut">
               <a:rPr lang="he-IL" smtClean="0"/>
-              <a:t>כ"ג/חשון/תשפ"א</a:t>
+              <a:t>א'/כסלו/תשפ"א</a:t>
             </a:fld>
             <a:endParaRPr lang="he-IL"/>
           </a:p>
@@ -2876,7 +2880,7 @@
           <a:p>
             <a:fld id="{8236B938-022E-4225-A7C0-0A189B935F48}" type="datetimeFigureOut">
               <a:rPr lang="he-IL" smtClean="0"/>
-              <a:t>כ"ג/חשון/תשפ"א</a:t>
+              <a:t>א'/כסלו/תשפ"א</a:t>
             </a:fld>
             <a:endParaRPr lang="he-IL"/>
           </a:p>
@@ -4010,7 +4014,7 @@
           <a:p>
             <a:fld id="{8236B938-022E-4225-A7C0-0A189B935F48}" type="datetimeFigureOut">
               <a:rPr lang="he-IL" smtClean="0"/>
-              <a:t>כ"ג/חשון/תשפ"א</a:t>
+              <a:t>א'/כסלו/תשפ"א</a:t>
             </a:fld>
             <a:endParaRPr lang="he-IL"/>
           </a:p>
@@ -5043,7 +5047,7 @@
           <a:p>
             <a:fld id="{8236B938-022E-4225-A7C0-0A189B935F48}" type="datetimeFigureOut">
               <a:rPr lang="he-IL" smtClean="0"/>
-              <a:t>כ"ג/חשון/תשפ"א</a:t>
+              <a:t>א'/כסלו/תשפ"א</a:t>
             </a:fld>
             <a:endParaRPr lang="he-IL"/>
           </a:p>
@@ -5703,7 +5707,7 @@
           <a:p>
             <a:fld id="{8236B938-022E-4225-A7C0-0A189B935F48}" type="datetimeFigureOut">
               <a:rPr lang="he-IL" smtClean="0"/>
-              <a:t>כ"ג/חשון/תשפ"א</a:t>
+              <a:t>א'/כסלו/תשפ"א</a:t>
             </a:fld>
             <a:endParaRPr lang="he-IL"/>
           </a:p>
@@ -6564,7 +6568,7 @@
           <a:p>
             <a:fld id="{8236B938-022E-4225-A7C0-0A189B935F48}" type="datetimeFigureOut">
               <a:rPr lang="he-IL" smtClean="0"/>
-              <a:t>כ"ג/חשון/תשפ"א</a:t>
+              <a:t>א'/כסלו/תשפ"א</a:t>
             </a:fld>
             <a:endParaRPr lang="he-IL"/>
           </a:p>
@@ -6754,7 +6758,7 @@
           <a:p>
             <a:fld id="{8236B938-022E-4225-A7C0-0A189B935F48}" type="datetimeFigureOut">
               <a:rPr lang="he-IL" smtClean="0"/>
-              <a:t>כ"ג/חשון/תשפ"א</a:t>
+              <a:t>א'/כסלו/תשפ"א</a:t>
             </a:fld>
             <a:endParaRPr lang="he-IL"/>
           </a:p>
@@ -7726,7 +7730,7 @@
           <a:p>
             <a:fld id="{8236B938-022E-4225-A7C0-0A189B935F48}" type="datetimeFigureOut">
               <a:rPr lang="he-IL" smtClean="0"/>
-              <a:t>כ"ג/חשון/תשפ"א</a:t>
+              <a:t>א'/כסלו/תשפ"א</a:t>
             </a:fld>
             <a:endParaRPr lang="he-IL"/>
           </a:p>
@@ -7937,7 +7941,7 @@
           <a:p>
             <a:fld id="{8236B938-022E-4225-A7C0-0A189B935F48}" type="datetimeFigureOut">
               <a:rPr lang="he-IL" smtClean="0"/>
-              <a:t>כ"ג/חשון/תשפ"א</a:t>
+              <a:t>א'/כסלו/תשפ"א</a:t>
             </a:fld>
             <a:endParaRPr lang="he-IL"/>
           </a:p>
@@ -8971,7 +8975,7 @@
           <a:p>
             <a:fld id="{8236B938-022E-4225-A7C0-0A189B935F48}" type="datetimeFigureOut">
               <a:rPr lang="he-IL" smtClean="0"/>
-              <a:t>כ"ג/חשון/תשפ"א</a:t>
+              <a:t>א'/כסלו/תשפ"א</a:t>
             </a:fld>
             <a:endParaRPr lang="he-IL"/>
           </a:p>
@@ -9243,7 +9247,7 @@
           <a:p>
             <a:fld id="{8236B938-022E-4225-A7C0-0A189B935F48}" type="datetimeFigureOut">
               <a:rPr lang="he-IL" smtClean="0"/>
-              <a:t>כ"ג/חשון/תשפ"א</a:t>
+              <a:t>א'/כסלו/תשפ"א</a:t>
             </a:fld>
             <a:endParaRPr lang="he-IL"/>
           </a:p>
@@ -9658,7 +9662,7 @@
           <a:p>
             <a:fld id="{8236B938-022E-4225-A7C0-0A189B935F48}" type="datetimeFigureOut">
               <a:rPr lang="he-IL" smtClean="0"/>
-              <a:t>כ"ג/חשון/תשפ"א</a:t>
+              <a:t>א'/כסלו/תשפ"א</a:t>
             </a:fld>
             <a:endParaRPr lang="he-IL"/>
           </a:p>
@@ -9790,7 +9794,7 @@
           <a:p>
             <a:fld id="{8236B938-022E-4225-A7C0-0A189B935F48}" type="datetimeFigureOut">
               <a:rPr lang="he-IL" smtClean="0"/>
-              <a:t>כ"ג/חשון/תשפ"א</a:t>
+              <a:t>א'/כסלו/תשפ"א</a:t>
             </a:fld>
             <a:endParaRPr lang="he-IL"/>
           </a:p>
@@ -9885,7 +9889,7 @@
           <a:p>
             <a:fld id="{8236B938-022E-4225-A7C0-0A189B935F48}" type="datetimeFigureOut">
               <a:rPr lang="he-IL" smtClean="0"/>
-              <a:t>כ"ג/חשון/תשפ"א</a:t>
+              <a:t>א'/כסלו/תשפ"א</a:t>
             </a:fld>
             <a:endParaRPr lang="he-IL"/>
           </a:p>
@@ -10966,7 +10970,7 @@
           <a:p>
             <a:fld id="{8236B938-022E-4225-A7C0-0A189B935F48}" type="datetimeFigureOut">
               <a:rPr lang="he-IL" smtClean="0"/>
-              <a:t>כ"ג/חשון/תשפ"א</a:t>
+              <a:t>א'/כסלו/תשפ"א</a:t>
             </a:fld>
             <a:endParaRPr lang="he-IL"/>
           </a:p>
@@ -12079,7 +12083,7 @@
           <a:p>
             <a:fld id="{8236B938-022E-4225-A7C0-0A189B935F48}" type="datetimeFigureOut">
               <a:rPr lang="he-IL" smtClean="0"/>
-              <a:t>כ"ג/חשון/תשפ"א</a:t>
+              <a:t>א'/כסלו/תשפ"א</a:t>
             </a:fld>
             <a:endParaRPr lang="he-IL"/>
           </a:p>
@@ -13076,7 +13080,7 @@
           <a:p>
             <a:fld id="{8236B938-022E-4225-A7C0-0A189B935F48}" type="datetimeFigureOut">
               <a:rPr lang="he-IL" smtClean="0"/>
-              <a:t>כ"ג/חשון/תשפ"א</a:t>
+              <a:t>א'/כסלו/תשפ"א</a:t>
             </a:fld>
             <a:endParaRPr lang="he-IL"/>
           </a:p>
@@ -14523,6 +14527,498 @@
         </p:nvSpPr>
         <p:spPr>
           <a:xfrm>
+            <a:off x="1952016" y="6215975"/>
+            <a:ext cx="3073940" cy="369332"/>
+          </a:xfrm>
+          <a:prstGeom prst="rect">
+            <a:avLst/>
+          </a:prstGeom>
+          <a:noFill/>
+        </p:spPr>
+        <p:txBody>
+          <a:bodyPr wrap="square" rtlCol="1">
+            <a:spAutoFit/>
+          </a:bodyPr>
+          <a:lstStyle/>
+          <a:p>
+            <a:r>
+              <a:rPr lang="en-US" dirty="0"/>
+              <a:t>Logistic Regression Model</a:t>
+            </a:r>
+            <a:endParaRPr lang="he-IL" dirty="0"/>
+          </a:p>
+        </p:txBody>
+      </p:sp>
+      <p:sp>
+        <p:nvSpPr>
+          <p:cNvPr id="8" name="תיבת טקסט 7">
+            <a:extLst>
+              <a:ext uri="{FF2B5EF4-FFF2-40B4-BE49-F238E27FC236}">
+                <a16:creationId xmlns:a16="http://schemas.microsoft.com/office/drawing/2014/main" id="{AC713C63-930E-4995-AE6D-47382FB40DAF}"/>
+              </a:ext>
+            </a:extLst>
+          </p:cNvPr>
+          <p:cNvSpPr txBox="1"/>
+          <p:nvPr/>
+        </p:nvSpPr>
+        <p:spPr>
+          <a:xfrm>
+            <a:off x="8291210" y="6215975"/>
+            <a:ext cx="2916676" cy="369332"/>
+          </a:xfrm>
+          <a:prstGeom prst="rect">
+            <a:avLst/>
+          </a:prstGeom>
+          <a:noFill/>
+        </p:spPr>
+        <p:txBody>
+          <a:bodyPr wrap="square" rtlCol="1">
+            <a:spAutoFit/>
+          </a:bodyPr>
+          <a:lstStyle/>
+          <a:p>
+            <a:r>
+              <a:rPr lang="en-US" dirty="0"/>
+              <a:t>Naive Base Model</a:t>
+            </a:r>
+            <a:endParaRPr lang="he-IL" dirty="0"/>
+          </a:p>
+        </p:txBody>
+      </p:sp>
+      <p:pic>
+        <p:nvPicPr>
+          <p:cNvPr id="3" name="תמונה 2">
+            <a:extLst>
+              <a:ext uri="{FF2B5EF4-FFF2-40B4-BE49-F238E27FC236}">
+                <a16:creationId xmlns:a16="http://schemas.microsoft.com/office/drawing/2014/main" id="{5D37AE59-70DB-45A0-9458-876039244BF3}"/>
+              </a:ext>
+            </a:extLst>
+          </p:cNvPr>
+          <p:cNvPicPr>
+            <a:picLocks noChangeAspect="1"/>
+          </p:cNvPicPr>
+          <p:nvPr/>
+        </p:nvPicPr>
+        <p:blipFill>
+          <a:blip r:embed="rId2"/>
+          <a:stretch>
+            <a:fillRect/>
+          </a:stretch>
+        </p:blipFill>
+        <p:spPr>
+          <a:xfrm>
+            <a:off x="531061" y="3786046"/>
+            <a:ext cx="5915851" cy="2029108"/>
+          </a:xfrm>
+          <a:prstGeom prst="rect">
+            <a:avLst/>
+          </a:prstGeom>
+        </p:spPr>
+      </p:pic>
+      <p:pic>
+        <p:nvPicPr>
+          <p:cNvPr id="9" name="תמונה 8">
+            <a:extLst>
+              <a:ext uri="{FF2B5EF4-FFF2-40B4-BE49-F238E27FC236}">
+                <a16:creationId xmlns:a16="http://schemas.microsoft.com/office/drawing/2014/main" id="{78FB95B7-D7F6-4C22-8E4E-614F546EB462}"/>
+              </a:ext>
+            </a:extLst>
+          </p:cNvPr>
+          <p:cNvPicPr>
+            <a:picLocks noChangeAspect="1"/>
+          </p:cNvPicPr>
+          <p:nvPr/>
+        </p:nvPicPr>
+        <p:blipFill>
+          <a:blip r:embed="rId3"/>
+          <a:stretch>
+            <a:fillRect/>
+          </a:stretch>
+        </p:blipFill>
+        <p:spPr>
+          <a:xfrm>
+            <a:off x="6446912" y="3871783"/>
+            <a:ext cx="5630061" cy="1943371"/>
+          </a:xfrm>
+          <a:prstGeom prst="rect">
+            <a:avLst/>
+          </a:prstGeom>
+        </p:spPr>
+      </p:pic>
+    </p:spTree>
+    <p:extLst>
+      <p:ext uri="{BB962C8B-B14F-4D97-AF65-F5344CB8AC3E}">
+        <p14:creationId xmlns:p14="http://schemas.microsoft.com/office/powerpoint/2010/main" val="2121082668"/>
+      </p:ext>
+    </p:extLst>
+  </p:cSld>
+  <p:clrMapOvr>
+    <a:masterClrMapping/>
+  </p:clrMapOvr>
+</p:sld>
+</file>
+
+<file path=ppt/slides/slide11.xml><?xml version="1.0" encoding="utf-8"?>
+<p:sld xmlns:a="http://schemas.openxmlformats.org/drawingml/2006/main" xmlns:r="http://schemas.openxmlformats.org/officeDocument/2006/relationships" xmlns:p="http://schemas.openxmlformats.org/presentationml/2006/main">
+  <p:cSld>
+    <p:spTree>
+      <p:nvGrpSpPr>
+        <p:cNvPr id="1" name=""/>
+        <p:cNvGrpSpPr/>
+        <p:nvPr/>
+      </p:nvGrpSpPr>
+      <p:grpSpPr>
+        <a:xfrm>
+          <a:off x="0" y="0"/>
+          <a:ext cx="0" cy="0"/>
+          <a:chOff x="0" y="0"/>
+          <a:chExt cx="0" cy="0"/>
+        </a:xfrm>
+      </p:grpSpPr>
+      <p:sp>
+        <p:nvSpPr>
+          <p:cNvPr id="2" name="כותרת 1">
+            <a:extLst>
+              <a:ext uri="{FF2B5EF4-FFF2-40B4-BE49-F238E27FC236}">
+                <a16:creationId xmlns:a16="http://schemas.microsoft.com/office/drawing/2014/main" id="{5EF63109-57FF-4909-8FC9-A7AD1F49FC56}"/>
+              </a:ext>
+            </a:extLst>
+          </p:cNvPr>
+          <p:cNvSpPr>
+            <a:spLocks noGrp="1"/>
+          </p:cNvSpPr>
+          <p:nvPr>
+            <p:ph type="title"/>
+          </p:nvPr>
+        </p:nvSpPr>
+        <p:spPr/>
+        <p:txBody>
+          <a:bodyPr/>
+          <a:lstStyle/>
+          <a:p>
+            <a:r>
+              <a:rPr lang="en-US" dirty="0"/>
+              <a:t>Main things we did and challenges</a:t>
+            </a:r>
+            <a:endParaRPr lang="he-IL" dirty="0"/>
+          </a:p>
+        </p:txBody>
+      </p:sp>
+      <p:sp>
+        <p:nvSpPr>
+          <p:cNvPr id="4" name="מציין מיקום תוכן 3">
+            <a:extLst>
+              <a:ext uri="{FF2B5EF4-FFF2-40B4-BE49-F238E27FC236}">
+                <a16:creationId xmlns:a16="http://schemas.microsoft.com/office/drawing/2014/main" id="{D1512E5A-B809-4F4B-A4ED-D899E7C8424A}"/>
+              </a:ext>
+            </a:extLst>
+          </p:cNvPr>
+          <p:cNvSpPr>
+            <a:spLocks noGrp="1"/>
+          </p:cNvSpPr>
+          <p:nvPr>
+            <p:ph sz="half" idx="2"/>
+          </p:nvPr>
+        </p:nvSpPr>
+        <p:spPr>
+          <a:xfrm>
+            <a:off x="1154954" y="2603500"/>
+            <a:ext cx="9878917" cy="3416300"/>
+          </a:xfrm>
+        </p:spPr>
+        <p:txBody>
+          <a:bodyPr/>
+          <a:lstStyle/>
+          <a:p>
+            <a:pPr algn="l" rtl="0"/>
+            <a:r>
+              <a:rPr lang="en-US" dirty="0"/>
+              <a:t>Classification of reviews (supervised model)</a:t>
+            </a:r>
+          </a:p>
+          <a:p>
+            <a:pPr lvl="1" algn="l" rtl="0"/>
+            <a:r>
+              <a:rPr lang="en-US" dirty="0"/>
+              <a:t>..continue</a:t>
+            </a:r>
+          </a:p>
+          <a:p>
+            <a:pPr lvl="1" algn="l" rtl="0"/>
+            <a:endParaRPr lang="en-US" dirty="0"/>
+          </a:p>
+          <a:p>
+            <a:pPr lvl="1" algn="l" rtl="0"/>
+            <a:endParaRPr lang="he-IL" dirty="0"/>
+          </a:p>
+        </p:txBody>
+      </p:sp>
+      <p:sp>
+        <p:nvSpPr>
+          <p:cNvPr id="6" name="תיבת טקסט 5">
+            <a:extLst>
+              <a:ext uri="{FF2B5EF4-FFF2-40B4-BE49-F238E27FC236}">
+                <a16:creationId xmlns:a16="http://schemas.microsoft.com/office/drawing/2014/main" id="{43DD3447-9580-41B5-B558-7F65504323AE}"/>
+              </a:ext>
+            </a:extLst>
+          </p:cNvPr>
+          <p:cNvSpPr txBox="1"/>
+          <p:nvPr/>
+        </p:nvSpPr>
+        <p:spPr>
+          <a:xfrm>
+            <a:off x="1952016" y="6215975"/>
+            <a:ext cx="3073940" cy="369332"/>
+          </a:xfrm>
+          <a:prstGeom prst="rect">
+            <a:avLst/>
+          </a:prstGeom>
+          <a:noFill/>
+        </p:spPr>
+        <p:txBody>
+          <a:bodyPr wrap="square" rtlCol="1">
+            <a:spAutoFit/>
+          </a:bodyPr>
+          <a:lstStyle/>
+          <a:p>
+            <a:r>
+              <a:rPr lang="en-US" dirty="0" err="1"/>
+              <a:t>LinearSVC</a:t>
+            </a:r>
+            <a:r>
+              <a:rPr lang="en-US" dirty="0"/>
+              <a:t> Model</a:t>
+            </a:r>
+            <a:endParaRPr lang="he-IL" dirty="0"/>
+          </a:p>
+        </p:txBody>
+      </p:sp>
+      <p:pic>
+        <p:nvPicPr>
+          <p:cNvPr id="5" name="תמונה 4">
+            <a:extLst>
+              <a:ext uri="{FF2B5EF4-FFF2-40B4-BE49-F238E27FC236}">
+                <a16:creationId xmlns:a16="http://schemas.microsoft.com/office/drawing/2014/main" id="{6B4E1F83-7DE7-4966-866C-673866BB6590}"/>
+              </a:ext>
+            </a:extLst>
+          </p:cNvPr>
+          <p:cNvPicPr>
+            <a:picLocks noChangeAspect="1"/>
+          </p:cNvPicPr>
+          <p:nvPr/>
+        </p:nvPicPr>
+        <p:blipFill>
+          <a:blip r:embed="rId2"/>
+          <a:stretch>
+            <a:fillRect/>
+          </a:stretch>
+        </p:blipFill>
+        <p:spPr>
+          <a:xfrm>
+            <a:off x="464351" y="3863062"/>
+            <a:ext cx="5630061" cy="1952898"/>
+          </a:xfrm>
+          <a:prstGeom prst="rect">
+            <a:avLst/>
+          </a:prstGeom>
+        </p:spPr>
+      </p:pic>
+      <p:sp>
+        <p:nvSpPr>
+          <p:cNvPr id="10" name="תיבת טקסט 9">
+            <a:extLst>
+              <a:ext uri="{FF2B5EF4-FFF2-40B4-BE49-F238E27FC236}">
+                <a16:creationId xmlns:a16="http://schemas.microsoft.com/office/drawing/2014/main" id="{233EEE49-06ED-4996-A0EB-CE0225E9877D}"/>
+              </a:ext>
+            </a:extLst>
+          </p:cNvPr>
+          <p:cNvSpPr txBox="1"/>
+          <p:nvPr/>
+        </p:nvSpPr>
+        <p:spPr>
+          <a:xfrm>
+            <a:off x="8213387" y="6215975"/>
+            <a:ext cx="3073940" cy="369332"/>
+          </a:xfrm>
+          <a:prstGeom prst="rect">
+            <a:avLst/>
+          </a:prstGeom>
+          <a:noFill/>
+        </p:spPr>
+        <p:txBody>
+          <a:bodyPr wrap="square" rtlCol="1">
+            <a:spAutoFit/>
+          </a:bodyPr>
+          <a:lstStyle/>
+          <a:p>
+            <a:r>
+              <a:rPr lang="en-US" dirty="0"/>
+              <a:t>KNN Model (k=7)</a:t>
+            </a:r>
+            <a:endParaRPr lang="he-IL" dirty="0"/>
+          </a:p>
+        </p:txBody>
+      </p:sp>
+      <p:pic>
+        <p:nvPicPr>
+          <p:cNvPr id="11" name="תמונה 10">
+            <a:extLst>
+              <a:ext uri="{FF2B5EF4-FFF2-40B4-BE49-F238E27FC236}">
+                <a16:creationId xmlns:a16="http://schemas.microsoft.com/office/drawing/2014/main" id="{06455232-D515-401C-9D5C-DF308A8CD444}"/>
+              </a:ext>
+            </a:extLst>
+          </p:cNvPr>
+          <p:cNvPicPr>
+            <a:picLocks noChangeAspect="1"/>
+          </p:cNvPicPr>
+          <p:nvPr/>
+        </p:nvPicPr>
+        <p:blipFill>
+          <a:blip r:embed="rId3"/>
+          <a:stretch>
+            <a:fillRect/>
+          </a:stretch>
+        </p:blipFill>
+        <p:spPr>
+          <a:xfrm>
+            <a:off x="6422601" y="3920220"/>
+            <a:ext cx="5591955" cy="1838582"/>
+          </a:xfrm>
+          <a:prstGeom prst="rect">
+            <a:avLst/>
+          </a:prstGeom>
+        </p:spPr>
+      </p:pic>
+    </p:spTree>
+    <p:extLst>
+      <p:ext uri="{BB962C8B-B14F-4D97-AF65-F5344CB8AC3E}">
+        <p14:creationId xmlns:p14="http://schemas.microsoft.com/office/powerpoint/2010/main" val="2749043660"/>
+      </p:ext>
+    </p:extLst>
+  </p:cSld>
+  <p:clrMapOvr>
+    <a:masterClrMapping/>
+  </p:clrMapOvr>
+</p:sld>
+</file>
+
+<file path=ppt/slides/slide12.xml><?xml version="1.0" encoding="utf-8"?>
+<p:sld xmlns:a="http://schemas.openxmlformats.org/drawingml/2006/main" xmlns:r="http://schemas.openxmlformats.org/officeDocument/2006/relationships" xmlns:p="http://schemas.openxmlformats.org/presentationml/2006/main">
+  <p:cSld>
+    <p:spTree>
+      <p:nvGrpSpPr>
+        <p:cNvPr id="1" name=""/>
+        <p:cNvGrpSpPr/>
+        <p:nvPr/>
+      </p:nvGrpSpPr>
+      <p:grpSpPr>
+        <a:xfrm>
+          <a:off x="0" y="0"/>
+          <a:ext cx="0" cy="0"/>
+          <a:chOff x="0" y="0"/>
+          <a:chExt cx="0" cy="0"/>
+        </a:xfrm>
+      </p:grpSpPr>
+      <p:sp>
+        <p:nvSpPr>
+          <p:cNvPr id="2" name="כותרת 1">
+            <a:extLst>
+              <a:ext uri="{FF2B5EF4-FFF2-40B4-BE49-F238E27FC236}">
+                <a16:creationId xmlns:a16="http://schemas.microsoft.com/office/drawing/2014/main" id="{5EF63109-57FF-4909-8FC9-A7AD1F49FC56}"/>
+              </a:ext>
+            </a:extLst>
+          </p:cNvPr>
+          <p:cNvSpPr>
+            <a:spLocks noGrp="1"/>
+          </p:cNvSpPr>
+          <p:nvPr>
+            <p:ph type="title"/>
+          </p:nvPr>
+        </p:nvSpPr>
+        <p:spPr/>
+        <p:txBody>
+          <a:bodyPr/>
+          <a:lstStyle/>
+          <a:p>
+            <a:r>
+              <a:rPr lang="en-US" dirty="0"/>
+              <a:t>Main things we did and challenges</a:t>
+            </a:r>
+            <a:endParaRPr lang="he-IL" dirty="0"/>
+          </a:p>
+        </p:txBody>
+      </p:sp>
+      <p:sp>
+        <p:nvSpPr>
+          <p:cNvPr id="4" name="מציין מיקום תוכן 3">
+            <a:extLst>
+              <a:ext uri="{FF2B5EF4-FFF2-40B4-BE49-F238E27FC236}">
+                <a16:creationId xmlns:a16="http://schemas.microsoft.com/office/drawing/2014/main" id="{D1512E5A-B809-4F4B-A4ED-D899E7C8424A}"/>
+              </a:ext>
+            </a:extLst>
+          </p:cNvPr>
+          <p:cNvSpPr>
+            <a:spLocks noGrp="1"/>
+          </p:cNvSpPr>
+          <p:nvPr>
+            <p:ph sz="half" idx="2"/>
+          </p:nvPr>
+        </p:nvSpPr>
+        <p:spPr>
+          <a:xfrm>
+            <a:off x="1154954" y="2603500"/>
+            <a:ext cx="9878917" cy="3416300"/>
+          </a:xfrm>
+        </p:spPr>
+        <p:txBody>
+          <a:bodyPr/>
+          <a:lstStyle/>
+          <a:p>
+            <a:pPr algn="l" rtl="0"/>
+            <a:r>
+              <a:rPr lang="en-US" dirty="0"/>
+              <a:t>Classification of reviews (supervised model)</a:t>
+            </a:r>
+          </a:p>
+          <a:p>
+            <a:pPr lvl="1" algn="l" rtl="0"/>
+            <a:r>
+              <a:rPr lang="en-US" dirty="0"/>
+              <a:t>Using </a:t>
+            </a:r>
+            <a:r>
+              <a:rPr lang="en-US" dirty="0" err="1"/>
+              <a:t>Fasttext</a:t>
+            </a:r>
+            <a:r>
+              <a:rPr lang="en-US" dirty="0"/>
+              <a:t> from command-line, without ability to choose Model</a:t>
+            </a:r>
+          </a:p>
+          <a:p>
+            <a:pPr lvl="1" algn="l" rtl="0"/>
+            <a:endParaRPr lang="en-US" dirty="0"/>
+          </a:p>
+          <a:p>
+            <a:pPr lvl="1" algn="l" rtl="0"/>
+            <a:endParaRPr lang="he-IL" dirty="0"/>
+          </a:p>
+        </p:txBody>
+      </p:sp>
+      <p:sp>
+        <p:nvSpPr>
+          <p:cNvPr id="6" name="תיבת טקסט 5">
+            <a:extLst>
+              <a:ext uri="{FF2B5EF4-FFF2-40B4-BE49-F238E27FC236}">
+                <a16:creationId xmlns:a16="http://schemas.microsoft.com/office/drawing/2014/main" id="{43DD3447-9580-41B5-B558-7F65504323AE}"/>
+              </a:ext>
+            </a:extLst>
+          </p:cNvPr>
+          <p:cNvSpPr txBox="1"/>
+          <p:nvPr/>
+        </p:nvSpPr>
+        <p:spPr>
+          <a:xfrm>
             <a:off x="1280808" y="5835134"/>
             <a:ext cx="1524212" cy="369332"/>
           </a:xfrm>
@@ -14728,6 +15224,510 @@
 </p:sld>
 </file>
 
+<file path=ppt/slides/slide13.xml><?xml version="1.0" encoding="utf-8"?>
+<p:sld xmlns:a="http://schemas.openxmlformats.org/drawingml/2006/main" xmlns:r="http://schemas.openxmlformats.org/officeDocument/2006/relationships" xmlns:p="http://schemas.openxmlformats.org/presentationml/2006/main">
+  <p:cSld>
+    <p:spTree>
+      <p:nvGrpSpPr>
+        <p:cNvPr id="1" name=""/>
+        <p:cNvGrpSpPr/>
+        <p:nvPr/>
+      </p:nvGrpSpPr>
+      <p:grpSpPr>
+        <a:xfrm>
+          <a:off x="0" y="0"/>
+          <a:ext cx="0" cy="0"/>
+          <a:chOff x="0" y="0"/>
+          <a:chExt cx="0" cy="0"/>
+        </a:xfrm>
+      </p:grpSpPr>
+      <p:sp>
+        <p:nvSpPr>
+          <p:cNvPr id="2" name="כותרת 1">
+            <a:extLst>
+              <a:ext uri="{FF2B5EF4-FFF2-40B4-BE49-F238E27FC236}">
+                <a16:creationId xmlns:a16="http://schemas.microsoft.com/office/drawing/2014/main" id="{5EF63109-57FF-4909-8FC9-A7AD1F49FC56}"/>
+              </a:ext>
+            </a:extLst>
+          </p:cNvPr>
+          <p:cNvSpPr>
+            <a:spLocks noGrp="1"/>
+          </p:cNvSpPr>
+          <p:nvPr>
+            <p:ph type="title"/>
+          </p:nvPr>
+        </p:nvSpPr>
+        <p:spPr/>
+        <p:txBody>
+          <a:bodyPr/>
+          <a:lstStyle/>
+          <a:p>
+            <a:r>
+              <a:rPr lang="en-US" dirty="0"/>
+              <a:t>Main things we did and challenges</a:t>
+            </a:r>
+            <a:endParaRPr lang="he-IL" dirty="0"/>
+          </a:p>
+        </p:txBody>
+      </p:sp>
+      <p:sp>
+        <p:nvSpPr>
+          <p:cNvPr id="4" name="מציין מיקום תוכן 3">
+            <a:extLst>
+              <a:ext uri="{FF2B5EF4-FFF2-40B4-BE49-F238E27FC236}">
+                <a16:creationId xmlns:a16="http://schemas.microsoft.com/office/drawing/2014/main" id="{D1512E5A-B809-4F4B-A4ED-D899E7C8424A}"/>
+              </a:ext>
+            </a:extLst>
+          </p:cNvPr>
+          <p:cNvSpPr>
+            <a:spLocks noGrp="1"/>
+          </p:cNvSpPr>
+          <p:nvPr>
+            <p:ph sz="half" idx="2"/>
+          </p:nvPr>
+        </p:nvSpPr>
+        <p:spPr>
+          <a:xfrm>
+            <a:off x="1154954" y="2603500"/>
+            <a:ext cx="9878917" cy="3416300"/>
+          </a:xfrm>
+        </p:spPr>
+        <p:txBody>
+          <a:bodyPr/>
+          <a:lstStyle/>
+          <a:p>
+            <a:pPr algn="l" rtl="0"/>
+            <a:r>
+              <a:rPr lang="en-US" dirty="0"/>
+              <a:t>Classification of reviews (supervised model)</a:t>
+            </a:r>
+          </a:p>
+          <a:p>
+            <a:pPr lvl="1" algn="l" rtl="0"/>
+            <a:r>
+              <a:rPr lang="en-US" dirty="0"/>
+              <a:t>Loading </a:t>
+            </a:r>
+            <a:r>
+              <a:rPr lang="en-US" dirty="0" err="1"/>
+              <a:t>FastText</a:t>
+            </a:r>
+            <a:r>
+              <a:rPr lang="en-US" dirty="0"/>
+              <a:t> model and using it with different algorithms</a:t>
+            </a:r>
+          </a:p>
+          <a:p>
+            <a:pPr lvl="1" algn="l" rtl="0"/>
+            <a:endParaRPr lang="en-US" dirty="0"/>
+          </a:p>
+          <a:p>
+            <a:pPr lvl="1" algn="l" rtl="0"/>
+            <a:endParaRPr lang="he-IL" dirty="0"/>
+          </a:p>
+        </p:txBody>
+      </p:sp>
+      <p:sp>
+        <p:nvSpPr>
+          <p:cNvPr id="12" name="תיבת טקסט 11">
+            <a:extLst>
+              <a:ext uri="{FF2B5EF4-FFF2-40B4-BE49-F238E27FC236}">
+                <a16:creationId xmlns:a16="http://schemas.microsoft.com/office/drawing/2014/main" id="{D30248E4-FC93-420E-B000-C5460B31A626}"/>
+              </a:ext>
+            </a:extLst>
+          </p:cNvPr>
+          <p:cNvSpPr txBox="1"/>
+          <p:nvPr/>
+        </p:nvSpPr>
+        <p:spPr>
+          <a:xfrm>
+            <a:off x="886660" y="6018898"/>
+            <a:ext cx="3698311" cy="369332"/>
+          </a:xfrm>
+          <a:prstGeom prst="rect">
+            <a:avLst/>
+          </a:prstGeom>
+          <a:noFill/>
+        </p:spPr>
+        <p:txBody>
+          <a:bodyPr wrap="square" rtlCol="1">
+            <a:spAutoFit/>
+          </a:bodyPr>
+          <a:lstStyle/>
+          <a:p>
+            <a:r>
+              <a:rPr lang="en-US" dirty="0" err="1"/>
+              <a:t>FastText</a:t>
+            </a:r>
+            <a:r>
+              <a:rPr lang="en-US" dirty="0"/>
+              <a:t> with cleaned text- SVM</a:t>
+            </a:r>
+            <a:endParaRPr lang="he-IL" dirty="0"/>
+          </a:p>
+        </p:txBody>
+      </p:sp>
+      <p:pic>
+        <p:nvPicPr>
+          <p:cNvPr id="5" name="תמונה 4">
+            <a:extLst>
+              <a:ext uri="{FF2B5EF4-FFF2-40B4-BE49-F238E27FC236}">
+                <a16:creationId xmlns:a16="http://schemas.microsoft.com/office/drawing/2014/main" id="{5084334E-40D1-433F-8D49-EEFCAD3D1900}"/>
+              </a:ext>
+            </a:extLst>
+          </p:cNvPr>
+          <p:cNvPicPr>
+            <a:picLocks noChangeAspect="1"/>
+          </p:cNvPicPr>
+          <p:nvPr/>
+        </p:nvPicPr>
+        <p:blipFill>
+          <a:blip r:embed="rId2"/>
+          <a:stretch>
+            <a:fillRect/>
+          </a:stretch>
+        </p:blipFill>
+        <p:spPr>
+          <a:xfrm>
+            <a:off x="589279" y="4133761"/>
+            <a:ext cx="5106777" cy="1924538"/>
+          </a:xfrm>
+          <a:prstGeom prst="rect">
+            <a:avLst/>
+          </a:prstGeom>
+        </p:spPr>
+      </p:pic>
+      <p:pic>
+        <p:nvPicPr>
+          <p:cNvPr id="10" name="תמונה 9">
+            <a:extLst>
+              <a:ext uri="{FF2B5EF4-FFF2-40B4-BE49-F238E27FC236}">
+                <a16:creationId xmlns:a16="http://schemas.microsoft.com/office/drawing/2014/main" id="{28352F6A-8BAE-4570-802E-E611A02E3C70}"/>
+              </a:ext>
+            </a:extLst>
+          </p:cNvPr>
+          <p:cNvPicPr>
+            <a:picLocks noChangeAspect="1"/>
+          </p:cNvPicPr>
+          <p:nvPr/>
+        </p:nvPicPr>
+        <p:blipFill>
+          <a:blip r:embed="rId3"/>
+          <a:stretch>
+            <a:fillRect/>
+          </a:stretch>
+        </p:blipFill>
+        <p:spPr>
+          <a:xfrm>
+            <a:off x="6208741" y="3949164"/>
+            <a:ext cx="5337815" cy="1910745"/>
+          </a:xfrm>
+          <a:prstGeom prst="rect">
+            <a:avLst/>
+          </a:prstGeom>
+        </p:spPr>
+      </p:pic>
+      <p:sp>
+        <p:nvSpPr>
+          <p:cNvPr id="13" name="תיבת טקסט 12">
+            <a:extLst>
+              <a:ext uri="{FF2B5EF4-FFF2-40B4-BE49-F238E27FC236}">
+                <a16:creationId xmlns:a16="http://schemas.microsoft.com/office/drawing/2014/main" id="{B5EA8437-7984-466F-878D-60977A23A8F7}"/>
+              </a:ext>
+            </a:extLst>
+          </p:cNvPr>
+          <p:cNvSpPr txBox="1"/>
+          <p:nvPr/>
+        </p:nvSpPr>
+        <p:spPr>
+          <a:xfrm>
+            <a:off x="6301724" y="6035671"/>
+            <a:ext cx="5429833" cy="369332"/>
+          </a:xfrm>
+          <a:prstGeom prst="rect">
+            <a:avLst/>
+          </a:prstGeom>
+          <a:noFill/>
+        </p:spPr>
+        <p:txBody>
+          <a:bodyPr wrap="square" rtlCol="1">
+            <a:spAutoFit/>
+          </a:bodyPr>
+          <a:lstStyle/>
+          <a:p>
+            <a:r>
+              <a:rPr lang="en-US" dirty="0" err="1"/>
+              <a:t>FastText</a:t>
+            </a:r>
+            <a:r>
+              <a:rPr lang="en-US" dirty="0"/>
+              <a:t> with cleaned text- Logistic Regression</a:t>
+            </a:r>
+            <a:endParaRPr lang="he-IL" dirty="0"/>
+          </a:p>
+        </p:txBody>
+      </p:sp>
+    </p:spTree>
+    <p:extLst>
+      <p:ext uri="{BB962C8B-B14F-4D97-AF65-F5344CB8AC3E}">
+        <p14:creationId xmlns:p14="http://schemas.microsoft.com/office/powerpoint/2010/main" val="2403493442"/>
+      </p:ext>
+    </p:extLst>
+  </p:cSld>
+  <p:clrMapOvr>
+    <a:masterClrMapping/>
+  </p:clrMapOvr>
+</p:sld>
+</file>
+
+<file path=ppt/slides/slide14.xml><?xml version="1.0" encoding="utf-8"?>
+<p:sld xmlns:a="http://schemas.openxmlformats.org/drawingml/2006/main" xmlns:r="http://schemas.openxmlformats.org/officeDocument/2006/relationships" xmlns:p="http://schemas.openxmlformats.org/presentationml/2006/main">
+  <p:cSld>
+    <p:spTree>
+      <p:nvGrpSpPr>
+        <p:cNvPr id="1" name=""/>
+        <p:cNvGrpSpPr/>
+        <p:nvPr/>
+      </p:nvGrpSpPr>
+      <p:grpSpPr>
+        <a:xfrm>
+          <a:off x="0" y="0"/>
+          <a:ext cx="0" cy="0"/>
+          <a:chOff x="0" y="0"/>
+          <a:chExt cx="0" cy="0"/>
+        </a:xfrm>
+      </p:grpSpPr>
+      <p:sp>
+        <p:nvSpPr>
+          <p:cNvPr id="2" name="כותרת 1">
+            <a:extLst>
+              <a:ext uri="{FF2B5EF4-FFF2-40B4-BE49-F238E27FC236}">
+                <a16:creationId xmlns:a16="http://schemas.microsoft.com/office/drawing/2014/main" id="{5EF63109-57FF-4909-8FC9-A7AD1F49FC56}"/>
+              </a:ext>
+            </a:extLst>
+          </p:cNvPr>
+          <p:cNvSpPr>
+            <a:spLocks noGrp="1"/>
+          </p:cNvSpPr>
+          <p:nvPr>
+            <p:ph type="title"/>
+          </p:nvPr>
+        </p:nvSpPr>
+        <p:spPr/>
+        <p:txBody>
+          <a:bodyPr/>
+          <a:lstStyle/>
+          <a:p>
+            <a:r>
+              <a:rPr lang="en-US" dirty="0"/>
+              <a:t>Main things we did and challenges</a:t>
+            </a:r>
+            <a:endParaRPr lang="he-IL" dirty="0"/>
+          </a:p>
+        </p:txBody>
+      </p:sp>
+      <p:sp>
+        <p:nvSpPr>
+          <p:cNvPr id="4" name="מציין מיקום תוכן 3">
+            <a:extLst>
+              <a:ext uri="{FF2B5EF4-FFF2-40B4-BE49-F238E27FC236}">
+                <a16:creationId xmlns:a16="http://schemas.microsoft.com/office/drawing/2014/main" id="{D1512E5A-B809-4F4B-A4ED-D899E7C8424A}"/>
+              </a:ext>
+            </a:extLst>
+          </p:cNvPr>
+          <p:cNvSpPr>
+            <a:spLocks noGrp="1"/>
+          </p:cNvSpPr>
+          <p:nvPr>
+            <p:ph sz="half" idx="2"/>
+          </p:nvPr>
+        </p:nvSpPr>
+        <p:spPr>
+          <a:xfrm>
+            <a:off x="1154954" y="2603500"/>
+            <a:ext cx="9878917" cy="3416300"/>
+          </a:xfrm>
+        </p:spPr>
+        <p:txBody>
+          <a:bodyPr/>
+          <a:lstStyle/>
+          <a:p>
+            <a:pPr algn="l" rtl="0"/>
+            <a:r>
+              <a:rPr lang="en-US" dirty="0"/>
+              <a:t>Classification of reviews (supervised model)</a:t>
+            </a:r>
+          </a:p>
+          <a:p>
+            <a:pPr lvl="1" algn="l" rtl="0"/>
+            <a:r>
+              <a:rPr lang="en-US" dirty="0"/>
+              <a:t>…continue</a:t>
+            </a:r>
+          </a:p>
+          <a:p>
+            <a:pPr lvl="1" algn="l" rtl="0"/>
+            <a:endParaRPr lang="en-US" dirty="0"/>
+          </a:p>
+          <a:p>
+            <a:pPr lvl="1" algn="l" rtl="0"/>
+            <a:endParaRPr lang="he-IL" dirty="0"/>
+          </a:p>
+        </p:txBody>
+      </p:sp>
+      <p:sp>
+        <p:nvSpPr>
+          <p:cNvPr id="12" name="תיבת טקסט 11">
+            <a:extLst>
+              <a:ext uri="{FF2B5EF4-FFF2-40B4-BE49-F238E27FC236}">
+                <a16:creationId xmlns:a16="http://schemas.microsoft.com/office/drawing/2014/main" id="{D30248E4-FC93-420E-B000-C5460B31A626}"/>
+              </a:ext>
+            </a:extLst>
+          </p:cNvPr>
+          <p:cNvSpPr txBox="1"/>
+          <p:nvPr/>
+        </p:nvSpPr>
+        <p:spPr>
+          <a:xfrm>
+            <a:off x="886660" y="6018898"/>
+            <a:ext cx="5321087" cy="369332"/>
+          </a:xfrm>
+          <a:prstGeom prst="rect">
+            <a:avLst/>
+          </a:prstGeom>
+          <a:noFill/>
+        </p:spPr>
+        <p:txBody>
+          <a:bodyPr wrap="square" rtlCol="1">
+            <a:spAutoFit/>
+          </a:bodyPr>
+          <a:lstStyle/>
+          <a:p>
+            <a:r>
+              <a:rPr lang="en-US" dirty="0" err="1"/>
+              <a:t>FastText</a:t>
+            </a:r>
+            <a:r>
+              <a:rPr lang="en-US" dirty="0"/>
+              <a:t> with cleaned text- Random Forest</a:t>
+            </a:r>
+            <a:endParaRPr lang="he-IL" dirty="0"/>
+          </a:p>
+        </p:txBody>
+      </p:sp>
+      <p:pic>
+        <p:nvPicPr>
+          <p:cNvPr id="3" name="תמונה 2">
+            <a:extLst>
+              <a:ext uri="{FF2B5EF4-FFF2-40B4-BE49-F238E27FC236}">
+                <a16:creationId xmlns:a16="http://schemas.microsoft.com/office/drawing/2014/main" id="{C5D70687-4036-47B0-9AC4-D9CABC6D4563}"/>
+              </a:ext>
+            </a:extLst>
+          </p:cNvPr>
+          <p:cNvPicPr>
+            <a:picLocks noChangeAspect="1"/>
+          </p:cNvPicPr>
+          <p:nvPr/>
+        </p:nvPicPr>
+        <p:blipFill>
+          <a:blip r:embed="rId2"/>
+          <a:stretch>
+            <a:fillRect/>
+          </a:stretch>
+        </p:blipFill>
+        <p:spPr>
+          <a:xfrm>
+            <a:off x="672950" y="3887078"/>
+            <a:ext cx="5534797" cy="1924319"/>
+          </a:xfrm>
+          <a:prstGeom prst="rect">
+            <a:avLst/>
+          </a:prstGeom>
+        </p:spPr>
+      </p:pic>
+      <p:sp>
+        <p:nvSpPr>
+          <p:cNvPr id="9" name="תיבת טקסט 8">
+            <a:extLst>
+              <a:ext uri="{FF2B5EF4-FFF2-40B4-BE49-F238E27FC236}">
+                <a16:creationId xmlns:a16="http://schemas.microsoft.com/office/drawing/2014/main" id="{59910B7F-8970-4A15-863F-219FE1B540B4}"/>
+              </a:ext>
+            </a:extLst>
+          </p:cNvPr>
+          <p:cNvSpPr txBox="1"/>
+          <p:nvPr/>
+        </p:nvSpPr>
+        <p:spPr>
+          <a:xfrm>
+            <a:off x="6379545" y="6018898"/>
+            <a:ext cx="5321087" cy="369332"/>
+          </a:xfrm>
+          <a:prstGeom prst="rect">
+            <a:avLst/>
+          </a:prstGeom>
+          <a:noFill/>
+        </p:spPr>
+        <p:txBody>
+          <a:bodyPr wrap="square" rtlCol="1">
+            <a:spAutoFit/>
+          </a:bodyPr>
+          <a:lstStyle/>
+          <a:p>
+            <a:r>
+              <a:rPr lang="en-US" dirty="0" err="1"/>
+              <a:t>FastText</a:t>
+            </a:r>
+            <a:r>
+              <a:rPr lang="en-US" dirty="0"/>
+              <a:t> with cleaned text- Decision Tree</a:t>
+            </a:r>
+            <a:endParaRPr lang="he-IL" dirty="0"/>
+          </a:p>
+        </p:txBody>
+      </p:sp>
+      <p:pic>
+        <p:nvPicPr>
+          <p:cNvPr id="6" name="תמונה 5">
+            <a:extLst>
+              <a:ext uri="{FF2B5EF4-FFF2-40B4-BE49-F238E27FC236}">
+                <a16:creationId xmlns:a16="http://schemas.microsoft.com/office/drawing/2014/main" id="{2D01467D-47A4-444B-839A-8C1F407025C9}"/>
+              </a:ext>
+            </a:extLst>
+          </p:cNvPr>
+          <p:cNvPicPr>
+            <a:picLocks noChangeAspect="1"/>
+          </p:cNvPicPr>
+          <p:nvPr/>
+        </p:nvPicPr>
+        <p:blipFill>
+          <a:blip r:embed="rId3"/>
+          <a:stretch>
+            <a:fillRect/>
+          </a:stretch>
+        </p:blipFill>
+        <p:spPr>
+          <a:xfrm>
+            <a:off x="6476041" y="3873045"/>
+            <a:ext cx="5442670" cy="1893500"/>
+          </a:xfrm>
+          <a:prstGeom prst="rect">
+            <a:avLst/>
+          </a:prstGeom>
+        </p:spPr>
+      </p:pic>
+    </p:spTree>
+    <p:extLst>
+      <p:ext uri="{BB962C8B-B14F-4D97-AF65-F5344CB8AC3E}">
+        <p14:creationId xmlns:p14="http://schemas.microsoft.com/office/powerpoint/2010/main" val="2007812861"/>
+      </p:ext>
+    </p:extLst>
+  </p:cSld>
+  <p:clrMapOvr>
+    <a:masterClrMapping/>
+  </p:clrMapOvr>
+</p:sld>
+</file>
+
 <file path=ppt/slides/slide2.xml><?xml version="1.0" encoding="utf-8"?>
 <p:sld xmlns:a="http://schemas.openxmlformats.org/drawingml/2006/main" xmlns:r="http://schemas.openxmlformats.org/officeDocument/2006/relationships" xmlns:p="http://schemas.openxmlformats.org/presentationml/2006/main">
   <p:cSld>
@@ -15131,64 +16131,11 @@
             <a:endParaRPr lang="en-US" dirty="0"/>
           </a:p>
           <a:p>
-            <a:pPr algn="l" rtl="0"/>
-            <a:r>
-              <a:rPr lang="en-US" dirty="0"/>
-              <a:t>Classification of reviews (supervised model)</a:t>
-            </a:r>
-          </a:p>
-          <a:p>
-            <a:pPr lvl="1" algn="l" rtl="0"/>
-            <a:r>
-              <a:rPr lang="en-US" dirty="0"/>
-              <a:t>Running Doc2Vec and using </a:t>
-            </a:r>
-            <a:r>
-              <a:rPr lang="en-US" dirty="0" err="1"/>
-              <a:t>DecisionTreeClassifier</a:t>
-            </a:r>
-            <a:endParaRPr lang="en-US" dirty="0"/>
-          </a:p>
-          <a:p>
-            <a:pPr lvl="1" algn="l" rtl="0"/>
-            <a:endParaRPr lang="en-US" dirty="0"/>
-          </a:p>
-          <a:p>
             <a:pPr lvl="1" algn="l" rtl="0"/>
             <a:endParaRPr lang="he-IL" dirty="0"/>
           </a:p>
         </p:txBody>
       </p:sp>
-      <p:pic>
-        <p:nvPicPr>
-          <p:cNvPr id="3" name="תמונה 2">
-            <a:extLst>
-              <a:ext uri="{FF2B5EF4-FFF2-40B4-BE49-F238E27FC236}">
-                <a16:creationId xmlns:a16="http://schemas.microsoft.com/office/drawing/2014/main" id="{43C67EA5-35A9-42B1-BFFF-A8E9CE16D633}"/>
-              </a:ext>
-            </a:extLst>
-          </p:cNvPr>
-          <p:cNvPicPr>
-            <a:picLocks noChangeAspect="1"/>
-          </p:cNvPicPr>
-          <p:nvPr/>
-        </p:nvPicPr>
-        <p:blipFill>
-          <a:blip r:embed="rId2"/>
-          <a:stretch>
-            <a:fillRect/>
-          </a:stretch>
-        </p:blipFill>
-        <p:spPr>
-          <a:xfrm>
-            <a:off x="2987321" y="4658309"/>
-            <a:ext cx="5242280" cy="1923613"/>
-          </a:xfrm>
-          <a:prstGeom prst="rect">
-            <a:avLst/>
-          </a:prstGeom>
-        </p:spPr>
-      </p:pic>
     </p:spTree>
     <p:extLst>
       <p:ext uri="{BB962C8B-B14F-4D97-AF65-F5344CB8AC3E}">
@@ -15277,6 +16224,358 @@
             <a:pPr algn="l" rtl="0"/>
             <a:r>
               <a:rPr lang="en-US" dirty="0"/>
+              <a:t>Embedding</a:t>
+            </a:r>
+          </a:p>
+          <a:p>
+            <a:pPr lvl="1" algn="l" rtl="0"/>
+            <a:r>
+              <a:rPr lang="en-US" dirty="0"/>
+              <a:t>Word2Vec (Dov2Vec)</a:t>
+            </a:r>
+          </a:p>
+          <a:p>
+            <a:pPr lvl="2" algn="l" rtl="0"/>
+            <a:r>
+              <a:rPr lang="en-US" dirty="0"/>
+              <a:t>Word2Vec  Trains a unique word embedding for every individual word</a:t>
+            </a:r>
+          </a:p>
+          <a:p>
+            <a:pPr lvl="1" algn="l" rtl="0"/>
+            <a:r>
+              <a:rPr lang="en-US" dirty="0" err="1"/>
+              <a:t>FastText</a:t>
+            </a:r>
+            <a:endParaRPr lang="en-US" dirty="0"/>
+          </a:p>
+          <a:p>
+            <a:pPr lvl="2" algn="l" rtl="0"/>
+            <a:r>
+              <a:rPr lang="en-US" dirty="0" err="1"/>
+              <a:t>Fasttext</a:t>
+            </a:r>
+            <a:r>
+              <a:rPr lang="en-US" dirty="0"/>
+              <a:t> treats each word as the aggregation of its </a:t>
+            </a:r>
+            <a:r>
+              <a:rPr lang="en-US" dirty="0" err="1"/>
+              <a:t>subwords</a:t>
+            </a:r>
+            <a:r>
+              <a:rPr lang="en-US" dirty="0"/>
+              <a:t> (</a:t>
+            </a:r>
+            <a:r>
+              <a:rPr lang="en-US" dirty="0" err="1"/>
+              <a:t>subwords</a:t>
+            </a:r>
+            <a:r>
+              <a:rPr lang="en-US" dirty="0"/>
+              <a:t> are taken to be the character </a:t>
+            </a:r>
+            <a:r>
+              <a:rPr lang="en-US" dirty="0" err="1"/>
+              <a:t>ngrams</a:t>
+            </a:r>
+            <a:r>
+              <a:rPr lang="en-US" dirty="0"/>
+              <a:t> of the word). The vector for a word is simply taken to be the sum of all vectors of its component char-</a:t>
+            </a:r>
+            <a:r>
+              <a:rPr lang="en-US" dirty="0" err="1"/>
+              <a:t>ngrams</a:t>
+            </a:r>
+            <a:endParaRPr lang="en-US" dirty="0"/>
+          </a:p>
+          <a:p>
+            <a:pPr lvl="2" algn="l" rtl="0"/>
+            <a:r>
+              <a:rPr lang="en-US" dirty="0"/>
+              <a:t>Better for morphologically rich languages (</a:t>
+            </a:r>
+            <a:r>
+              <a:rPr lang="en-US" dirty="0" err="1"/>
+              <a:t>Hebrew,German</a:t>
+            </a:r>
+            <a:r>
+              <a:rPr lang="en-US" dirty="0"/>
+              <a:t>, Turkish </a:t>
+            </a:r>
+            <a:r>
+              <a:rPr lang="en-US" dirty="0" err="1"/>
+              <a:t>etc</a:t>
+            </a:r>
+            <a:r>
+              <a:rPr lang="en-US" dirty="0"/>
+              <a:t>)</a:t>
+            </a:r>
+          </a:p>
+          <a:p>
+            <a:pPr lvl="2" algn="l" rtl="0"/>
+            <a:r>
+              <a:rPr lang="en-US" dirty="0" err="1"/>
+              <a:t>fastText</a:t>
+            </a:r>
+            <a:r>
+              <a:rPr lang="en-US" dirty="0"/>
+              <a:t> can obtain vectors even for out-of-vocabulary (OOV) words, by summing up vectors for its component char-</a:t>
+            </a:r>
+            <a:r>
+              <a:rPr lang="en-US" dirty="0" err="1"/>
+              <a:t>ngrams</a:t>
+            </a:r>
+            <a:r>
+              <a:rPr lang="en-US" dirty="0"/>
+              <a:t>, provided at least one of the char-</a:t>
+            </a:r>
+            <a:r>
+              <a:rPr lang="en-US" dirty="0" err="1"/>
+              <a:t>ngrams</a:t>
+            </a:r>
+            <a:r>
+              <a:rPr lang="en-US" dirty="0"/>
+              <a:t> was present in the training data.</a:t>
+            </a:r>
+          </a:p>
+          <a:p>
+            <a:pPr lvl="1" algn="l" rtl="0"/>
+            <a:endParaRPr lang="he-IL" dirty="0"/>
+          </a:p>
+        </p:txBody>
+      </p:sp>
+    </p:spTree>
+    <p:extLst>
+      <p:ext uri="{BB962C8B-B14F-4D97-AF65-F5344CB8AC3E}">
+        <p14:creationId xmlns:p14="http://schemas.microsoft.com/office/powerpoint/2010/main" val="527216080"/>
+      </p:ext>
+    </p:extLst>
+  </p:cSld>
+  <p:clrMapOvr>
+    <a:masterClrMapping/>
+  </p:clrMapOvr>
+</p:sld>
+</file>
+
+<file path=ppt/slides/slide6.xml><?xml version="1.0" encoding="utf-8"?>
+<p:sld xmlns:a="http://schemas.openxmlformats.org/drawingml/2006/main" xmlns:r="http://schemas.openxmlformats.org/officeDocument/2006/relationships" xmlns:p="http://schemas.openxmlformats.org/presentationml/2006/main">
+  <p:cSld>
+    <p:spTree>
+      <p:nvGrpSpPr>
+        <p:cNvPr id="1" name=""/>
+        <p:cNvGrpSpPr/>
+        <p:nvPr/>
+      </p:nvGrpSpPr>
+      <p:grpSpPr>
+        <a:xfrm>
+          <a:off x="0" y="0"/>
+          <a:ext cx="0" cy="0"/>
+          <a:chOff x="0" y="0"/>
+          <a:chExt cx="0" cy="0"/>
+        </a:xfrm>
+      </p:grpSpPr>
+      <p:sp>
+        <p:nvSpPr>
+          <p:cNvPr id="2" name="כותרת 1">
+            <a:extLst>
+              <a:ext uri="{FF2B5EF4-FFF2-40B4-BE49-F238E27FC236}">
+                <a16:creationId xmlns:a16="http://schemas.microsoft.com/office/drawing/2014/main" id="{5EF63109-57FF-4909-8FC9-A7AD1F49FC56}"/>
+              </a:ext>
+            </a:extLst>
+          </p:cNvPr>
+          <p:cNvSpPr>
+            <a:spLocks noGrp="1"/>
+          </p:cNvSpPr>
+          <p:nvPr>
+            <p:ph type="title"/>
+          </p:nvPr>
+        </p:nvSpPr>
+        <p:spPr/>
+        <p:txBody>
+          <a:bodyPr/>
+          <a:lstStyle/>
+          <a:p>
+            <a:r>
+              <a:rPr lang="en-US" dirty="0"/>
+              <a:t>Main things we did and challenges</a:t>
+            </a:r>
+            <a:endParaRPr lang="he-IL" dirty="0"/>
+          </a:p>
+        </p:txBody>
+      </p:sp>
+      <p:sp>
+        <p:nvSpPr>
+          <p:cNvPr id="4" name="מציין מיקום תוכן 3">
+            <a:extLst>
+              <a:ext uri="{FF2B5EF4-FFF2-40B4-BE49-F238E27FC236}">
+                <a16:creationId xmlns:a16="http://schemas.microsoft.com/office/drawing/2014/main" id="{D1512E5A-B809-4F4B-A4ED-D899E7C8424A}"/>
+              </a:ext>
+            </a:extLst>
+          </p:cNvPr>
+          <p:cNvSpPr>
+            <a:spLocks noGrp="1"/>
+          </p:cNvSpPr>
+          <p:nvPr>
+            <p:ph sz="half" idx="2"/>
+          </p:nvPr>
+        </p:nvSpPr>
+        <p:spPr>
+          <a:xfrm>
+            <a:off x="1154954" y="2603500"/>
+            <a:ext cx="9878917" cy="3416300"/>
+          </a:xfrm>
+        </p:spPr>
+        <p:txBody>
+          <a:bodyPr/>
+          <a:lstStyle/>
+          <a:p>
+            <a:pPr algn="l" rtl="0"/>
+            <a:r>
+              <a:rPr lang="en-US" dirty="0"/>
+              <a:t>Classification of reviews (supervised model)</a:t>
+            </a:r>
+          </a:p>
+          <a:p>
+            <a:pPr lvl="1" algn="l" rtl="0"/>
+            <a:r>
+              <a:rPr lang="en-US" dirty="0"/>
+              <a:t>Running Doc2Vec and using </a:t>
+            </a:r>
+            <a:r>
+              <a:rPr lang="en-US" dirty="0" err="1"/>
+              <a:t>DecisionTreeClassifier</a:t>
+            </a:r>
+            <a:endParaRPr lang="en-US" dirty="0"/>
+          </a:p>
+          <a:p>
+            <a:pPr lvl="1" algn="l" rtl="0"/>
+            <a:endParaRPr lang="en-US" dirty="0"/>
+          </a:p>
+          <a:p>
+            <a:pPr lvl="1" algn="l" rtl="0"/>
+            <a:endParaRPr lang="he-IL" dirty="0"/>
+          </a:p>
+        </p:txBody>
+      </p:sp>
+      <p:pic>
+        <p:nvPicPr>
+          <p:cNvPr id="3" name="תמונה 2">
+            <a:extLst>
+              <a:ext uri="{FF2B5EF4-FFF2-40B4-BE49-F238E27FC236}">
+                <a16:creationId xmlns:a16="http://schemas.microsoft.com/office/drawing/2014/main" id="{43C67EA5-35A9-42B1-BFFF-A8E9CE16D633}"/>
+              </a:ext>
+            </a:extLst>
+          </p:cNvPr>
+          <p:cNvPicPr>
+            <a:picLocks noChangeAspect="1"/>
+          </p:cNvPicPr>
+          <p:nvPr/>
+        </p:nvPicPr>
+        <p:blipFill>
+          <a:blip r:embed="rId2"/>
+          <a:stretch>
+            <a:fillRect/>
+          </a:stretch>
+        </p:blipFill>
+        <p:spPr>
+          <a:xfrm>
+            <a:off x="3035960" y="3880097"/>
+            <a:ext cx="5242280" cy="1923613"/>
+          </a:xfrm>
+          <a:prstGeom prst="rect">
+            <a:avLst/>
+          </a:prstGeom>
+        </p:spPr>
+      </p:pic>
+    </p:spTree>
+    <p:extLst>
+      <p:ext uri="{BB962C8B-B14F-4D97-AF65-F5344CB8AC3E}">
+        <p14:creationId xmlns:p14="http://schemas.microsoft.com/office/powerpoint/2010/main" val="3973849951"/>
+      </p:ext>
+    </p:extLst>
+  </p:cSld>
+  <p:clrMapOvr>
+    <a:masterClrMapping/>
+  </p:clrMapOvr>
+</p:sld>
+</file>
+
+<file path=ppt/slides/slide7.xml><?xml version="1.0" encoding="utf-8"?>
+<p:sld xmlns:a="http://schemas.openxmlformats.org/drawingml/2006/main" xmlns:r="http://schemas.openxmlformats.org/officeDocument/2006/relationships" xmlns:p="http://schemas.openxmlformats.org/presentationml/2006/main">
+  <p:cSld>
+    <p:spTree>
+      <p:nvGrpSpPr>
+        <p:cNvPr id="1" name=""/>
+        <p:cNvGrpSpPr/>
+        <p:nvPr/>
+      </p:nvGrpSpPr>
+      <p:grpSpPr>
+        <a:xfrm>
+          <a:off x="0" y="0"/>
+          <a:ext cx="0" cy="0"/>
+          <a:chOff x="0" y="0"/>
+          <a:chExt cx="0" cy="0"/>
+        </a:xfrm>
+      </p:grpSpPr>
+      <p:sp>
+        <p:nvSpPr>
+          <p:cNvPr id="2" name="כותרת 1">
+            <a:extLst>
+              <a:ext uri="{FF2B5EF4-FFF2-40B4-BE49-F238E27FC236}">
+                <a16:creationId xmlns:a16="http://schemas.microsoft.com/office/drawing/2014/main" id="{5EF63109-57FF-4909-8FC9-A7AD1F49FC56}"/>
+              </a:ext>
+            </a:extLst>
+          </p:cNvPr>
+          <p:cNvSpPr>
+            <a:spLocks noGrp="1"/>
+          </p:cNvSpPr>
+          <p:nvPr>
+            <p:ph type="title"/>
+          </p:nvPr>
+        </p:nvSpPr>
+        <p:spPr/>
+        <p:txBody>
+          <a:bodyPr/>
+          <a:lstStyle/>
+          <a:p>
+            <a:r>
+              <a:rPr lang="en-US" dirty="0"/>
+              <a:t>Main things we did and challenges</a:t>
+            </a:r>
+            <a:endParaRPr lang="he-IL" dirty="0"/>
+          </a:p>
+        </p:txBody>
+      </p:sp>
+      <p:sp>
+        <p:nvSpPr>
+          <p:cNvPr id="4" name="מציין מיקום תוכן 3">
+            <a:extLst>
+              <a:ext uri="{FF2B5EF4-FFF2-40B4-BE49-F238E27FC236}">
+                <a16:creationId xmlns:a16="http://schemas.microsoft.com/office/drawing/2014/main" id="{D1512E5A-B809-4F4B-A4ED-D899E7C8424A}"/>
+              </a:ext>
+            </a:extLst>
+          </p:cNvPr>
+          <p:cNvSpPr>
+            <a:spLocks noGrp="1"/>
+          </p:cNvSpPr>
+          <p:nvPr>
+            <p:ph sz="half" idx="2"/>
+          </p:nvPr>
+        </p:nvSpPr>
+        <p:spPr>
+          <a:xfrm>
+            <a:off x="1154954" y="2603500"/>
+            <a:ext cx="9878917" cy="3416300"/>
+          </a:xfrm>
+        </p:spPr>
+        <p:txBody>
+          <a:bodyPr/>
+          <a:lstStyle/>
+          <a:p>
+            <a:pPr algn="l" rtl="0"/>
+            <a:r>
+              <a:rPr lang="en-US" dirty="0"/>
               <a:t>Classification of reviews (supervised model)</a:t>
             </a:r>
           </a:p>
@@ -15345,7 +16644,7 @@
 </p:sld>
 </file>
 
-<file path=ppt/slides/slide6.xml><?xml version="1.0" encoding="utf-8"?>
+<file path=ppt/slides/slide8.xml><?xml version="1.0" encoding="utf-8"?>
 <p:sld xmlns:a="http://schemas.openxmlformats.org/drawingml/2006/main" xmlns:r="http://schemas.openxmlformats.org/officeDocument/2006/relationships" xmlns:p="http://schemas.openxmlformats.org/presentationml/2006/main">
   <p:cSld>
     <p:spTree>
@@ -15558,7 +16857,7 @@
 </p:sld>
 </file>
 
-<file path=ppt/slides/slide7.xml><?xml version="1.0" encoding="utf-8"?>
+<file path=ppt/slides/slide9.xml><?xml version="1.0" encoding="utf-8"?>
 <p:sld xmlns:a="http://schemas.openxmlformats.org/drawingml/2006/main" xmlns:r="http://schemas.openxmlformats.org/officeDocument/2006/relationships" xmlns:p="http://schemas.openxmlformats.org/presentationml/2006/main">
   <p:cSld>
     <p:spTree>
@@ -15793,490 +17092,6 @@
     <p:extLst>
       <p:ext uri="{BB962C8B-B14F-4D97-AF65-F5344CB8AC3E}">
         <p14:creationId xmlns:p14="http://schemas.microsoft.com/office/powerpoint/2010/main" val="1051921710"/>
-      </p:ext>
-    </p:extLst>
-  </p:cSld>
-  <p:clrMapOvr>
-    <a:masterClrMapping/>
-  </p:clrMapOvr>
-</p:sld>
-</file>
-
-<file path=ppt/slides/slide8.xml><?xml version="1.0" encoding="utf-8"?>
-<p:sld xmlns:a="http://schemas.openxmlformats.org/drawingml/2006/main" xmlns:r="http://schemas.openxmlformats.org/officeDocument/2006/relationships" xmlns:p="http://schemas.openxmlformats.org/presentationml/2006/main">
-  <p:cSld>
-    <p:spTree>
-      <p:nvGrpSpPr>
-        <p:cNvPr id="1" name=""/>
-        <p:cNvGrpSpPr/>
-        <p:nvPr/>
-      </p:nvGrpSpPr>
-      <p:grpSpPr>
-        <a:xfrm>
-          <a:off x="0" y="0"/>
-          <a:ext cx="0" cy="0"/>
-          <a:chOff x="0" y="0"/>
-          <a:chExt cx="0" cy="0"/>
-        </a:xfrm>
-      </p:grpSpPr>
-      <p:sp>
-        <p:nvSpPr>
-          <p:cNvPr id="2" name="כותרת 1">
-            <a:extLst>
-              <a:ext uri="{FF2B5EF4-FFF2-40B4-BE49-F238E27FC236}">
-                <a16:creationId xmlns:a16="http://schemas.microsoft.com/office/drawing/2014/main" id="{5EF63109-57FF-4909-8FC9-A7AD1F49FC56}"/>
-              </a:ext>
-            </a:extLst>
-          </p:cNvPr>
-          <p:cNvSpPr>
-            <a:spLocks noGrp="1"/>
-          </p:cNvSpPr>
-          <p:nvPr>
-            <p:ph type="title"/>
-          </p:nvPr>
-        </p:nvSpPr>
-        <p:spPr/>
-        <p:txBody>
-          <a:bodyPr/>
-          <a:lstStyle/>
-          <a:p>
-            <a:r>
-              <a:rPr lang="en-US" dirty="0"/>
-              <a:t>Main things we did and challenges</a:t>
-            </a:r>
-            <a:endParaRPr lang="he-IL" dirty="0"/>
-          </a:p>
-        </p:txBody>
-      </p:sp>
-      <p:sp>
-        <p:nvSpPr>
-          <p:cNvPr id="4" name="מציין מיקום תוכן 3">
-            <a:extLst>
-              <a:ext uri="{FF2B5EF4-FFF2-40B4-BE49-F238E27FC236}">
-                <a16:creationId xmlns:a16="http://schemas.microsoft.com/office/drawing/2014/main" id="{D1512E5A-B809-4F4B-A4ED-D899E7C8424A}"/>
-              </a:ext>
-            </a:extLst>
-          </p:cNvPr>
-          <p:cNvSpPr>
-            <a:spLocks noGrp="1"/>
-          </p:cNvSpPr>
-          <p:nvPr>
-            <p:ph sz="half" idx="2"/>
-          </p:nvPr>
-        </p:nvSpPr>
-        <p:spPr>
-          <a:xfrm>
-            <a:off x="1154954" y="2603500"/>
-            <a:ext cx="9878917" cy="3416300"/>
-          </a:xfrm>
-        </p:spPr>
-        <p:txBody>
-          <a:bodyPr/>
-          <a:lstStyle/>
-          <a:p>
-            <a:pPr algn="l" rtl="0"/>
-            <a:r>
-              <a:rPr lang="en-US" dirty="0"/>
-              <a:t>Classification of reviews (supervised model)</a:t>
-            </a:r>
-          </a:p>
-          <a:p>
-            <a:pPr lvl="1" algn="l" rtl="0"/>
-            <a:r>
-              <a:rPr lang="en-US" dirty="0"/>
-              <a:t>..continue</a:t>
-            </a:r>
-          </a:p>
-          <a:p>
-            <a:pPr lvl="1" algn="l" rtl="0"/>
-            <a:endParaRPr lang="en-US" dirty="0"/>
-          </a:p>
-          <a:p>
-            <a:pPr lvl="1" algn="l" rtl="0"/>
-            <a:endParaRPr lang="he-IL" dirty="0"/>
-          </a:p>
-        </p:txBody>
-      </p:sp>
-      <p:sp>
-        <p:nvSpPr>
-          <p:cNvPr id="6" name="תיבת טקסט 5">
-            <a:extLst>
-              <a:ext uri="{FF2B5EF4-FFF2-40B4-BE49-F238E27FC236}">
-                <a16:creationId xmlns:a16="http://schemas.microsoft.com/office/drawing/2014/main" id="{43DD3447-9580-41B5-B558-7F65504323AE}"/>
-              </a:ext>
-            </a:extLst>
-          </p:cNvPr>
-          <p:cNvSpPr txBox="1"/>
-          <p:nvPr/>
-        </p:nvSpPr>
-        <p:spPr>
-          <a:xfrm>
-            <a:off x="1952016" y="6215975"/>
-            <a:ext cx="3073940" cy="369332"/>
-          </a:xfrm>
-          <a:prstGeom prst="rect">
-            <a:avLst/>
-          </a:prstGeom>
-          <a:noFill/>
-        </p:spPr>
-        <p:txBody>
-          <a:bodyPr wrap="square" rtlCol="1">
-            <a:spAutoFit/>
-          </a:bodyPr>
-          <a:lstStyle/>
-          <a:p>
-            <a:r>
-              <a:rPr lang="en-US" dirty="0"/>
-              <a:t>Logistic Regression Model</a:t>
-            </a:r>
-            <a:endParaRPr lang="he-IL" dirty="0"/>
-          </a:p>
-        </p:txBody>
-      </p:sp>
-      <p:sp>
-        <p:nvSpPr>
-          <p:cNvPr id="8" name="תיבת טקסט 7">
-            <a:extLst>
-              <a:ext uri="{FF2B5EF4-FFF2-40B4-BE49-F238E27FC236}">
-                <a16:creationId xmlns:a16="http://schemas.microsoft.com/office/drawing/2014/main" id="{AC713C63-930E-4995-AE6D-47382FB40DAF}"/>
-              </a:ext>
-            </a:extLst>
-          </p:cNvPr>
-          <p:cNvSpPr txBox="1"/>
-          <p:nvPr/>
-        </p:nvSpPr>
-        <p:spPr>
-          <a:xfrm>
-            <a:off x="8291210" y="6215975"/>
-            <a:ext cx="2916676" cy="369332"/>
-          </a:xfrm>
-          <a:prstGeom prst="rect">
-            <a:avLst/>
-          </a:prstGeom>
-          <a:noFill/>
-        </p:spPr>
-        <p:txBody>
-          <a:bodyPr wrap="square" rtlCol="1">
-            <a:spAutoFit/>
-          </a:bodyPr>
-          <a:lstStyle/>
-          <a:p>
-            <a:r>
-              <a:rPr lang="en-US" dirty="0"/>
-              <a:t>Naive Base Model</a:t>
-            </a:r>
-            <a:endParaRPr lang="he-IL" dirty="0"/>
-          </a:p>
-        </p:txBody>
-      </p:sp>
-      <p:pic>
-        <p:nvPicPr>
-          <p:cNvPr id="3" name="תמונה 2">
-            <a:extLst>
-              <a:ext uri="{FF2B5EF4-FFF2-40B4-BE49-F238E27FC236}">
-                <a16:creationId xmlns:a16="http://schemas.microsoft.com/office/drawing/2014/main" id="{5D37AE59-70DB-45A0-9458-876039244BF3}"/>
-              </a:ext>
-            </a:extLst>
-          </p:cNvPr>
-          <p:cNvPicPr>
-            <a:picLocks noChangeAspect="1"/>
-          </p:cNvPicPr>
-          <p:nvPr/>
-        </p:nvPicPr>
-        <p:blipFill>
-          <a:blip r:embed="rId2"/>
-          <a:stretch>
-            <a:fillRect/>
-          </a:stretch>
-        </p:blipFill>
-        <p:spPr>
-          <a:xfrm>
-            <a:off x="531061" y="3786046"/>
-            <a:ext cx="5915851" cy="2029108"/>
-          </a:xfrm>
-          <a:prstGeom prst="rect">
-            <a:avLst/>
-          </a:prstGeom>
-        </p:spPr>
-      </p:pic>
-      <p:pic>
-        <p:nvPicPr>
-          <p:cNvPr id="9" name="תמונה 8">
-            <a:extLst>
-              <a:ext uri="{FF2B5EF4-FFF2-40B4-BE49-F238E27FC236}">
-                <a16:creationId xmlns:a16="http://schemas.microsoft.com/office/drawing/2014/main" id="{78FB95B7-D7F6-4C22-8E4E-614F546EB462}"/>
-              </a:ext>
-            </a:extLst>
-          </p:cNvPr>
-          <p:cNvPicPr>
-            <a:picLocks noChangeAspect="1"/>
-          </p:cNvPicPr>
-          <p:nvPr/>
-        </p:nvPicPr>
-        <p:blipFill>
-          <a:blip r:embed="rId3"/>
-          <a:stretch>
-            <a:fillRect/>
-          </a:stretch>
-        </p:blipFill>
-        <p:spPr>
-          <a:xfrm>
-            <a:off x="6446912" y="3871783"/>
-            <a:ext cx="5630061" cy="1943371"/>
-          </a:xfrm>
-          <a:prstGeom prst="rect">
-            <a:avLst/>
-          </a:prstGeom>
-        </p:spPr>
-      </p:pic>
-    </p:spTree>
-    <p:extLst>
-      <p:ext uri="{BB962C8B-B14F-4D97-AF65-F5344CB8AC3E}">
-        <p14:creationId xmlns:p14="http://schemas.microsoft.com/office/powerpoint/2010/main" val="2121082668"/>
-      </p:ext>
-    </p:extLst>
-  </p:cSld>
-  <p:clrMapOvr>
-    <a:masterClrMapping/>
-  </p:clrMapOvr>
-</p:sld>
-</file>
-
-<file path=ppt/slides/slide9.xml><?xml version="1.0" encoding="utf-8"?>
-<p:sld xmlns:a="http://schemas.openxmlformats.org/drawingml/2006/main" xmlns:r="http://schemas.openxmlformats.org/officeDocument/2006/relationships" xmlns:p="http://schemas.openxmlformats.org/presentationml/2006/main">
-  <p:cSld>
-    <p:spTree>
-      <p:nvGrpSpPr>
-        <p:cNvPr id="1" name=""/>
-        <p:cNvGrpSpPr/>
-        <p:nvPr/>
-      </p:nvGrpSpPr>
-      <p:grpSpPr>
-        <a:xfrm>
-          <a:off x="0" y="0"/>
-          <a:ext cx="0" cy="0"/>
-          <a:chOff x="0" y="0"/>
-          <a:chExt cx="0" cy="0"/>
-        </a:xfrm>
-      </p:grpSpPr>
-      <p:sp>
-        <p:nvSpPr>
-          <p:cNvPr id="2" name="כותרת 1">
-            <a:extLst>
-              <a:ext uri="{FF2B5EF4-FFF2-40B4-BE49-F238E27FC236}">
-                <a16:creationId xmlns:a16="http://schemas.microsoft.com/office/drawing/2014/main" id="{5EF63109-57FF-4909-8FC9-A7AD1F49FC56}"/>
-              </a:ext>
-            </a:extLst>
-          </p:cNvPr>
-          <p:cNvSpPr>
-            <a:spLocks noGrp="1"/>
-          </p:cNvSpPr>
-          <p:nvPr>
-            <p:ph type="title"/>
-          </p:nvPr>
-        </p:nvSpPr>
-        <p:spPr/>
-        <p:txBody>
-          <a:bodyPr/>
-          <a:lstStyle/>
-          <a:p>
-            <a:r>
-              <a:rPr lang="en-US" dirty="0"/>
-              <a:t>Main things we did and challenges</a:t>
-            </a:r>
-            <a:endParaRPr lang="he-IL" dirty="0"/>
-          </a:p>
-        </p:txBody>
-      </p:sp>
-      <p:sp>
-        <p:nvSpPr>
-          <p:cNvPr id="4" name="מציין מיקום תוכן 3">
-            <a:extLst>
-              <a:ext uri="{FF2B5EF4-FFF2-40B4-BE49-F238E27FC236}">
-                <a16:creationId xmlns:a16="http://schemas.microsoft.com/office/drawing/2014/main" id="{D1512E5A-B809-4F4B-A4ED-D899E7C8424A}"/>
-              </a:ext>
-            </a:extLst>
-          </p:cNvPr>
-          <p:cNvSpPr>
-            <a:spLocks noGrp="1"/>
-          </p:cNvSpPr>
-          <p:nvPr>
-            <p:ph sz="half" idx="2"/>
-          </p:nvPr>
-        </p:nvSpPr>
-        <p:spPr>
-          <a:xfrm>
-            <a:off x="1154954" y="2603500"/>
-            <a:ext cx="9878917" cy="3416300"/>
-          </a:xfrm>
-        </p:spPr>
-        <p:txBody>
-          <a:bodyPr/>
-          <a:lstStyle/>
-          <a:p>
-            <a:pPr algn="l" rtl="0"/>
-            <a:r>
-              <a:rPr lang="en-US" dirty="0"/>
-              <a:t>Classification of reviews (supervised model)</a:t>
-            </a:r>
-          </a:p>
-          <a:p>
-            <a:pPr lvl="1" algn="l" rtl="0"/>
-            <a:r>
-              <a:rPr lang="en-US" dirty="0"/>
-              <a:t>..continue</a:t>
-            </a:r>
-          </a:p>
-          <a:p>
-            <a:pPr lvl="1" algn="l" rtl="0"/>
-            <a:endParaRPr lang="en-US" dirty="0"/>
-          </a:p>
-          <a:p>
-            <a:pPr lvl="1" algn="l" rtl="0"/>
-            <a:endParaRPr lang="he-IL" dirty="0"/>
-          </a:p>
-        </p:txBody>
-      </p:sp>
-      <p:sp>
-        <p:nvSpPr>
-          <p:cNvPr id="6" name="תיבת טקסט 5">
-            <a:extLst>
-              <a:ext uri="{FF2B5EF4-FFF2-40B4-BE49-F238E27FC236}">
-                <a16:creationId xmlns:a16="http://schemas.microsoft.com/office/drawing/2014/main" id="{43DD3447-9580-41B5-B558-7F65504323AE}"/>
-              </a:ext>
-            </a:extLst>
-          </p:cNvPr>
-          <p:cNvSpPr txBox="1"/>
-          <p:nvPr/>
-        </p:nvSpPr>
-        <p:spPr>
-          <a:xfrm>
-            <a:off x="1952016" y="6215975"/>
-            <a:ext cx="3073940" cy="369332"/>
-          </a:xfrm>
-          <a:prstGeom prst="rect">
-            <a:avLst/>
-          </a:prstGeom>
-          <a:noFill/>
-        </p:spPr>
-        <p:txBody>
-          <a:bodyPr wrap="square" rtlCol="1">
-            <a:spAutoFit/>
-          </a:bodyPr>
-          <a:lstStyle/>
-          <a:p>
-            <a:r>
-              <a:rPr lang="en-US" dirty="0" err="1"/>
-              <a:t>LinearSVC</a:t>
-            </a:r>
-            <a:r>
-              <a:rPr lang="en-US" dirty="0"/>
-              <a:t> Model</a:t>
-            </a:r>
-            <a:endParaRPr lang="he-IL" dirty="0"/>
-          </a:p>
-        </p:txBody>
-      </p:sp>
-      <p:pic>
-        <p:nvPicPr>
-          <p:cNvPr id="5" name="תמונה 4">
-            <a:extLst>
-              <a:ext uri="{FF2B5EF4-FFF2-40B4-BE49-F238E27FC236}">
-                <a16:creationId xmlns:a16="http://schemas.microsoft.com/office/drawing/2014/main" id="{6B4E1F83-7DE7-4966-866C-673866BB6590}"/>
-              </a:ext>
-            </a:extLst>
-          </p:cNvPr>
-          <p:cNvPicPr>
-            <a:picLocks noChangeAspect="1"/>
-          </p:cNvPicPr>
-          <p:nvPr/>
-        </p:nvPicPr>
-        <p:blipFill>
-          <a:blip r:embed="rId2"/>
-          <a:stretch>
-            <a:fillRect/>
-          </a:stretch>
-        </p:blipFill>
-        <p:spPr>
-          <a:xfrm>
-            <a:off x="464351" y="3863062"/>
-            <a:ext cx="5630061" cy="1952898"/>
-          </a:xfrm>
-          <a:prstGeom prst="rect">
-            <a:avLst/>
-          </a:prstGeom>
-        </p:spPr>
-      </p:pic>
-      <p:sp>
-        <p:nvSpPr>
-          <p:cNvPr id="10" name="תיבת טקסט 9">
-            <a:extLst>
-              <a:ext uri="{FF2B5EF4-FFF2-40B4-BE49-F238E27FC236}">
-                <a16:creationId xmlns:a16="http://schemas.microsoft.com/office/drawing/2014/main" id="{233EEE49-06ED-4996-A0EB-CE0225E9877D}"/>
-              </a:ext>
-            </a:extLst>
-          </p:cNvPr>
-          <p:cNvSpPr txBox="1"/>
-          <p:nvPr/>
-        </p:nvSpPr>
-        <p:spPr>
-          <a:xfrm>
-            <a:off x="8213387" y="6215975"/>
-            <a:ext cx="3073940" cy="369332"/>
-          </a:xfrm>
-          <a:prstGeom prst="rect">
-            <a:avLst/>
-          </a:prstGeom>
-          <a:noFill/>
-        </p:spPr>
-        <p:txBody>
-          <a:bodyPr wrap="square" rtlCol="1">
-            <a:spAutoFit/>
-          </a:bodyPr>
-          <a:lstStyle/>
-          <a:p>
-            <a:r>
-              <a:rPr lang="en-US" dirty="0"/>
-              <a:t>KNN Model (k=7)</a:t>
-            </a:r>
-            <a:endParaRPr lang="he-IL" dirty="0"/>
-          </a:p>
-        </p:txBody>
-      </p:sp>
-      <p:pic>
-        <p:nvPicPr>
-          <p:cNvPr id="11" name="תמונה 10">
-            <a:extLst>
-              <a:ext uri="{FF2B5EF4-FFF2-40B4-BE49-F238E27FC236}">
-                <a16:creationId xmlns:a16="http://schemas.microsoft.com/office/drawing/2014/main" id="{06455232-D515-401C-9D5C-DF308A8CD444}"/>
-              </a:ext>
-            </a:extLst>
-          </p:cNvPr>
-          <p:cNvPicPr>
-            <a:picLocks noChangeAspect="1"/>
-          </p:cNvPicPr>
-          <p:nvPr/>
-        </p:nvPicPr>
-        <p:blipFill>
-          <a:blip r:embed="rId3"/>
-          <a:stretch>
-            <a:fillRect/>
-          </a:stretch>
-        </p:blipFill>
-        <p:spPr>
-          <a:xfrm>
-            <a:off x="6422601" y="3920220"/>
-            <a:ext cx="5591955" cy="1838582"/>
-          </a:xfrm>
-          <a:prstGeom prst="rect">
-            <a:avLst/>
-          </a:prstGeom>
-        </p:spPr>
-      </p:pic>
-    </p:spTree>
-    <p:extLst>
-      <p:ext uri="{BB962C8B-B14F-4D97-AF65-F5344CB8AC3E}">
-        <p14:creationId xmlns:p14="http://schemas.microsoft.com/office/powerpoint/2010/main" val="2749043660"/>
       </p:ext>
     </p:extLst>
   </p:cSld>

--- a/Things we did in project.pptx
+++ b/Things we did in project.pptx
@@ -5,7 +5,7 @@
     <p:sldMasterId id="2147483672" r:id="rId1"/>
   </p:sldMasterIdLst>
   <p:notesMasterIdLst>
-    <p:notesMasterId r:id="rId16"/>
+    <p:notesMasterId r:id="rId17"/>
   </p:notesMasterIdLst>
   <p:sldIdLst>
     <p:sldId id="256" r:id="rId2"/>
@@ -22,6 +22,7 @@
     <p:sldId id="271" r:id="rId13"/>
     <p:sldId id="272" r:id="rId14"/>
     <p:sldId id="273" r:id="rId15"/>
+    <p:sldId id="276" r:id="rId16"/>
   </p:sldIdLst>
   <p:sldSz cx="12192000" cy="6858000"/>
   <p:notesSz cx="6858000" cy="9144000"/>
@@ -210,7 +211,7 @@
           <a:p>
             <a:fld id="{99B3FE1B-01D1-459D-875F-8154E6AE5851}" type="datetimeFigureOut">
               <a:rPr lang="he-IL" smtClean="0"/>
-              <a:t>א'/כסלו/תשפ"א</a:t>
+              <a:t>כ"ב/כסלו/תשפ"א</a:t>
             </a:fld>
             <a:endParaRPr lang="he-IL"/>
           </a:p>
@@ -812,7 +813,7 @@
           <a:p>
             <a:fld id="{8236B938-022E-4225-A7C0-0A189B935F48}" type="datetimeFigureOut">
               <a:rPr lang="he-IL" smtClean="0"/>
-              <a:t>א'/כסלו/תשפ"א</a:t>
+              <a:t>כ"ב/כסלו/תשפ"א</a:t>
             </a:fld>
             <a:endParaRPr lang="he-IL"/>
           </a:p>
@@ -1900,7 +1901,7 @@
           <a:p>
             <a:fld id="{8236B938-022E-4225-A7C0-0A189B935F48}" type="datetimeFigureOut">
               <a:rPr lang="he-IL" smtClean="0"/>
-              <a:t>א'/כסלו/תשפ"א</a:t>
+              <a:t>כ"ב/כסלו/תשפ"א</a:t>
             </a:fld>
             <a:endParaRPr lang="he-IL"/>
           </a:p>
@@ -2880,7 +2881,7 @@
           <a:p>
             <a:fld id="{8236B938-022E-4225-A7C0-0A189B935F48}" type="datetimeFigureOut">
               <a:rPr lang="he-IL" smtClean="0"/>
-              <a:t>א'/כסלו/תשפ"א</a:t>
+              <a:t>כ"ב/כסלו/תשפ"א</a:t>
             </a:fld>
             <a:endParaRPr lang="he-IL"/>
           </a:p>
@@ -4014,7 +4015,7 @@
           <a:p>
             <a:fld id="{8236B938-022E-4225-A7C0-0A189B935F48}" type="datetimeFigureOut">
               <a:rPr lang="he-IL" smtClean="0"/>
-              <a:t>א'/כסלו/תשפ"א</a:t>
+              <a:t>כ"ב/כסלו/תשפ"א</a:t>
             </a:fld>
             <a:endParaRPr lang="he-IL"/>
           </a:p>
@@ -5047,7 +5048,7 @@
           <a:p>
             <a:fld id="{8236B938-022E-4225-A7C0-0A189B935F48}" type="datetimeFigureOut">
               <a:rPr lang="he-IL" smtClean="0"/>
-              <a:t>א'/כסלו/תשפ"א</a:t>
+              <a:t>כ"ב/כסלו/תשפ"א</a:t>
             </a:fld>
             <a:endParaRPr lang="he-IL"/>
           </a:p>
@@ -5707,7 +5708,7 @@
           <a:p>
             <a:fld id="{8236B938-022E-4225-A7C0-0A189B935F48}" type="datetimeFigureOut">
               <a:rPr lang="he-IL" smtClean="0"/>
-              <a:t>א'/כסלו/תשפ"א</a:t>
+              <a:t>כ"ב/כסלו/תשפ"א</a:t>
             </a:fld>
             <a:endParaRPr lang="he-IL"/>
           </a:p>
@@ -6568,7 +6569,7 @@
           <a:p>
             <a:fld id="{8236B938-022E-4225-A7C0-0A189B935F48}" type="datetimeFigureOut">
               <a:rPr lang="he-IL" smtClean="0"/>
-              <a:t>א'/כסלו/תשפ"א</a:t>
+              <a:t>כ"ב/כסלו/תשפ"א</a:t>
             </a:fld>
             <a:endParaRPr lang="he-IL"/>
           </a:p>
@@ -6758,7 +6759,7 @@
           <a:p>
             <a:fld id="{8236B938-022E-4225-A7C0-0A189B935F48}" type="datetimeFigureOut">
               <a:rPr lang="he-IL" smtClean="0"/>
-              <a:t>א'/כסלו/תשפ"א</a:t>
+              <a:t>כ"ב/כסלו/תשפ"א</a:t>
             </a:fld>
             <a:endParaRPr lang="he-IL"/>
           </a:p>
@@ -7730,7 +7731,7 @@
           <a:p>
             <a:fld id="{8236B938-022E-4225-A7C0-0A189B935F48}" type="datetimeFigureOut">
               <a:rPr lang="he-IL" smtClean="0"/>
-              <a:t>א'/כסלו/תשפ"א</a:t>
+              <a:t>כ"ב/כסלו/תשפ"א</a:t>
             </a:fld>
             <a:endParaRPr lang="he-IL"/>
           </a:p>
@@ -7941,7 +7942,7 @@
           <a:p>
             <a:fld id="{8236B938-022E-4225-A7C0-0A189B935F48}" type="datetimeFigureOut">
               <a:rPr lang="he-IL" smtClean="0"/>
-              <a:t>א'/כסלו/תשפ"א</a:t>
+              <a:t>כ"ב/כסלו/תשפ"א</a:t>
             </a:fld>
             <a:endParaRPr lang="he-IL"/>
           </a:p>
@@ -8975,7 +8976,7 @@
           <a:p>
             <a:fld id="{8236B938-022E-4225-A7C0-0A189B935F48}" type="datetimeFigureOut">
               <a:rPr lang="he-IL" smtClean="0"/>
-              <a:t>א'/כסלו/תשפ"א</a:t>
+              <a:t>כ"ב/כסלו/תשפ"א</a:t>
             </a:fld>
             <a:endParaRPr lang="he-IL"/>
           </a:p>
@@ -9247,7 +9248,7 @@
           <a:p>
             <a:fld id="{8236B938-022E-4225-A7C0-0A189B935F48}" type="datetimeFigureOut">
               <a:rPr lang="he-IL" smtClean="0"/>
-              <a:t>א'/כסלו/תשפ"א</a:t>
+              <a:t>כ"ב/כסלו/תשפ"א</a:t>
             </a:fld>
             <a:endParaRPr lang="he-IL"/>
           </a:p>
@@ -9662,7 +9663,7 @@
           <a:p>
             <a:fld id="{8236B938-022E-4225-A7C0-0A189B935F48}" type="datetimeFigureOut">
               <a:rPr lang="he-IL" smtClean="0"/>
-              <a:t>א'/כסלו/תשפ"א</a:t>
+              <a:t>כ"ב/כסלו/תשפ"א</a:t>
             </a:fld>
             <a:endParaRPr lang="he-IL"/>
           </a:p>
@@ -9794,7 +9795,7 @@
           <a:p>
             <a:fld id="{8236B938-022E-4225-A7C0-0A189B935F48}" type="datetimeFigureOut">
               <a:rPr lang="he-IL" smtClean="0"/>
-              <a:t>א'/כסלו/תשפ"א</a:t>
+              <a:t>כ"ב/כסלו/תשפ"א</a:t>
             </a:fld>
             <a:endParaRPr lang="he-IL"/>
           </a:p>
@@ -9889,7 +9890,7 @@
           <a:p>
             <a:fld id="{8236B938-022E-4225-A7C0-0A189B935F48}" type="datetimeFigureOut">
               <a:rPr lang="he-IL" smtClean="0"/>
-              <a:t>א'/כסלו/תשפ"א</a:t>
+              <a:t>כ"ב/כסלו/תשפ"א</a:t>
             </a:fld>
             <a:endParaRPr lang="he-IL"/>
           </a:p>
@@ -10970,7 +10971,7 @@
           <a:p>
             <a:fld id="{8236B938-022E-4225-A7C0-0A189B935F48}" type="datetimeFigureOut">
               <a:rPr lang="he-IL" smtClean="0"/>
-              <a:t>א'/כסלו/תשפ"א</a:t>
+              <a:t>כ"ב/כסלו/תשפ"א</a:t>
             </a:fld>
             <a:endParaRPr lang="he-IL"/>
           </a:p>
@@ -12083,7 +12084,7 @@
           <a:p>
             <a:fld id="{8236B938-022E-4225-A7C0-0A189B935F48}" type="datetimeFigureOut">
               <a:rPr lang="he-IL" smtClean="0"/>
-              <a:t>א'/כסלו/תשפ"א</a:t>
+              <a:t>כ"ב/כסלו/תשפ"א</a:t>
             </a:fld>
             <a:endParaRPr lang="he-IL"/>
           </a:p>
@@ -13080,7 +13081,7 @@
           <a:p>
             <a:fld id="{8236B938-022E-4225-A7C0-0A189B935F48}" type="datetimeFigureOut">
               <a:rPr lang="he-IL" smtClean="0"/>
-              <a:t>א'/כסלו/תשפ"א</a:t>
+              <a:t>כ"ב/כסלו/תשפ"א</a:t>
             </a:fld>
             <a:endParaRPr lang="he-IL"/>
           </a:p>
@@ -15728,6 +15729,198 @@
 </p:sld>
 </file>
 
+<file path=ppt/slides/slide15.xml><?xml version="1.0" encoding="utf-8"?>
+<p:sld xmlns:a="http://schemas.openxmlformats.org/drawingml/2006/main" xmlns:r="http://schemas.openxmlformats.org/officeDocument/2006/relationships" xmlns:p="http://schemas.openxmlformats.org/presentationml/2006/main">
+  <p:cSld>
+    <p:spTree>
+      <p:nvGrpSpPr>
+        <p:cNvPr id="1" name=""/>
+        <p:cNvGrpSpPr/>
+        <p:nvPr/>
+      </p:nvGrpSpPr>
+      <p:grpSpPr>
+        <a:xfrm>
+          <a:off x="0" y="0"/>
+          <a:ext cx="0" cy="0"/>
+          <a:chOff x="0" y="0"/>
+          <a:chExt cx="0" cy="0"/>
+        </a:xfrm>
+      </p:grpSpPr>
+      <p:sp>
+        <p:nvSpPr>
+          <p:cNvPr id="2" name="כותרת 1">
+            <a:extLst>
+              <a:ext uri="{FF2B5EF4-FFF2-40B4-BE49-F238E27FC236}">
+                <a16:creationId xmlns:a16="http://schemas.microsoft.com/office/drawing/2014/main" id="{5EF63109-57FF-4909-8FC9-A7AD1F49FC56}"/>
+              </a:ext>
+            </a:extLst>
+          </p:cNvPr>
+          <p:cNvSpPr>
+            <a:spLocks noGrp="1"/>
+          </p:cNvSpPr>
+          <p:nvPr>
+            <p:ph type="title"/>
+          </p:nvPr>
+        </p:nvSpPr>
+        <p:spPr/>
+        <p:txBody>
+          <a:bodyPr/>
+          <a:lstStyle/>
+          <a:p>
+            <a:r>
+              <a:rPr lang="en-US" dirty="0"/>
+              <a:t>Main things we did and challenges</a:t>
+            </a:r>
+            <a:endParaRPr lang="he-IL" dirty="0"/>
+          </a:p>
+        </p:txBody>
+      </p:sp>
+      <p:sp>
+        <p:nvSpPr>
+          <p:cNvPr id="4" name="מציין מיקום תוכן 3">
+            <a:extLst>
+              <a:ext uri="{FF2B5EF4-FFF2-40B4-BE49-F238E27FC236}">
+                <a16:creationId xmlns:a16="http://schemas.microsoft.com/office/drawing/2014/main" id="{D1512E5A-B809-4F4B-A4ED-D899E7C8424A}"/>
+              </a:ext>
+            </a:extLst>
+          </p:cNvPr>
+          <p:cNvSpPr>
+            <a:spLocks noGrp="1"/>
+          </p:cNvSpPr>
+          <p:nvPr>
+            <p:ph sz="half" idx="2"/>
+          </p:nvPr>
+        </p:nvSpPr>
+        <p:spPr>
+          <a:xfrm>
+            <a:off x="1154954" y="2603500"/>
+            <a:ext cx="9878917" cy="3416300"/>
+          </a:xfrm>
+        </p:spPr>
+        <p:txBody>
+          <a:bodyPr/>
+          <a:lstStyle/>
+          <a:p>
+            <a:pPr algn="l" rtl="0"/>
+            <a:r>
+              <a:rPr lang="en-US" dirty="0"/>
+              <a:t>Classification of reviews (supervised model)</a:t>
+            </a:r>
+          </a:p>
+          <a:p>
+            <a:pPr lvl="1" algn="l" rtl="0"/>
+            <a:r>
+              <a:rPr lang="en-US" dirty="0"/>
+              <a:t>Using NN and LSTM</a:t>
+            </a:r>
+          </a:p>
+          <a:p>
+            <a:pPr lvl="1" algn="l" rtl="0"/>
+            <a:endParaRPr lang="en-US" dirty="0"/>
+          </a:p>
+          <a:p>
+            <a:pPr lvl="1" algn="l" rtl="0"/>
+            <a:endParaRPr lang="en-US" dirty="0"/>
+          </a:p>
+          <a:p>
+            <a:pPr lvl="1" algn="l" rtl="0"/>
+            <a:endParaRPr lang="he-IL" dirty="0"/>
+          </a:p>
+        </p:txBody>
+      </p:sp>
+      <p:sp>
+        <p:nvSpPr>
+          <p:cNvPr id="12" name="תיבת טקסט 11">
+            <a:extLst>
+              <a:ext uri="{FF2B5EF4-FFF2-40B4-BE49-F238E27FC236}">
+                <a16:creationId xmlns:a16="http://schemas.microsoft.com/office/drawing/2014/main" id="{D30248E4-FC93-420E-B000-C5460B31A626}"/>
+              </a:ext>
+            </a:extLst>
+          </p:cNvPr>
+          <p:cNvSpPr txBox="1"/>
+          <p:nvPr/>
+        </p:nvSpPr>
+        <p:spPr>
+          <a:xfrm>
+            <a:off x="481386" y="4782662"/>
+            <a:ext cx="10815714" cy="1754326"/>
+          </a:xfrm>
+          <a:prstGeom prst="rect">
+            <a:avLst/>
+          </a:prstGeom>
+          <a:noFill/>
+        </p:spPr>
+        <p:txBody>
+          <a:bodyPr wrap="square" rtlCol="1">
+            <a:spAutoFit/>
+          </a:bodyPr>
+          <a:lstStyle/>
+          <a:p>
+            <a:r>
+              <a:rPr lang="en-US" dirty="0"/>
+              <a:t>Predict on several reviews from test file, worked </a:t>
+            </a:r>
+            <a:r>
+              <a:rPr lang="en-US" b="1" u="sng" dirty="0"/>
+              <a:t>well</a:t>
+            </a:r>
+            <a:r>
+              <a:rPr lang="en-US" dirty="0"/>
+              <a:t>.</a:t>
+            </a:r>
+          </a:p>
+          <a:p>
+            <a:r>
+              <a:rPr lang="en-US" dirty="0"/>
+              <a:t>Why NN worked better than ML? ML worked on binary classification, but as we see there are reviews which are not totally bad and not totally good, thus giving 0 or 1 can be misleading. However, in NN we got probability which enables us to work better with our data, such that when given new review, we will classify as “positive” only if its score is close enough to a value we decide.</a:t>
+            </a:r>
+            <a:endParaRPr lang="he-IL" dirty="0"/>
+          </a:p>
+        </p:txBody>
+      </p:sp>
+      <p:pic>
+        <p:nvPicPr>
+          <p:cNvPr id="5" name="תמונה 4">
+            <a:extLst>
+              <a:ext uri="{FF2B5EF4-FFF2-40B4-BE49-F238E27FC236}">
+                <a16:creationId xmlns:a16="http://schemas.microsoft.com/office/drawing/2014/main" id="{2D7EA600-E2E9-4A67-A582-E3BDC9C7ADC2}"/>
+              </a:ext>
+            </a:extLst>
+          </p:cNvPr>
+          <p:cNvPicPr>
+            <a:picLocks noChangeAspect="1"/>
+          </p:cNvPicPr>
+          <p:nvPr/>
+        </p:nvPicPr>
+        <p:blipFill>
+          <a:blip r:embed="rId2"/>
+          <a:stretch>
+            <a:fillRect/>
+          </a:stretch>
+        </p:blipFill>
+        <p:spPr>
+          <a:xfrm>
+            <a:off x="4229575" y="2958933"/>
+            <a:ext cx="3319336" cy="1754326"/>
+          </a:xfrm>
+          <a:prstGeom prst="rect">
+            <a:avLst/>
+          </a:prstGeom>
+        </p:spPr>
+      </p:pic>
+    </p:spTree>
+    <p:extLst>
+      <p:ext uri="{BB962C8B-B14F-4D97-AF65-F5344CB8AC3E}">
+        <p14:creationId xmlns:p14="http://schemas.microsoft.com/office/powerpoint/2010/main" val="2422371018"/>
+      </p:ext>
+    </p:extLst>
+  </p:cSld>
+  <p:clrMapOvr>
+    <a:masterClrMapping/>
+  </p:clrMapOvr>
+</p:sld>
+</file>
+
 <file path=ppt/slides/slide2.xml><?xml version="1.0" encoding="utf-8"?>
 <p:sld xmlns:a="http://schemas.openxmlformats.org/drawingml/2006/main" xmlns:r="http://schemas.openxmlformats.org/officeDocument/2006/relationships" xmlns:p="http://schemas.openxmlformats.org/presentationml/2006/main">
   <p:cSld>
@@ -15865,6 +16058,18 @@
               <a:rPr lang="en-US" dirty="0"/>
               <a:t>)</a:t>
             </a:r>
+          </a:p>
+          <a:p>
+            <a:pPr lvl="1" algn="l" rtl="0"/>
+            <a:r>
+              <a:rPr lang="en-US" dirty="0"/>
+              <a:t>NLP Task – sentiment analysis : we cannot use general tokenizers as </a:t>
+            </a:r>
+            <a:r>
+              <a:rPr lang="en-US"/>
+              <a:t>spacy etc.</a:t>
+            </a:r>
+            <a:endParaRPr lang="en-US" dirty="0"/>
           </a:p>
           <a:p>
             <a:pPr marL="457200" lvl="1" indent="0" algn="l" rtl="0">
@@ -16996,8 +17201,8 @@
         </p:nvSpPr>
         <p:spPr>
           <a:xfrm>
-            <a:off x="2276273" y="6215975"/>
-            <a:ext cx="1624519" cy="369332"/>
+            <a:off x="686545" y="6215975"/>
+            <a:ext cx="5649112" cy="646331"/>
           </a:xfrm>
           <a:prstGeom prst="rect">
             <a:avLst/>
@@ -17012,7 +17217,7 @@
           <a:p>
             <a:r>
               <a:rPr lang="en-US" dirty="0"/>
-              <a:t>SVM Model</a:t>
+              <a:t>SVM Model – vector size=50 and 200 (200 gave 0.83 in precision 0)</a:t>
             </a:r>
             <a:endParaRPr lang="he-IL" dirty="0"/>
           </a:p>

--- a/Things we did in project.pptx
+++ b/Things we did in project.pptx
@@ -5,7 +5,7 @@
     <p:sldMasterId id="2147483672" r:id="rId1"/>
   </p:sldMasterIdLst>
   <p:notesMasterIdLst>
-    <p:notesMasterId r:id="rId17"/>
+    <p:notesMasterId r:id="rId20"/>
   </p:notesMasterIdLst>
   <p:sldIdLst>
     <p:sldId id="256" r:id="rId2"/>
@@ -23,6 +23,9 @@
     <p:sldId id="272" r:id="rId14"/>
     <p:sldId id="273" r:id="rId15"/>
     <p:sldId id="276" r:id="rId16"/>
+    <p:sldId id="277" r:id="rId17"/>
+    <p:sldId id="278" r:id="rId18"/>
+    <p:sldId id="279" r:id="rId19"/>
   </p:sldIdLst>
   <p:sldSz cx="12192000" cy="6858000"/>
   <p:notesSz cx="6858000" cy="9144000"/>
@@ -211,7 +214,7 @@
           <a:p>
             <a:fld id="{99B3FE1B-01D1-459D-875F-8154E6AE5851}" type="datetimeFigureOut">
               <a:rPr lang="he-IL" smtClean="0"/>
-              <a:t>כ"ב/כסלו/תשפ"א</a:t>
+              <a:t>כ"ו/כסלו/תשפ"א</a:t>
             </a:fld>
             <a:endParaRPr lang="he-IL"/>
           </a:p>
@@ -813,7 +816,7 @@
           <a:p>
             <a:fld id="{8236B938-022E-4225-A7C0-0A189B935F48}" type="datetimeFigureOut">
               <a:rPr lang="he-IL" smtClean="0"/>
-              <a:t>כ"ב/כסלו/תשפ"א</a:t>
+              <a:t>כ"ו/כסלו/תשפ"א</a:t>
             </a:fld>
             <a:endParaRPr lang="he-IL"/>
           </a:p>
@@ -1901,7 +1904,7 @@
           <a:p>
             <a:fld id="{8236B938-022E-4225-A7C0-0A189B935F48}" type="datetimeFigureOut">
               <a:rPr lang="he-IL" smtClean="0"/>
-              <a:t>כ"ב/כסלו/תשפ"א</a:t>
+              <a:t>כ"ו/כסלו/תשפ"א</a:t>
             </a:fld>
             <a:endParaRPr lang="he-IL"/>
           </a:p>
@@ -2881,7 +2884,7 @@
           <a:p>
             <a:fld id="{8236B938-022E-4225-A7C0-0A189B935F48}" type="datetimeFigureOut">
               <a:rPr lang="he-IL" smtClean="0"/>
-              <a:t>כ"ב/כסלו/תשפ"א</a:t>
+              <a:t>כ"ו/כסלו/תשפ"א</a:t>
             </a:fld>
             <a:endParaRPr lang="he-IL"/>
           </a:p>
@@ -4015,7 +4018,7 @@
           <a:p>
             <a:fld id="{8236B938-022E-4225-A7C0-0A189B935F48}" type="datetimeFigureOut">
               <a:rPr lang="he-IL" smtClean="0"/>
-              <a:t>כ"ב/כסלו/תשפ"א</a:t>
+              <a:t>כ"ו/כסלו/תשפ"א</a:t>
             </a:fld>
             <a:endParaRPr lang="he-IL"/>
           </a:p>
@@ -5048,7 +5051,7 @@
           <a:p>
             <a:fld id="{8236B938-022E-4225-A7C0-0A189B935F48}" type="datetimeFigureOut">
               <a:rPr lang="he-IL" smtClean="0"/>
-              <a:t>כ"ב/כסלו/תשפ"א</a:t>
+              <a:t>כ"ו/כסלו/תשפ"א</a:t>
             </a:fld>
             <a:endParaRPr lang="he-IL"/>
           </a:p>
@@ -5708,7 +5711,7 @@
           <a:p>
             <a:fld id="{8236B938-022E-4225-A7C0-0A189B935F48}" type="datetimeFigureOut">
               <a:rPr lang="he-IL" smtClean="0"/>
-              <a:t>כ"ב/כסלו/תשפ"א</a:t>
+              <a:t>כ"ו/כסלו/תשפ"א</a:t>
             </a:fld>
             <a:endParaRPr lang="he-IL"/>
           </a:p>
@@ -6569,7 +6572,7 @@
           <a:p>
             <a:fld id="{8236B938-022E-4225-A7C0-0A189B935F48}" type="datetimeFigureOut">
               <a:rPr lang="he-IL" smtClean="0"/>
-              <a:t>כ"ב/כסלו/תשפ"א</a:t>
+              <a:t>כ"ו/כסלו/תשפ"א</a:t>
             </a:fld>
             <a:endParaRPr lang="he-IL"/>
           </a:p>
@@ -6759,7 +6762,7 @@
           <a:p>
             <a:fld id="{8236B938-022E-4225-A7C0-0A189B935F48}" type="datetimeFigureOut">
               <a:rPr lang="he-IL" smtClean="0"/>
-              <a:t>כ"ב/כסלו/תשפ"א</a:t>
+              <a:t>כ"ו/כסלו/תשפ"א</a:t>
             </a:fld>
             <a:endParaRPr lang="he-IL"/>
           </a:p>
@@ -7731,7 +7734,7 @@
           <a:p>
             <a:fld id="{8236B938-022E-4225-A7C0-0A189B935F48}" type="datetimeFigureOut">
               <a:rPr lang="he-IL" smtClean="0"/>
-              <a:t>כ"ב/כסלו/תשפ"א</a:t>
+              <a:t>כ"ו/כסלו/תשפ"א</a:t>
             </a:fld>
             <a:endParaRPr lang="he-IL"/>
           </a:p>
@@ -7942,7 +7945,7 @@
           <a:p>
             <a:fld id="{8236B938-022E-4225-A7C0-0A189B935F48}" type="datetimeFigureOut">
               <a:rPr lang="he-IL" smtClean="0"/>
-              <a:t>כ"ב/כסלו/תשפ"א</a:t>
+              <a:t>כ"ו/כסלו/תשפ"א</a:t>
             </a:fld>
             <a:endParaRPr lang="he-IL"/>
           </a:p>
@@ -8976,7 +8979,7 @@
           <a:p>
             <a:fld id="{8236B938-022E-4225-A7C0-0A189B935F48}" type="datetimeFigureOut">
               <a:rPr lang="he-IL" smtClean="0"/>
-              <a:t>כ"ב/כסלו/תשפ"א</a:t>
+              <a:t>כ"ו/כסלו/תשפ"א</a:t>
             </a:fld>
             <a:endParaRPr lang="he-IL"/>
           </a:p>
@@ -9248,7 +9251,7 @@
           <a:p>
             <a:fld id="{8236B938-022E-4225-A7C0-0A189B935F48}" type="datetimeFigureOut">
               <a:rPr lang="he-IL" smtClean="0"/>
-              <a:t>כ"ב/כסלו/תשפ"א</a:t>
+              <a:t>כ"ו/כסלו/תשפ"א</a:t>
             </a:fld>
             <a:endParaRPr lang="he-IL"/>
           </a:p>
@@ -9663,7 +9666,7 @@
           <a:p>
             <a:fld id="{8236B938-022E-4225-A7C0-0A189B935F48}" type="datetimeFigureOut">
               <a:rPr lang="he-IL" smtClean="0"/>
-              <a:t>כ"ב/כסלו/תשפ"א</a:t>
+              <a:t>כ"ו/כסלו/תשפ"א</a:t>
             </a:fld>
             <a:endParaRPr lang="he-IL"/>
           </a:p>
@@ -9795,7 +9798,7 @@
           <a:p>
             <a:fld id="{8236B938-022E-4225-A7C0-0A189B935F48}" type="datetimeFigureOut">
               <a:rPr lang="he-IL" smtClean="0"/>
-              <a:t>כ"ב/כסלו/תשפ"א</a:t>
+              <a:t>כ"ו/כסלו/תשפ"א</a:t>
             </a:fld>
             <a:endParaRPr lang="he-IL"/>
           </a:p>
@@ -9890,7 +9893,7 @@
           <a:p>
             <a:fld id="{8236B938-022E-4225-A7C0-0A189B935F48}" type="datetimeFigureOut">
               <a:rPr lang="he-IL" smtClean="0"/>
-              <a:t>כ"ב/כסלו/תשפ"א</a:t>
+              <a:t>כ"ו/כסלו/תשפ"א</a:t>
             </a:fld>
             <a:endParaRPr lang="he-IL"/>
           </a:p>
@@ -10971,7 +10974,7 @@
           <a:p>
             <a:fld id="{8236B938-022E-4225-A7C0-0A189B935F48}" type="datetimeFigureOut">
               <a:rPr lang="he-IL" smtClean="0"/>
-              <a:t>כ"ב/כסלו/תשפ"א</a:t>
+              <a:t>כ"ו/כסלו/תשפ"א</a:t>
             </a:fld>
             <a:endParaRPr lang="he-IL"/>
           </a:p>
@@ -12084,7 +12087,7 @@
           <a:p>
             <a:fld id="{8236B938-022E-4225-A7C0-0A189B935F48}" type="datetimeFigureOut">
               <a:rPr lang="he-IL" smtClean="0"/>
-              <a:t>כ"ב/כסלו/תשפ"א</a:t>
+              <a:t>כ"ו/כסלו/תשפ"א</a:t>
             </a:fld>
             <a:endParaRPr lang="he-IL"/>
           </a:p>
@@ -13081,7 +13084,7 @@
           <a:p>
             <a:fld id="{8236B938-022E-4225-A7C0-0A189B935F48}" type="datetimeFigureOut">
               <a:rPr lang="he-IL" smtClean="0"/>
-              <a:t>כ"ב/כסלו/תשפ"א</a:t>
+              <a:t>כ"ו/כסלו/תשפ"א</a:t>
             </a:fld>
             <a:endParaRPr lang="he-IL"/>
           </a:p>
@@ -15921,6 +15924,486 @@
 </p:sld>
 </file>
 
+<file path=ppt/slides/slide16.xml><?xml version="1.0" encoding="utf-8"?>
+<p:sld xmlns:a="http://schemas.openxmlformats.org/drawingml/2006/main" xmlns:r="http://schemas.openxmlformats.org/officeDocument/2006/relationships" xmlns:p="http://schemas.openxmlformats.org/presentationml/2006/main">
+  <p:cSld>
+    <p:spTree>
+      <p:nvGrpSpPr>
+        <p:cNvPr id="1" name=""/>
+        <p:cNvGrpSpPr/>
+        <p:nvPr/>
+      </p:nvGrpSpPr>
+      <p:grpSpPr>
+        <a:xfrm>
+          <a:off x="0" y="0"/>
+          <a:ext cx="0" cy="0"/>
+          <a:chOff x="0" y="0"/>
+          <a:chExt cx="0" cy="0"/>
+        </a:xfrm>
+      </p:grpSpPr>
+      <p:sp>
+        <p:nvSpPr>
+          <p:cNvPr id="2" name="כותרת 1">
+            <a:extLst>
+              <a:ext uri="{FF2B5EF4-FFF2-40B4-BE49-F238E27FC236}">
+                <a16:creationId xmlns:a16="http://schemas.microsoft.com/office/drawing/2014/main" id="{5EF63109-57FF-4909-8FC9-A7AD1F49FC56}"/>
+              </a:ext>
+            </a:extLst>
+          </p:cNvPr>
+          <p:cNvSpPr>
+            <a:spLocks noGrp="1"/>
+          </p:cNvSpPr>
+          <p:nvPr>
+            <p:ph type="title"/>
+          </p:nvPr>
+        </p:nvSpPr>
+        <p:spPr/>
+        <p:txBody>
+          <a:bodyPr/>
+          <a:lstStyle/>
+          <a:p>
+            <a:r>
+              <a:rPr lang="en-US" dirty="0"/>
+              <a:t>Main things we did and challenges</a:t>
+            </a:r>
+            <a:endParaRPr lang="he-IL" dirty="0"/>
+          </a:p>
+        </p:txBody>
+      </p:sp>
+      <p:sp>
+        <p:nvSpPr>
+          <p:cNvPr id="4" name="מציין מיקום תוכן 3">
+            <a:extLst>
+              <a:ext uri="{FF2B5EF4-FFF2-40B4-BE49-F238E27FC236}">
+                <a16:creationId xmlns:a16="http://schemas.microsoft.com/office/drawing/2014/main" id="{D1512E5A-B809-4F4B-A4ED-D899E7C8424A}"/>
+              </a:ext>
+            </a:extLst>
+          </p:cNvPr>
+          <p:cNvSpPr>
+            <a:spLocks noGrp="1"/>
+          </p:cNvSpPr>
+          <p:nvPr>
+            <p:ph sz="half" idx="2"/>
+          </p:nvPr>
+        </p:nvSpPr>
+        <p:spPr>
+          <a:xfrm>
+            <a:off x="1154954" y="2603500"/>
+            <a:ext cx="9878917" cy="3416300"/>
+          </a:xfrm>
+        </p:spPr>
+        <p:txBody>
+          <a:bodyPr/>
+          <a:lstStyle/>
+          <a:p>
+            <a:pPr algn="l" rtl="0"/>
+            <a:r>
+              <a:rPr lang="en-US" dirty="0"/>
+              <a:t>Classification of reviews (supervised model)</a:t>
+            </a:r>
+          </a:p>
+          <a:p>
+            <a:pPr lvl="1" algn="l" rtl="0"/>
+            <a:r>
+              <a:rPr lang="en-US" dirty="0"/>
+              <a:t>Using NN and LSTM – a second run</a:t>
+            </a:r>
+          </a:p>
+          <a:p>
+            <a:pPr lvl="1" algn="l" rtl="0"/>
+            <a:r>
+              <a:rPr lang="en-US" dirty="0"/>
+              <a:t>We made a second run , with embedding of 300 vectors (embedding with </a:t>
+            </a:r>
+            <a:r>
+              <a:rPr lang="en-US" dirty="0" err="1"/>
+              <a:t>fasttext</a:t>
+            </a:r>
+            <a:r>
+              <a:rPr lang="en-US" dirty="0"/>
+              <a:t> vector for some reason did not work)</a:t>
+            </a:r>
+          </a:p>
+          <a:p>
+            <a:pPr lvl="1" algn="l" rtl="0"/>
+            <a:r>
+              <a:rPr lang="en-US" dirty="0"/>
+              <a:t>We added precision and recall scores and got very good scores.</a:t>
+            </a:r>
+          </a:p>
+          <a:p>
+            <a:pPr lvl="1" algn="l" rtl="0"/>
+            <a:r>
+              <a:rPr lang="en-US" dirty="0"/>
+              <a:t>We tested on several reviews, and got very good results.</a:t>
+            </a:r>
+          </a:p>
+          <a:p>
+            <a:pPr lvl="1" algn="l" rtl="0"/>
+            <a:r>
+              <a:rPr lang="en-US" dirty="0"/>
+              <a:t>This is the best model so far </a:t>
+            </a:r>
+          </a:p>
+          <a:p>
+            <a:pPr lvl="1" algn="l" rtl="0"/>
+            <a:endParaRPr lang="en-US" dirty="0"/>
+          </a:p>
+          <a:p>
+            <a:pPr lvl="1" algn="l" rtl="0"/>
+            <a:endParaRPr lang="en-US" dirty="0"/>
+          </a:p>
+          <a:p>
+            <a:pPr lvl="1" algn="l" rtl="0"/>
+            <a:endParaRPr lang="he-IL" dirty="0"/>
+          </a:p>
+        </p:txBody>
+      </p:sp>
+    </p:spTree>
+    <p:extLst>
+      <p:ext uri="{BB962C8B-B14F-4D97-AF65-F5344CB8AC3E}">
+        <p14:creationId xmlns:p14="http://schemas.microsoft.com/office/powerpoint/2010/main" val="3647812685"/>
+      </p:ext>
+    </p:extLst>
+  </p:cSld>
+  <p:clrMapOvr>
+    <a:masterClrMapping/>
+  </p:clrMapOvr>
+</p:sld>
+</file>
+
+<file path=ppt/slides/slide17.xml><?xml version="1.0" encoding="utf-8"?>
+<p:sld xmlns:a="http://schemas.openxmlformats.org/drawingml/2006/main" xmlns:r="http://schemas.openxmlformats.org/officeDocument/2006/relationships" xmlns:p="http://schemas.openxmlformats.org/presentationml/2006/main">
+  <p:cSld>
+    <p:spTree>
+      <p:nvGrpSpPr>
+        <p:cNvPr id="1" name=""/>
+        <p:cNvGrpSpPr/>
+        <p:nvPr/>
+      </p:nvGrpSpPr>
+      <p:grpSpPr>
+        <a:xfrm>
+          <a:off x="0" y="0"/>
+          <a:ext cx="0" cy="0"/>
+          <a:chOff x="0" y="0"/>
+          <a:chExt cx="0" cy="0"/>
+        </a:xfrm>
+      </p:grpSpPr>
+      <p:sp>
+        <p:nvSpPr>
+          <p:cNvPr id="2" name="כותרת 1">
+            <a:extLst>
+              <a:ext uri="{FF2B5EF4-FFF2-40B4-BE49-F238E27FC236}">
+                <a16:creationId xmlns:a16="http://schemas.microsoft.com/office/drawing/2014/main" id="{5EF63109-57FF-4909-8FC9-A7AD1F49FC56}"/>
+              </a:ext>
+            </a:extLst>
+          </p:cNvPr>
+          <p:cNvSpPr>
+            <a:spLocks noGrp="1"/>
+          </p:cNvSpPr>
+          <p:nvPr>
+            <p:ph type="title"/>
+          </p:nvPr>
+        </p:nvSpPr>
+        <p:spPr/>
+        <p:txBody>
+          <a:bodyPr/>
+          <a:lstStyle/>
+          <a:p>
+            <a:r>
+              <a:rPr lang="en-US" dirty="0"/>
+              <a:t>Main things we did and challenges</a:t>
+            </a:r>
+            <a:endParaRPr lang="he-IL" dirty="0"/>
+          </a:p>
+        </p:txBody>
+      </p:sp>
+      <p:sp>
+        <p:nvSpPr>
+          <p:cNvPr id="4" name="מציין מיקום תוכן 3">
+            <a:extLst>
+              <a:ext uri="{FF2B5EF4-FFF2-40B4-BE49-F238E27FC236}">
+                <a16:creationId xmlns:a16="http://schemas.microsoft.com/office/drawing/2014/main" id="{D1512E5A-B809-4F4B-A4ED-D899E7C8424A}"/>
+              </a:ext>
+            </a:extLst>
+          </p:cNvPr>
+          <p:cNvSpPr>
+            <a:spLocks noGrp="1"/>
+          </p:cNvSpPr>
+          <p:nvPr>
+            <p:ph sz="half" idx="2"/>
+          </p:nvPr>
+        </p:nvSpPr>
+        <p:spPr>
+          <a:xfrm>
+            <a:off x="1154954" y="2603500"/>
+            <a:ext cx="9878917" cy="3416300"/>
+          </a:xfrm>
+        </p:spPr>
+        <p:txBody>
+          <a:bodyPr/>
+          <a:lstStyle/>
+          <a:p>
+            <a:pPr algn="l" rtl="0"/>
+            <a:r>
+              <a:rPr lang="en-US" dirty="0"/>
+              <a:t>Topic Modelling</a:t>
+            </a:r>
+          </a:p>
+          <a:p>
+            <a:pPr lvl="1" algn="l" rtl="0"/>
+            <a:r>
+              <a:rPr lang="en-US" dirty="0"/>
+              <a:t>We made topic modelling with 3 topics but did not get good results.</a:t>
+            </a:r>
+          </a:p>
+          <a:p>
+            <a:pPr lvl="2" algn="l" rtl="0"/>
+            <a:r>
+              <a:rPr lang="en-US" dirty="0"/>
+              <a:t>One topic was on film</a:t>
+            </a:r>
+          </a:p>
+          <a:p>
+            <a:pPr lvl="2" algn="l" rtl="0"/>
+            <a:r>
+              <a:rPr lang="en-US" dirty="0"/>
+              <a:t>The order on movie</a:t>
+            </a:r>
+          </a:p>
+          <a:p>
+            <a:pPr lvl="2" algn="l" rtl="0"/>
+            <a:r>
+              <a:rPr lang="en-US" dirty="0"/>
+              <a:t>And the third with man, woman ,girl, old, </a:t>
+            </a:r>
+            <a:r>
+              <a:rPr lang="en-US" dirty="0" err="1"/>
+              <a:t>etc</a:t>
+            </a:r>
+            <a:r>
+              <a:rPr lang="en-US" dirty="0"/>
+              <a:t> .</a:t>
+            </a:r>
+          </a:p>
+          <a:p>
+            <a:pPr lvl="1" algn="l" rtl="0"/>
+            <a:endParaRPr lang="en-US" dirty="0"/>
+          </a:p>
+          <a:p>
+            <a:pPr lvl="1" algn="l" rtl="0"/>
+            <a:endParaRPr lang="en-US" dirty="0"/>
+          </a:p>
+          <a:p>
+            <a:pPr lvl="1" algn="l" rtl="0"/>
+            <a:endParaRPr lang="he-IL" dirty="0"/>
+          </a:p>
+        </p:txBody>
+      </p:sp>
+      <p:pic>
+        <p:nvPicPr>
+          <p:cNvPr id="3" name="תמונה 2">
+            <a:extLst>
+              <a:ext uri="{FF2B5EF4-FFF2-40B4-BE49-F238E27FC236}">
+                <a16:creationId xmlns:a16="http://schemas.microsoft.com/office/drawing/2014/main" id="{9680BE80-7FBB-4FB3-A2C3-09C7E5498E31}"/>
+              </a:ext>
+            </a:extLst>
+          </p:cNvPr>
+          <p:cNvPicPr>
+            <a:picLocks noChangeAspect="1"/>
+          </p:cNvPicPr>
+          <p:nvPr/>
+        </p:nvPicPr>
+        <p:blipFill>
+          <a:blip r:embed="rId2"/>
+          <a:stretch>
+            <a:fillRect/>
+          </a:stretch>
+        </p:blipFill>
+        <p:spPr>
+          <a:xfrm>
+            <a:off x="1081289" y="4604061"/>
+            <a:ext cx="9952582" cy="1280271"/>
+          </a:xfrm>
+          <a:prstGeom prst="rect">
+            <a:avLst/>
+          </a:prstGeom>
+        </p:spPr>
+      </p:pic>
+    </p:spTree>
+    <p:extLst>
+      <p:ext uri="{BB962C8B-B14F-4D97-AF65-F5344CB8AC3E}">
+        <p14:creationId xmlns:p14="http://schemas.microsoft.com/office/powerpoint/2010/main" val="970089619"/>
+      </p:ext>
+    </p:extLst>
+  </p:cSld>
+  <p:clrMapOvr>
+    <a:masterClrMapping/>
+  </p:clrMapOvr>
+</p:sld>
+</file>
+
+<file path=ppt/slides/slide18.xml><?xml version="1.0" encoding="utf-8"?>
+<p:sld xmlns:a="http://schemas.openxmlformats.org/drawingml/2006/main" xmlns:r="http://schemas.openxmlformats.org/officeDocument/2006/relationships" xmlns:p="http://schemas.openxmlformats.org/presentationml/2006/main">
+  <p:cSld>
+    <p:spTree>
+      <p:nvGrpSpPr>
+        <p:cNvPr id="1" name=""/>
+        <p:cNvGrpSpPr/>
+        <p:nvPr/>
+      </p:nvGrpSpPr>
+      <p:grpSpPr>
+        <a:xfrm>
+          <a:off x="0" y="0"/>
+          <a:ext cx="0" cy="0"/>
+          <a:chOff x="0" y="0"/>
+          <a:chExt cx="0" cy="0"/>
+        </a:xfrm>
+      </p:grpSpPr>
+      <p:sp>
+        <p:nvSpPr>
+          <p:cNvPr id="2" name="כותרת 1">
+            <a:extLst>
+              <a:ext uri="{FF2B5EF4-FFF2-40B4-BE49-F238E27FC236}">
+                <a16:creationId xmlns:a16="http://schemas.microsoft.com/office/drawing/2014/main" id="{5EF63109-57FF-4909-8FC9-A7AD1F49FC56}"/>
+              </a:ext>
+            </a:extLst>
+          </p:cNvPr>
+          <p:cNvSpPr>
+            <a:spLocks noGrp="1"/>
+          </p:cNvSpPr>
+          <p:nvPr>
+            <p:ph type="title"/>
+          </p:nvPr>
+        </p:nvSpPr>
+        <p:spPr/>
+        <p:txBody>
+          <a:bodyPr/>
+          <a:lstStyle/>
+          <a:p>
+            <a:r>
+              <a:rPr lang="en-US" dirty="0"/>
+              <a:t>Main things we did and challenges</a:t>
+            </a:r>
+            <a:endParaRPr lang="he-IL" dirty="0"/>
+          </a:p>
+        </p:txBody>
+      </p:sp>
+      <p:sp>
+        <p:nvSpPr>
+          <p:cNvPr id="4" name="מציין מיקום תוכן 3">
+            <a:extLst>
+              <a:ext uri="{FF2B5EF4-FFF2-40B4-BE49-F238E27FC236}">
+                <a16:creationId xmlns:a16="http://schemas.microsoft.com/office/drawing/2014/main" id="{D1512E5A-B809-4F4B-A4ED-D899E7C8424A}"/>
+              </a:ext>
+            </a:extLst>
+          </p:cNvPr>
+          <p:cNvSpPr>
+            <a:spLocks noGrp="1"/>
+          </p:cNvSpPr>
+          <p:nvPr>
+            <p:ph sz="half" idx="2"/>
+          </p:nvPr>
+        </p:nvSpPr>
+        <p:spPr>
+          <a:xfrm>
+            <a:off x="1154954" y="2603500"/>
+            <a:ext cx="9878917" cy="3416300"/>
+          </a:xfrm>
+        </p:spPr>
+        <p:txBody>
+          <a:bodyPr/>
+          <a:lstStyle/>
+          <a:p>
+            <a:pPr algn="l" rtl="0"/>
+            <a:r>
+              <a:rPr lang="en-US" dirty="0"/>
+              <a:t>Topic Modelling</a:t>
+            </a:r>
+          </a:p>
+          <a:p>
+            <a:pPr lvl="1" algn="l" rtl="0"/>
+            <a:r>
+              <a:rPr lang="en-US" dirty="0"/>
+              <a:t>We made a second try, dropping film, movie words.</a:t>
+            </a:r>
+          </a:p>
+          <a:p>
+            <a:pPr lvl="1" algn="l" rtl="0"/>
+            <a:r>
+              <a:rPr lang="en-US" dirty="0"/>
+              <a:t>Not good ,since there are also reviews on episodes etc. So maybe topic modelling will be one films and episodes etc.</a:t>
+            </a:r>
+          </a:p>
+          <a:p>
+            <a:pPr lvl="1" algn="l" rtl="0"/>
+            <a:r>
+              <a:rPr lang="en-US" dirty="0"/>
+              <a:t>So a third try (keep </a:t>
+            </a:r>
+            <a:r>
+              <a:rPr lang="en-US" dirty="0" err="1"/>
+              <a:t>orig</a:t>
+            </a:r>
+            <a:r>
+              <a:rPr lang="en-US" dirty="0"/>
+              <a:t> </a:t>
+            </a:r>
+            <a:r>
+              <a:rPr lang="en-US" dirty="0" err="1"/>
+              <a:t>stopwords</a:t>
+            </a:r>
+            <a:r>
+              <a:rPr lang="en-US" dirty="0"/>
+              <a:t>):</a:t>
+            </a:r>
+          </a:p>
+          <a:p>
+            <a:pPr lvl="2" algn="l" rtl="0"/>
+            <a:r>
+              <a:rPr lang="en-US" dirty="0"/>
+              <a:t>Make graph score as a </a:t>
+            </a:r>
+            <a:r>
+              <a:rPr lang="en-US"/>
+              <a:t>function of num </a:t>
+            </a:r>
+            <a:r>
+              <a:rPr lang="en-US" dirty="0"/>
+              <a:t>of topics </a:t>
+            </a:r>
+          </a:p>
+          <a:p>
+            <a:pPr lvl="1" algn="l" rtl="0"/>
+            <a:endParaRPr lang="en-US" dirty="0"/>
+          </a:p>
+          <a:p>
+            <a:pPr lvl="1" algn="l" rtl="0"/>
+            <a:endParaRPr lang="en-US" dirty="0"/>
+          </a:p>
+          <a:p>
+            <a:pPr lvl="1" algn="l" rtl="0"/>
+            <a:endParaRPr lang="en-US" dirty="0"/>
+          </a:p>
+          <a:p>
+            <a:pPr lvl="1" algn="l" rtl="0"/>
+            <a:endParaRPr lang="he-IL" dirty="0"/>
+          </a:p>
+        </p:txBody>
+      </p:sp>
+    </p:spTree>
+    <p:extLst>
+      <p:ext uri="{BB962C8B-B14F-4D97-AF65-F5344CB8AC3E}">
+        <p14:creationId xmlns:p14="http://schemas.microsoft.com/office/powerpoint/2010/main" val="1213935601"/>
+      </p:ext>
+    </p:extLst>
+  </p:cSld>
+  <p:clrMapOvr>
+    <a:masterClrMapping/>
+  </p:clrMapOvr>
+</p:sld>
+</file>
+
 <file path=ppt/slides/slide2.xml><?xml version="1.0" encoding="utf-8"?>
 <p:sld xmlns:a="http://schemas.openxmlformats.org/drawingml/2006/main" xmlns:r="http://schemas.openxmlformats.org/officeDocument/2006/relationships" xmlns:p="http://schemas.openxmlformats.org/presentationml/2006/main">
   <p:cSld>

--- a/Things we did in project.pptx
+++ b/Things we did in project.pptx
@@ -5,7 +5,7 @@
     <p:sldMasterId id="2147483672" r:id="rId1"/>
   </p:sldMasterIdLst>
   <p:notesMasterIdLst>
-    <p:notesMasterId r:id="rId20"/>
+    <p:notesMasterId r:id="rId26"/>
   </p:notesMasterIdLst>
   <p:sldIdLst>
     <p:sldId id="256" r:id="rId2"/>
@@ -24,8 +24,14 @@
     <p:sldId id="273" r:id="rId15"/>
     <p:sldId id="276" r:id="rId16"/>
     <p:sldId id="277" r:id="rId17"/>
-    <p:sldId id="278" r:id="rId18"/>
-    <p:sldId id="279" r:id="rId19"/>
+    <p:sldId id="284" r:id="rId18"/>
+    <p:sldId id="285" r:id="rId19"/>
+    <p:sldId id="278" r:id="rId20"/>
+    <p:sldId id="279" r:id="rId21"/>
+    <p:sldId id="280" r:id="rId22"/>
+    <p:sldId id="281" r:id="rId23"/>
+    <p:sldId id="282" r:id="rId24"/>
+    <p:sldId id="283" r:id="rId25"/>
   </p:sldIdLst>
   <p:sldSz cx="12192000" cy="6858000"/>
   <p:notesSz cx="6858000" cy="9144000"/>
@@ -214,7 +220,7 @@
           <a:p>
             <a:fld id="{99B3FE1B-01D1-459D-875F-8154E6AE5851}" type="datetimeFigureOut">
               <a:rPr lang="he-IL" smtClean="0"/>
-              <a:t>כ"ו/כסלו/תשפ"א</a:t>
+              <a:t>כ"ט/כסלו/תשפ"א</a:t>
             </a:fld>
             <a:endParaRPr lang="he-IL"/>
           </a:p>
@@ -816,7 +822,7 @@
           <a:p>
             <a:fld id="{8236B938-022E-4225-A7C0-0A189B935F48}" type="datetimeFigureOut">
               <a:rPr lang="he-IL" smtClean="0"/>
-              <a:t>כ"ו/כסלו/תשפ"א</a:t>
+              <a:t>כ"ט/כסלו/תשפ"א</a:t>
             </a:fld>
             <a:endParaRPr lang="he-IL"/>
           </a:p>
@@ -1904,7 +1910,7 @@
           <a:p>
             <a:fld id="{8236B938-022E-4225-A7C0-0A189B935F48}" type="datetimeFigureOut">
               <a:rPr lang="he-IL" smtClean="0"/>
-              <a:t>כ"ו/כסלו/תשפ"א</a:t>
+              <a:t>כ"ט/כסלו/תשפ"א</a:t>
             </a:fld>
             <a:endParaRPr lang="he-IL"/>
           </a:p>
@@ -2884,7 +2890,7 @@
           <a:p>
             <a:fld id="{8236B938-022E-4225-A7C0-0A189B935F48}" type="datetimeFigureOut">
               <a:rPr lang="he-IL" smtClean="0"/>
-              <a:t>כ"ו/כסלו/תשפ"א</a:t>
+              <a:t>כ"ט/כסלו/תשפ"א</a:t>
             </a:fld>
             <a:endParaRPr lang="he-IL"/>
           </a:p>
@@ -4018,7 +4024,7 @@
           <a:p>
             <a:fld id="{8236B938-022E-4225-A7C0-0A189B935F48}" type="datetimeFigureOut">
               <a:rPr lang="he-IL" smtClean="0"/>
-              <a:t>כ"ו/כסלו/תשפ"א</a:t>
+              <a:t>כ"ט/כסלו/תשפ"א</a:t>
             </a:fld>
             <a:endParaRPr lang="he-IL"/>
           </a:p>
@@ -5051,7 +5057,7 @@
           <a:p>
             <a:fld id="{8236B938-022E-4225-A7C0-0A189B935F48}" type="datetimeFigureOut">
               <a:rPr lang="he-IL" smtClean="0"/>
-              <a:t>כ"ו/כסלו/תשפ"א</a:t>
+              <a:t>כ"ט/כסלו/תשפ"א</a:t>
             </a:fld>
             <a:endParaRPr lang="he-IL"/>
           </a:p>
@@ -5711,7 +5717,7 @@
           <a:p>
             <a:fld id="{8236B938-022E-4225-A7C0-0A189B935F48}" type="datetimeFigureOut">
               <a:rPr lang="he-IL" smtClean="0"/>
-              <a:t>כ"ו/כסלו/תשפ"א</a:t>
+              <a:t>כ"ט/כסלו/תשפ"א</a:t>
             </a:fld>
             <a:endParaRPr lang="he-IL"/>
           </a:p>
@@ -6572,7 +6578,7 @@
           <a:p>
             <a:fld id="{8236B938-022E-4225-A7C0-0A189B935F48}" type="datetimeFigureOut">
               <a:rPr lang="he-IL" smtClean="0"/>
-              <a:t>כ"ו/כסלו/תשפ"א</a:t>
+              <a:t>כ"ט/כסלו/תשפ"א</a:t>
             </a:fld>
             <a:endParaRPr lang="he-IL"/>
           </a:p>
@@ -6762,7 +6768,7 @@
           <a:p>
             <a:fld id="{8236B938-022E-4225-A7C0-0A189B935F48}" type="datetimeFigureOut">
               <a:rPr lang="he-IL" smtClean="0"/>
-              <a:t>כ"ו/כסלו/תשפ"א</a:t>
+              <a:t>כ"ט/כסלו/תשפ"א</a:t>
             </a:fld>
             <a:endParaRPr lang="he-IL"/>
           </a:p>
@@ -7734,7 +7740,7 @@
           <a:p>
             <a:fld id="{8236B938-022E-4225-A7C0-0A189B935F48}" type="datetimeFigureOut">
               <a:rPr lang="he-IL" smtClean="0"/>
-              <a:t>כ"ו/כסלו/תשפ"א</a:t>
+              <a:t>כ"ט/כסלו/תשפ"א</a:t>
             </a:fld>
             <a:endParaRPr lang="he-IL"/>
           </a:p>
@@ -7945,7 +7951,7 @@
           <a:p>
             <a:fld id="{8236B938-022E-4225-A7C0-0A189B935F48}" type="datetimeFigureOut">
               <a:rPr lang="he-IL" smtClean="0"/>
-              <a:t>כ"ו/כסלו/תשפ"א</a:t>
+              <a:t>כ"ט/כסלו/תשפ"א</a:t>
             </a:fld>
             <a:endParaRPr lang="he-IL"/>
           </a:p>
@@ -8979,7 +8985,7 @@
           <a:p>
             <a:fld id="{8236B938-022E-4225-A7C0-0A189B935F48}" type="datetimeFigureOut">
               <a:rPr lang="he-IL" smtClean="0"/>
-              <a:t>כ"ו/כסלו/תשפ"א</a:t>
+              <a:t>כ"ט/כסלו/תשפ"א</a:t>
             </a:fld>
             <a:endParaRPr lang="he-IL"/>
           </a:p>
@@ -9251,7 +9257,7 @@
           <a:p>
             <a:fld id="{8236B938-022E-4225-A7C0-0A189B935F48}" type="datetimeFigureOut">
               <a:rPr lang="he-IL" smtClean="0"/>
-              <a:t>כ"ו/כסלו/תשפ"א</a:t>
+              <a:t>כ"ט/כסלו/תשפ"א</a:t>
             </a:fld>
             <a:endParaRPr lang="he-IL"/>
           </a:p>
@@ -9666,7 +9672,7 @@
           <a:p>
             <a:fld id="{8236B938-022E-4225-A7C0-0A189B935F48}" type="datetimeFigureOut">
               <a:rPr lang="he-IL" smtClean="0"/>
-              <a:t>כ"ו/כסלו/תשפ"א</a:t>
+              <a:t>כ"ט/כסלו/תשפ"א</a:t>
             </a:fld>
             <a:endParaRPr lang="he-IL"/>
           </a:p>
@@ -9798,7 +9804,7 @@
           <a:p>
             <a:fld id="{8236B938-022E-4225-A7C0-0A189B935F48}" type="datetimeFigureOut">
               <a:rPr lang="he-IL" smtClean="0"/>
-              <a:t>כ"ו/כסלו/תשפ"א</a:t>
+              <a:t>כ"ט/כסלו/תשפ"א</a:t>
             </a:fld>
             <a:endParaRPr lang="he-IL"/>
           </a:p>
@@ -9893,7 +9899,7 @@
           <a:p>
             <a:fld id="{8236B938-022E-4225-A7C0-0A189B935F48}" type="datetimeFigureOut">
               <a:rPr lang="he-IL" smtClean="0"/>
-              <a:t>כ"ו/כסלו/תשפ"א</a:t>
+              <a:t>כ"ט/כסלו/תשפ"א</a:t>
             </a:fld>
             <a:endParaRPr lang="he-IL"/>
           </a:p>
@@ -10974,7 +10980,7 @@
           <a:p>
             <a:fld id="{8236B938-022E-4225-A7C0-0A189B935F48}" type="datetimeFigureOut">
               <a:rPr lang="he-IL" smtClean="0"/>
-              <a:t>כ"ו/כסלו/תשפ"א</a:t>
+              <a:t>כ"ט/כסלו/תשפ"א</a:t>
             </a:fld>
             <a:endParaRPr lang="he-IL"/>
           </a:p>
@@ -12087,7 +12093,7 @@
           <a:p>
             <a:fld id="{8236B938-022E-4225-A7C0-0A189B935F48}" type="datetimeFigureOut">
               <a:rPr lang="he-IL" smtClean="0"/>
-              <a:t>כ"ו/כסלו/תשפ"א</a:t>
+              <a:t>כ"ט/כסלו/תשפ"א</a:t>
             </a:fld>
             <a:endParaRPr lang="he-IL"/>
           </a:p>
@@ -13084,7 +13090,7 @@
           <a:p>
             <a:fld id="{8236B938-022E-4225-A7C0-0A189B935F48}" type="datetimeFigureOut">
               <a:rPr lang="he-IL" smtClean="0"/>
-              <a:t>כ"ו/כסלו/תשפ"א</a:t>
+              <a:t>כ"ט/כסלו/תשפ"א</a:t>
             </a:fld>
             <a:endParaRPr lang="he-IL"/>
           </a:p>
@@ -16075,6 +16081,2363 @@
 <file path=ppt/slides/slide17.xml><?xml version="1.0" encoding="utf-8"?>
 <p:sld xmlns:a="http://schemas.openxmlformats.org/drawingml/2006/main" xmlns:r="http://schemas.openxmlformats.org/officeDocument/2006/relationships" xmlns:p="http://schemas.openxmlformats.org/presentationml/2006/main">
   <p:cSld>
+    <p:bg>
+      <p:bgPr>
+        <a:solidFill>
+          <a:schemeClr val="bg1"/>
+        </a:solidFill>
+        <a:effectLst/>
+      </p:bgPr>
+    </p:bg>
+    <p:spTree>
+      <p:nvGrpSpPr>
+        <p:cNvPr id="1" name=""/>
+        <p:cNvGrpSpPr/>
+        <p:nvPr/>
+      </p:nvGrpSpPr>
+      <p:grpSpPr>
+        <a:xfrm>
+          <a:off x="0" y="0"/>
+          <a:ext cx="0" cy="0"/>
+          <a:chOff x="0" y="0"/>
+          <a:chExt cx="0" cy="0"/>
+        </a:xfrm>
+      </p:grpSpPr>
+      <p:grpSp>
+        <p:nvGrpSpPr>
+          <p:cNvPr id="9" name="Group 8">
+            <a:extLst>
+              <a:ext uri="{FF2B5EF4-FFF2-40B4-BE49-F238E27FC236}">
+                <a16:creationId xmlns:a16="http://schemas.microsoft.com/office/drawing/2014/main" id="{FAEF28A3-012D-4640-B8B8-1EF6EAF7233B}"/>
+              </a:ext>
+              <a:ext uri="{C183D7F6-B498-43B3-948B-1728B52AA6E4}">
+                <adec:decorative xmlns:adec="http://schemas.microsoft.com/office/drawing/2017/decorative" val="1"/>
+              </a:ext>
+            </a:extLst>
+          </p:cNvPr>
+          <p:cNvGrpSpPr>
+            <a:grpSpLocks noGrp="1" noUngrp="1" noRot="1" noChangeAspect="1" noMove="1" noResize="1"/>
+          </p:cNvGrpSpPr>
+          <p:nvPr>
+            <p:extLst>
+              <p:ext uri="{386F3935-93C4-4BCD-93E2-E3B085C9AB24}">
+                <p16:designElem xmlns:p16="http://schemas.microsoft.com/office/powerpoint/2015/main" val="1"/>
+              </p:ext>
+            </p:extLst>
+          </p:nvPr>
+        </p:nvGrpSpPr>
+        <p:grpSpPr>
+          <a:xfrm>
+            <a:off x="0" y="0"/>
+            <a:ext cx="12192000" cy="6858000"/>
+            <a:chOff x="0" y="0"/>
+            <a:chExt cx="12192000" cy="6858000"/>
+          </a:xfrm>
+        </p:grpSpPr>
+        <p:sp>
+          <p:nvSpPr>
+            <p:cNvPr id="10" name="Rectangle 9">
+              <a:extLst>
+                <a:ext uri="{FF2B5EF4-FFF2-40B4-BE49-F238E27FC236}">
+                  <a16:creationId xmlns:a16="http://schemas.microsoft.com/office/drawing/2014/main" id="{F3B2F1C2-14D3-4A53-B329-323795BCFD5A}"/>
+                </a:ext>
+                <a:ext uri="{C183D7F6-B498-43B3-948B-1728B52AA6E4}">
+                  <adec:decorative xmlns:adec="http://schemas.microsoft.com/office/drawing/2017/decorative" val="1"/>
+                </a:ext>
+              </a:extLst>
+            </p:cNvPr>
+            <p:cNvSpPr/>
+            <p:nvPr>
+              <p:extLst>
+                <p:ext uri="{386F3935-93C4-4BCD-93E2-E3B085C9AB24}">
+                  <p16:designElem xmlns:p16="http://schemas.microsoft.com/office/powerpoint/2015/main" val="1"/>
+                </p:ext>
+              </p:extLst>
+            </p:nvPr>
+          </p:nvSpPr>
+          <p:spPr>
+            <a:xfrm>
+              <a:off x="0" y="0"/>
+              <a:ext cx="12192000" cy="6858000"/>
+            </a:xfrm>
+            <a:prstGeom prst="rect">
+              <a:avLst/>
+            </a:prstGeom>
+            <a:blipFill>
+              <a:blip r:embed="rId2">
+                <a:duotone>
+                  <a:schemeClr val="dk2">
+                    <a:shade val="69000"/>
+                    <a:hueMod val="91000"/>
+                    <a:satMod val="164000"/>
+                    <a:lumMod val="74000"/>
+                  </a:schemeClr>
+                  <a:schemeClr val="dk2">
+                    <a:hueMod val="124000"/>
+                    <a:satMod val="140000"/>
+                    <a:lumMod val="142000"/>
+                  </a:schemeClr>
+                </a:duotone>
+              </a:blip>
+              <a:stretch>
+                <a:fillRect/>
+              </a:stretch>
+            </a:blipFill>
+            <a:ln>
+              <a:noFill/>
+            </a:ln>
+          </p:spPr>
+          <p:style>
+            <a:lnRef idx="2">
+              <a:schemeClr val="accent1">
+                <a:shade val="50000"/>
+              </a:schemeClr>
+            </a:lnRef>
+            <a:fillRef idx="1">
+              <a:schemeClr val="accent1"/>
+            </a:fillRef>
+            <a:effectRef idx="0">
+              <a:schemeClr val="accent1"/>
+            </a:effectRef>
+            <a:fontRef idx="minor">
+              <a:schemeClr val="lt1"/>
+            </a:fontRef>
+          </p:style>
+        </p:sp>
+        <p:sp>
+          <p:nvSpPr>
+            <p:cNvPr id="11" name="Oval 10">
+              <a:extLst>
+                <a:ext uri="{FF2B5EF4-FFF2-40B4-BE49-F238E27FC236}">
+                  <a16:creationId xmlns:a16="http://schemas.microsoft.com/office/drawing/2014/main" id="{194E879E-1515-4211-8F1B-B68A92B2C20E}"/>
+                </a:ext>
+                <a:ext uri="{C183D7F6-B498-43B3-948B-1728B52AA6E4}">
+                  <adec:decorative xmlns:adec="http://schemas.microsoft.com/office/drawing/2017/decorative" val="1"/>
+                </a:ext>
+              </a:extLst>
+            </p:cNvPr>
+            <p:cNvSpPr/>
+            <p:nvPr>
+              <p:extLst>
+                <p:ext uri="{386F3935-93C4-4BCD-93E2-E3B085C9AB24}">
+                  <p16:designElem xmlns:p16="http://schemas.microsoft.com/office/powerpoint/2015/main" val="1"/>
+                </p:ext>
+              </p:extLst>
+            </p:nvPr>
+          </p:nvSpPr>
+          <p:spPr>
+            <a:xfrm>
+              <a:off x="0" y="2667000"/>
+              <a:ext cx="4191000" cy="4191000"/>
+            </a:xfrm>
+            <a:prstGeom prst="ellipse">
+              <a:avLst/>
+            </a:prstGeom>
+            <a:gradFill flip="none" rotWithShape="1">
+              <a:gsLst>
+                <a:gs pos="0">
+                  <a:schemeClr val="accent5">
+                    <a:alpha val="11000"/>
+                  </a:schemeClr>
+                </a:gs>
+                <a:gs pos="75000">
+                  <a:schemeClr val="accent5">
+                    <a:alpha val="0"/>
+                  </a:schemeClr>
+                </a:gs>
+                <a:gs pos="36000">
+                  <a:schemeClr val="accent5">
+                    <a:alpha val="10000"/>
+                  </a:schemeClr>
+                </a:gs>
+              </a:gsLst>
+              <a:path path="circle">
+                <a:fillToRect l="50000" t="50000" r="50000" b="50000"/>
+              </a:path>
+              <a:tileRect/>
+            </a:gradFill>
+            <a:ln>
+              <a:noFill/>
+            </a:ln>
+            <a:effectLst/>
+          </p:spPr>
+          <p:style>
+            <a:lnRef idx="1">
+              <a:schemeClr val="accent1"/>
+            </a:lnRef>
+            <a:fillRef idx="3">
+              <a:schemeClr val="accent1"/>
+            </a:fillRef>
+            <a:effectRef idx="2">
+              <a:schemeClr val="accent1"/>
+            </a:effectRef>
+            <a:fontRef idx="minor">
+              <a:schemeClr val="lt1"/>
+            </a:fontRef>
+          </p:style>
+        </p:sp>
+        <p:sp>
+          <p:nvSpPr>
+            <p:cNvPr id="12" name="Oval 11">
+              <a:extLst>
+                <a:ext uri="{FF2B5EF4-FFF2-40B4-BE49-F238E27FC236}">
+                  <a16:creationId xmlns:a16="http://schemas.microsoft.com/office/drawing/2014/main" id="{F7137E7D-1F4E-498A-97D1-0E1FE6FC6F9F}"/>
+                </a:ext>
+                <a:ext uri="{C183D7F6-B498-43B3-948B-1728B52AA6E4}">
+                  <adec:decorative xmlns:adec="http://schemas.microsoft.com/office/drawing/2017/decorative" val="1"/>
+                </a:ext>
+              </a:extLst>
+            </p:cNvPr>
+            <p:cNvSpPr/>
+            <p:nvPr>
+              <p:extLst>
+                <p:ext uri="{386F3935-93C4-4BCD-93E2-E3B085C9AB24}">
+                  <p16:designElem xmlns:p16="http://schemas.microsoft.com/office/powerpoint/2015/main" val="1"/>
+                </p:ext>
+              </p:extLst>
+            </p:nvPr>
+          </p:nvSpPr>
+          <p:spPr>
+            <a:xfrm>
+              <a:off x="0" y="2895600"/>
+              <a:ext cx="2362200" cy="2362200"/>
+            </a:xfrm>
+            <a:prstGeom prst="ellipse">
+              <a:avLst/>
+            </a:prstGeom>
+            <a:gradFill flip="none" rotWithShape="1">
+              <a:gsLst>
+                <a:gs pos="0">
+                  <a:schemeClr val="accent5">
+                    <a:alpha val="8000"/>
+                  </a:schemeClr>
+                </a:gs>
+                <a:gs pos="72000">
+                  <a:schemeClr val="accent5">
+                    <a:alpha val="0"/>
+                  </a:schemeClr>
+                </a:gs>
+                <a:gs pos="36000">
+                  <a:schemeClr val="accent5">
+                    <a:alpha val="8000"/>
+                  </a:schemeClr>
+                </a:gs>
+              </a:gsLst>
+              <a:path path="circle">
+                <a:fillToRect l="50000" t="50000" r="50000" b="50000"/>
+              </a:path>
+              <a:tileRect/>
+            </a:gradFill>
+            <a:ln>
+              <a:noFill/>
+            </a:ln>
+            <a:effectLst/>
+          </p:spPr>
+          <p:style>
+            <a:lnRef idx="1">
+              <a:schemeClr val="accent1"/>
+            </a:lnRef>
+            <a:fillRef idx="3">
+              <a:schemeClr val="accent1"/>
+            </a:fillRef>
+            <a:effectRef idx="2">
+              <a:schemeClr val="accent1"/>
+            </a:effectRef>
+            <a:fontRef idx="minor">
+              <a:schemeClr val="lt1"/>
+            </a:fontRef>
+          </p:style>
+        </p:sp>
+        <p:sp>
+          <p:nvSpPr>
+            <p:cNvPr id="13" name="Oval 12">
+              <a:extLst>
+                <a:ext uri="{FF2B5EF4-FFF2-40B4-BE49-F238E27FC236}">
+                  <a16:creationId xmlns:a16="http://schemas.microsoft.com/office/drawing/2014/main" id="{91375183-B6E5-43E0-B28F-39EC9083853F}"/>
+                </a:ext>
+                <a:ext uri="{C183D7F6-B498-43B3-948B-1728B52AA6E4}">
+                  <adec:decorative xmlns:adec="http://schemas.microsoft.com/office/drawing/2017/decorative" val="1"/>
+                </a:ext>
+              </a:extLst>
+            </p:cNvPr>
+            <p:cNvSpPr/>
+            <p:nvPr>
+              <p:extLst>
+                <p:ext uri="{386F3935-93C4-4BCD-93E2-E3B085C9AB24}">
+                  <p16:designElem xmlns:p16="http://schemas.microsoft.com/office/powerpoint/2015/main" val="1"/>
+                </p:ext>
+              </p:extLst>
+            </p:nvPr>
+          </p:nvSpPr>
+          <p:spPr>
+            <a:xfrm>
+              <a:off x="8609012" y="5867400"/>
+              <a:ext cx="990600" cy="990600"/>
+            </a:xfrm>
+            <a:prstGeom prst="ellipse">
+              <a:avLst/>
+            </a:prstGeom>
+            <a:gradFill flip="none" rotWithShape="1">
+              <a:gsLst>
+                <a:gs pos="0">
+                  <a:schemeClr val="accent5">
+                    <a:alpha val="14000"/>
+                  </a:schemeClr>
+                </a:gs>
+                <a:gs pos="66000">
+                  <a:schemeClr val="accent5">
+                    <a:alpha val="0"/>
+                  </a:schemeClr>
+                </a:gs>
+                <a:gs pos="36000">
+                  <a:schemeClr val="accent5">
+                    <a:alpha val="7000"/>
+                  </a:schemeClr>
+                </a:gs>
+              </a:gsLst>
+              <a:path path="circle">
+                <a:fillToRect l="50000" t="50000" r="50000" b="50000"/>
+              </a:path>
+              <a:tileRect/>
+            </a:gradFill>
+            <a:ln>
+              <a:noFill/>
+            </a:ln>
+            <a:effectLst/>
+          </p:spPr>
+          <p:style>
+            <a:lnRef idx="1">
+              <a:schemeClr val="accent1"/>
+            </a:lnRef>
+            <a:fillRef idx="3">
+              <a:schemeClr val="accent1"/>
+            </a:fillRef>
+            <a:effectRef idx="2">
+              <a:schemeClr val="accent1"/>
+            </a:effectRef>
+            <a:fontRef idx="minor">
+              <a:schemeClr val="lt1"/>
+            </a:fontRef>
+          </p:style>
+        </p:sp>
+        <p:sp>
+          <p:nvSpPr>
+            <p:cNvPr id="14" name="Oval 13">
+              <a:extLst>
+                <a:ext uri="{FF2B5EF4-FFF2-40B4-BE49-F238E27FC236}">
+                  <a16:creationId xmlns:a16="http://schemas.microsoft.com/office/drawing/2014/main" id="{267F36BD-A8AF-4304-A662-1007CC1748D8}"/>
+                </a:ext>
+                <a:ext uri="{C183D7F6-B498-43B3-948B-1728B52AA6E4}">
+                  <adec:decorative xmlns:adec="http://schemas.microsoft.com/office/drawing/2017/decorative" val="1"/>
+                </a:ext>
+              </a:extLst>
+            </p:cNvPr>
+            <p:cNvSpPr/>
+            <p:nvPr>
+              <p:extLst>
+                <p:ext uri="{386F3935-93C4-4BCD-93E2-E3B085C9AB24}">
+                  <p16:designElem xmlns:p16="http://schemas.microsoft.com/office/powerpoint/2015/main" val="1"/>
+                </p:ext>
+              </p:extLst>
+            </p:nvPr>
+          </p:nvSpPr>
+          <p:spPr>
+            <a:xfrm>
+              <a:off x="8609012" y="1676400"/>
+              <a:ext cx="2819400" cy="2819400"/>
+            </a:xfrm>
+            <a:prstGeom prst="ellipse">
+              <a:avLst/>
+            </a:prstGeom>
+            <a:gradFill flip="none" rotWithShape="1">
+              <a:gsLst>
+                <a:gs pos="0">
+                  <a:schemeClr val="accent5">
+                    <a:alpha val="7000"/>
+                  </a:schemeClr>
+                </a:gs>
+                <a:gs pos="69000">
+                  <a:schemeClr val="accent5">
+                    <a:alpha val="0"/>
+                  </a:schemeClr>
+                </a:gs>
+                <a:gs pos="36000">
+                  <a:schemeClr val="accent5">
+                    <a:alpha val="6000"/>
+                  </a:schemeClr>
+                </a:gs>
+              </a:gsLst>
+              <a:path path="circle">
+                <a:fillToRect l="50000" t="50000" r="50000" b="50000"/>
+              </a:path>
+              <a:tileRect/>
+            </a:gradFill>
+            <a:ln>
+              <a:noFill/>
+            </a:ln>
+            <a:effectLst/>
+          </p:spPr>
+          <p:style>
+            <a:lnRef idx="1">
+              <a:schemeClr val="accent1"/>
+            </a:lnRef>
+            <a:fillRef idx="3">
+              <a:schemeClr val="accent1"/>
+            </a:fillRef>
+            <a:effectRef idx="2">
+              <a:schemeClr val="accent1"/>
+            </a:effectRef>
+            <a:fontRef idx="minor">
+              <a:schemeClr val="lt1"/>
+            </a:fontRef>
+          </p:style>
+        </p:sp>
+        <p:sp>
+          <p:nvSpPr>
+            <p:cNvPr id="15" name="Oval 14">
+              <a:extLst>
+                <a:ext uri="{FF2B5EF4-FFF2-40B4-BE49-F238E27FC236}">
+                  <a16:creationId xmlns:a16="http://schemas.microsoft.com/office/drawing/2014/main" id="{15D9095F-2809-4A90-A032-250AC21C3529}"/>
+                </a:ext>
+                <a:ext uri="{C183D7F6-B498-43B3-948B-1728B52AA6E4}">
+                  <adec:decorative xmlns:adec="http://schemas.microsoft.com/office/drawing/2017/decorative" val="1"/>
+                </a:ext>
+              </a:extLst>
+            </p:cNvPr>
+            <p:cNvSpPr/>
+            <p:nvPr>
+              <p:extLst>
+                <p:ext uri="{386F3935-93C4-4BCD-93E2-E3B085C9AB24}">
+                  <p16:designElem xmlns:p16="http://schemas.microsoft.com/office/powerpoint/2015/main" val="1"/>
+                </p:ext>
+              </p:extLst>
+            </p:nvPr>
+          </p:nvSpPr>
+          <p:spPr>
+            <a:xfrm>
+              <a:off x="7999412" y="8464"/>
+              <a:ext cx="1600200" cy="1600200"/>
+            </a:xfrm>
+            <a:prstGeom prst="ellipse">
+              <a:avLst/>
+            </a:prstGeom>
+            <a:gradFill flip="none" rotWithShape="1">
+              <a:gsLst>
+                <a:gs pos="0">
+                  <a:schemeClr val="accent5">
+                    <a:alpha val="14000"/>
+                  </a:schemeClr>
+                </a:gs>
+                <a:gs pos="73000">
+                  <a:schemeClr val="accent5">
+                    <a:alpha val="0"/>
+                  </a:schemeClr>
+                </a:gs>
+                <a:gs pos="36000">
+                  <a:schemeClr val="accent5">
+                    <a:alpha val="7000"/>
+                  </a:schemeClr>
+                </a:gs>
+              </a:gsLst>
+              <a:path path="circle">
+                <a:fillToRect l="50000" t="50000" r="50000" b="50000"/>
+              </a:path>
+              <a:tileRect/>
+            </a:gradFill>
+            <a:ln>
+              <a:noFill/>
+            </a:ln>
+            <a:effectLst/>
+          </p:spPr>
+          <p:style>
+            <a:lnRef idx="1">
+              <a:schemeClr val="accent1"/>
+            </a:lnRef>
+            <a:fillRef idx="3">
+              <a:schemeClr val="accent1"/>
+            </a:fillRef>
+            <a:effectRef idx="2">
+              <a:schemeClr val="accent1"/>
+            </a:effectRef>
+            <a:fontRef idx="minor">
+              <a:schemeClr val="lt1"/>
+            </a:fontRef>
+          </p:style>
+        </p:sp>
+        <p:sp>
+          <p:nvSpPr>
+            <p:cNvPr id="16" name="Freeform 5">
+              <a:extLst>
+                <a:ext uri="{FF2B5EF4-FFF2-40B4-BE49-F238E27FC236}">
+                  <a16:creationId xmlns:a16="http://schemas.microsoft.com/office/drawing/2014/main" id="{9027D7BF-C282-4477-A406-245C3F26521E}"/>
+                </a:ext>
+                <a:ext uri="{C183D7F6-B498-43B3-948B-1728B52AA6E4}">
+                  <adec:decorative xmlns:adec="http://schemas.microsoft.com/office/drawing/2017/decorative" val="1"/>
+                </a:ext>
+              </a:extLst>
+            </p:cNvPr>
+            <p:cNvSpPr/>
+            <p:nvPr>
+              <p:extLst>
+                <p:ext uri="{386F3935-93C4-4BCD-93E2-E3B085C9AB24}">
+                  <p16:designElem xmlns:p16="http://schemas.microsoft.com/office/powerpoint/2015/main" val="1"/>
+                </p:ext>
+              </p:extLst>
+            </p:nvPr>
+          </p:nvSpPr>
+          <p:spPr bwMode="gray">
+            <a:xfrm rot="21010068">
+              <a:off x="8490951" y="1797517"/>
+              <a:ext cx="3299407" cy="440924"/>
+            </a:xfrm>
+            <a:custGeom>
+              <a:avLst/>
+              <a:gdLst/>
+              <a:ahLst/>
+              <a:cxnLst/>
+              <a:rect l="l" t="t" r="r" b="b"/>
+              <a:pathLst>
+                <a:path w="10000" h="5291">
+                  <a:moveTo>
+                    <a:pt x="85" y="2532"/>
+                  </a:moveTo>
+                  <a:cubicBezTo>
+                    <a:pt x="1736" y="3911"/>
+                    <a:pt x="7524" y="5298"/>
+                    <a:pt x="9958" y="5291"/>
+                  </a:cubicBezTo>
+                  <a:cubicBezTo>
+                    <a:pt x="9989" y="1958"/>
+                    <a:pt x="9969" y="3333"/>
+                    <a:pt x="10000" y="0"/>
+                  </a:cubicBezTo>
+                  <a:lnTo>
+                    <a:pt x="10000" y="0"/>
+                  </a:lnTo>
+                  <a:lnTo>
+                    <a:pt x="9667" y="204"/>
+                  </a:lnTo>
+                  <a:lnTo>
+                    <a:pt x="9334" y="400"/>
+                  </a:lnTo>
+                  <a:lnTo>
+                    <a:pt x="9001" y="590"/>
+                  </a:lnTo>
+                  <a:lnTo>
+                    <a:pt x="8667" y="753"/>
+                  </a:lnTo>
+                  <a:lnTo>
+                    <a:pt x="8333" y="917"/>
+                  </a:lnTo>
+                  <a:lnTo>
+                    <a:pt x="7999" y="1071"/>
+                  </a:lnTo>
+                  <a:lnTo>
+                    <a:pt x="7669" y="1202"/>
+                  </a:lnTo>
+                  <a:lnTo>
+                    <a:pt x="7333" y="1325"/>
+                  </a:lnTo>
+                  <a:lnTo>
+                    <a:pt x="7000" y="1440"/>
+                  </a:lnTo>
+                  <a:lnTo>
+                    <a:pt x="6673" y="1538"/>
+                  </a:lnTo>
+                  <a:lnTo>
+                    <a:pt x="6340" y="1636"/>
+                  </a:lnTo>
+                  <a:lnTo>
+                    <a:pt x="6013" y="1719"/>
+                  </a:lnTo>
+                  <a:lnTo>
+                    <a:pt x="5686" y="1784"/>
+                  </a:lnTo>
+                  <a:lnTo>
+                    <a:pt x="5359" y="1850"/>
+                  </a:lnTo>
+                  <a:lnTo>
+                    <a:pt x="5036" y="1906"/>
+                  </a:lnTo>
+                  <a:lnTo>
+                    <a:pt x="4717" y="1948"/>
+                  </a:lnTo>
+                  <a:lnTo>
+                    <a:pt x="4396" y="1980"/>
+                  </a:lnTo>
+                  <a:lnTo>
+                    <a:pt x="4079" y="2013"/>
+                  </a:lnTo>
+                  <a:lnTo>
+                    <a:pt x="3766" y="2029"/>
+                  </a:lnTo>
+                  <a:lnTo>
+                    <a:pt x="3454" y="2046"/>
+                  </a:lnTo>
+                  <a:lnTo>
+                    <a:pt x="3145" y="2053"/>
+                  </a:lnTo>
+                  <a:lnTo>
+                    <a:pt x="2839" y="2046"/>
+                  </a:lnTo>
+                  <a:lnTo>
+                    <a:pt x="2537" y="2046"/>
+                  </a:lnTo>
+                  <a:lnTo>
+                    <a:pt x="2238" y="2029"/>
+                  </a:lnTo>
+                  <a:lnTo>
+                    <a:pt x="1943" y="2004"/>
+                  </a:lnTo>
+                  <a:lnTo>
+                    <a:pt x="1653" y="1980"/>
+                  </a:lnTo>
+                  <a:lnTo>
+                    <a:pt x="1368" y="1955"/>
+                  </a:lnTo>
+                  <a:lnTo>
+                    <a:pt x="1085" y="1915"/>
+                  </a:lnTo>
+                  <a:lnTo>
+                    <a:pt x="806" y="1873"/>
+                  </a:lnTo>
+                  <a:lnTo>
+                    <a:pt x="533" y="1833"/>
+                  </a:lnTo>
+                  <a:lnTo>
+                    <a:pt x="0" y="1726"/>
+                  </a:lnTo>
+                  <a:cubicBezTo>
+                    <a:pt x="28" y="1995"/>
+                    <a:pt x="57" y="2263"/>
+                    <a:pt x="85" y="2532"/>
+                  </a:cubicBezTo>
+                  <a:close/>
+                </a:path>
+              </a:pathLst>
+            </a:custGeom>
+            <a:solidFill>
+              <a:schemeClr val="bg1">
+                <a:alpha val="20000"/>
+              </a:schemeClr>
+            </a:solidFill>
+            <a:ln>
+              <a:noFill/>
+            </a:ln>
+          </p:spPr>
+        </p:sp>
+        <p:sp>
+          <p:nvSpPr>
+            <p:cNvPr id="17" name="Freeform 5">
+              <a:extLst>
+                <a:ext uri="{FF2B5EF4-FFF2-40B4-BE49-F238E27FC236}">
+                  <a16:creationId xmlns:a16="http://schemas.microsoft.com/office/drawing/2014/main" id="{AC3C43D8-426E-472E-A8E8-C41BF7A876B9}"/>
+                </a:ext>
+                <a:ext uri="{C183D7F6-B498-43B3-948B-1728B52AA6E4}">
+                  <adec:decorative xmlns:adec="http://schemas.microsoft.com/office/drawing/2017/decorative" val="1"/>
+                </a:ext>
+              </a:extLst>
+            </p:cNvPr>
+            <p:cNvSpPr/>
+            <p:nvPr>
+              <p:extLst>
+                <p:ext uri="{386F3935-93C4-4BCD-93E2-E3B085C9AB24}">
+                  <p16:designElem xmlns:p16="http://schemas.microsoft.com/office/powerpoint/2015/main" val="1"/>
+                </p:ext>
+              </p:extLst>
+            </p:nvPr>
+          </p:nvSpPr>
+          <p:spPr bwMode="gray">
+            <a:xfrm>
+              <a:off x="459506" y="1866405"/>
+              <a:ext cx="11277600" cy="4533900"/>
+            </a:xfrm>
+            <a:custGeom>
+              <a:avLst/>
+              <a:gdLst/>
+              <a:ahLst/>
+              <a:cxnLst/>
+              <a:rect l="0" t="0" r="r" b="b"/>
+              <a:pathLst>
+                <a:path w="7104" h="2856">
+                  <a:moveTo>
+                    <a:pt x="0" y="0"/>
+                  </a:moveTo>
+                  <a:lnTo>
+                    <a:pt x="0" y="2856"/>
+                  </a:lnTo>
+                  <a:lnTo>
+                    <a:pt x="7104" y="2856"/>
+                  </a:lnTo>
+                  <a:lnTo>
+                    <a:pt x="7104" y="1"/>
+                  </a:lnTo>
+                  <a:lnTo>
+                    <a:pt x="7104" y="1"/>
+                  </a:lnTo>
+                  <a:lnTo>
+                    <a:pt x="6943" y="26"/>
+                  </a:lnTo>
+                  <a:lnTo>
+                    <a:pt x="6782" y="50"/>
+                  </a:lnTo>
+                  <a:lnTo>
+                    <a:pt x="6621" y="73"/>
+                  </a:lnTo>
+                  <a:lnTo>
+                    <a:pt x="6459" y="93"/>
+                  </a:lnTo>
+                  <a:lnTo>
+                    <a:pt x="6298" y="113"/>
+                  </a:lnTo>
+                  <a:lnTo>
+                    <a:pt x="6136" y="132"/>
+                  </a:lnTo>
+                  <a:lnTo>
+                    <a:pt x="5976" y="148"/>
+                  </a:lnTo>
+                  <a:lnTo>
+                    <a:pt x="5814" y="163"/>
+                  </a:lnTo>
+                  <a:lnTo>
+                    <a:pt x="5653" y="177"/>
+                  </a:lnTo>
+                  <a:lnTo>
+                    <a:pt x="5494" y="189"/>
+                  </a:lnTo>
+                  <a:lnTo>
+                    <a:pt x="5334" y="201"/>
+                  </a:lnTo>
+                  <a:lnTo>
+                    <a:pt x="5175" y="211"/>
+                  </a:lnTo>
+                  <a:lnTo>
+                    <a:pt x="5017" y="219"/>
+                  </a:lnTo>
+                  <a:lnTo>
+                    <a:pt x="4859" y="227"/>
+                  </a:lnTo>
+                  <a:lnTo>
+                    <a:pt x="4703" y="234"/>
+                  </a:lnTo>
+                  <a:lnTo>
+                    <a:pt x="4548" y="239"/>
+                  </a:lnTo>
+                  <a:lnTo>
+                    <a:pt x="4393" y="243"/>
+                  </a:lnTo>
+                  <a:lnTo>
+                    <a:pt x="4240" y="247"/>
+                  </a:lnTo>
+                  <a:lnTo>
+                    <a:pt x="4088" y="249"/>
+                  </a:lnTo>
+                  <a:lnTo>
+                    <a:pt x="3937" y="251"/>
+                  </a:lnTo>
+                  <a:lnTo>
+                    <a:pt x="3788" y="252"/>
+                  </a:lnTo>
+                  <a:lnTo>
+                    <a:pt x="3640" y="251"/>
+                  </a:lnTo>
+                  <a:lnTo>
+                    <a:pt x="3494" y="251"/>
+                  </a:lnTo>
+                  <a:lnTo>
+                    <a:pt x="3349" y="249"/>
+                  </a:lnTo>
+                  <a:lnTo>
+                    <a:pt x="3207" y="246"/>
+                  </a:lnTo>
+                  <a:lnTo>
+                    <a:pt x="3066" y="243"/>
+                  </a:lnTo>
+                  <a:lnTo>
+                    <a:pt x="2928" y="240"/>
+                  </a:lnTo>
+                  <a:lnTo>
+                    <a:pt x="2791" y="235"/>
+                  </a:lnTo>
+                  <a:lnTo>
+                    <a:pt x="2656" y="230"/>
+                  </a:lnTo>
+                  <a:lnTo>
+                    <a:pt x="2524" y="225"/>
+                  </a:lnTo>
+                  <a:lnTo>
+                    <a:pt x="2266" y="212"/>
+                  </a:lnTo>
+                  <a:lnTo>
+                    <a:pt x="2019" y="198"/>
+                  </a:lnTo>
+                  <a:lnTo>
+                    <a:pt x="1782" y="183"/>
+                  </a:lnTo>
+                  <a:lnTo>
+                    <a:pt x="1557" y="167"/>
+                  </a:lnTo>
+                  <a:lnTo>
+                    <a:pt x="1343" y="150"/>
+                  </a:lnTo>
+                  <a:lnTo>
+                    <a:pt x="1144" y="132"/>
+                  </a:lnTo>
+                  <a:lnTo>
+                    <a:pt x="957" y="114"/>
+                  </a:lnTo>
+                  <a:lnTo>
+                    <a:pt x="785" y="96"/>
+                  </a:lnTo>
+                  <a:lnTo>
+                    <a:pt x="627" y="79"/>
+                  </a:lnTo>
+                  <a:lnTo>
+                    <a:pt x="487" y="63"/>
+                  </a:lnTo>
+                  <a:lnTo>
+                    <a:pt x="361" y="48"/>
+                  </a:lnTo>
+                  <a:lnTo>
+                    <a:pt x="254" y="35"/>
+                  </a:lnTo>
+                  <a:lnTo>
+                    <a:pt x="165" y="23"/>
+                  </a:lnTo>
+                  <a:lnTo>
+                    <a:pt x="42" y="6"/>
+                  </a:lnTo>
+                  <a:lnTo>
+                    <a:pt x="0" y="0"/>
+                  </a:lnTo>
+                  <a:lnTo>
+                    <a:pt x="0" y="0"/>
+                  </a:lnTo>
+                  <a:close/>
+                </a:path>
+              </a:pathLst>
+            </a:custGeom>
+            <a:solidFill>
+              <a:schemeClr val="bg1"/>
+            </a:solidFill>
+            <a:ln>
+              <a:noFill/>
+            </a:ln>
+          </p:spPr>
+        </p:sp>
+        <p:sp>
+          <p:nvSpPr>
+            <p:cNvPr id="18" name="Freeform 5">
+              <a:extLst>
+                <a:ext uri="{FF2B5EF4-FFF2-40B4-BE49-F238E27FC236}">
+                  <a16:creationId xmlns:a16="http://schemas.microsoft.com/office/drawing/2014/main" id="{52DCAE0E-B8DE-4C42-A48F-FA0C8345AC93}"/>
+                </a:ext>
+                <a:ext uri="{C183D7F6-B498-43B3-948B-1728B52AA6E4}">
+                  <adec:decorative xmlns:adec="http://schemas.microsoft.com/office/drawing/2017/decorative" val="1"/>
+                </a:ext>
+              </a:extLst>
+            </p:cNvPr>
+            <p:cNvSpPr>
+              <a:spLocks noEditPoints="1"/>
+            </p:cNvSpPr>
+            <p:nvPr>
+              <p:extLst>
+                <p:ext uri="{386F3935-93C4-4BCD-93E2-E3B085C9AB24}">
+                  <p16:designElem xmlns:p16="http://schemas.microsoft.com/office/powerpoint/2015/main" val="1"/>
+                </p:ext>
+              </p:extLst>
+            </p:nvPr>
+          </p:nvSpPr>
+          <p:spPr bwMode="gray">
+            <a:xfrm>
+              <a:off x="0" y="1587"/>
+              <a:ext cx="12192000" cy="6856413"/>
+            </a:xfrm>
+            <a:custGeom>
+              <a:avLst/>
+              <a:gdLst/>
+              <a:ahLst/>
+              <a:cxnLst/>
+              <a:rect l="0" t="0" r="r" b="b"/>
+              <a:pathLst>
+                <a:path w="15356" h="8638">
+                  <a:moveTo>
+                    <a:pt x="0" y="0"/>
+                  </a:moveTo>
+                  <a:lnTo>
+                    <a:pt x="0" y="8638"/>
+                  </a:lnTo>
+                  <a:lnTo>
+                    <a:pt x="15356" y="8638"/>
+                  </a:lnTo>
+                  <a:lnTo>
+                    <a:pt x="15356" y="0"/>
+                  </a:lnTo>
+                  <a:lnTo>
+                    <a:pt x="0" y="0"/>
+                  </a:lnTo>
+                  <a:close/>
+                  <a:moveTo>
+                    <a:pt x="14748" y="8038"/>
+                  </a:moveTo>
+                  <a:lnTo>
+                    <a:pt x="600" y="8038"/>
+                  </a:lnTo>
+                  <a:lnTo>
+                    <a:pt x="600" y="592"/>
+                  </a:lnTo>
+                  <a:lnTo>
+                    <a:pt x="14748" y="592"/>
+                  </a:lnTo>
+                  <a:lnTo>
+                    <a:pt x="14748" y="8038"/>
+                  </a:lnTo>
+                  <a:close/>
+                </a:path>
+              </a:pathLst>
+            </a:custGeom>
+            <a:solidFill>
+              <a:schemeClr val="bg1"/>
+            </a:solidFill>
+            <a:ln>
+              <a:noFill/>
+            </a:ln>
+          </p:spPr>
+        </p:sp>
+      </p:grpSp>
+      <p:sp>
+        <p:nvSpPr>
+          <p:cNvPr id="20" name="Rectangle 19">
+            <a:extLst>
+              <a:ext uri="{FF2B5EF4-FFF2-40B4-BE49-F238E27FC236}">
+                <a16:creationId xmlns:a16="http://schemas.microsoft.com/office/drawing/2014/main" id="{59647F54-801D-44AB-8284-EDDFF7763139}"/>
+              </a:ext>
+              <a:ext uri="{C183D7F6-B498-43B3-948B-1728B52AA6E4}">
+                <adec:decorative xmlns:adec="http://schemas.microsoft.com/office/drawing/2017/decorative" val="1"/>
+              </a:ext>
+            </a:extLst>
+          </p:cNvPr>
+          <p:cNvSpPr>
+            <a:spLocks noGrp="1" noRot="1" noChangeAspect="1" noMove="1" noResize="1" noEditPoints="1" noAdjustHandles="1" noChangeArrowheads="1" noChangeShapeType="1" noTextEdit="1"/>
+          </p:cNvSpPr>
+          <p:nvPr>
+            <p:extLst>
+              <p:ext uri="{386F3935-93C4-4BCD-93E2-E3B085C9AB24}">
+                <p16:designElem xmlns:p16="http://schemas.microsoft.com/office/powerpoint/2015/main" val="1"/>
+              </p:ext>
+            </p:extLst>
+          </p:nvPr>
+        </p:nvSpPr>
+        <p:spPr>
+          <a:xfrm>
+            <a:off x="10437812" y="0"/>
+            <a:ext cx="685800" cy="1143000"/>
+          </a:xfrm>
+          <a:prstGeom prst="rect">
+            <a:avLst/>
+          </a:prstGeom>
+          <a:solidFill>
+            <a:schemeClr val="accent1"/>
+          </a:solidFill>
+          <a:ln>
+            <a:noFill/>
+          </a:ln>
+        </p:spPr>
+        <p:style>
+          <a:lnRef idx="1">
+            <a:schemeClr val="accent1"/>
+          </a:lnRef>
+          <a:fillRef idx="3">
+            <a:schemeClr val="accent1"/>
+          </a:fillRef>
+          <a:effectRef idx="2">
+            <a:schemeClr val="accent1"/>
+          </a:effectRef>
+          <a:fontRef idx="minor">
+            <a:schemeClr val="lt1"/>
+          </a:fontRef>
+        </p:style>
+      </p:sp>
+      <p:sp>
+        <p:nvSpPr>
+          <p:cNvPr id="2" name="כותרת 1">
+            <a:extLst>
+              <a:ext uri="{FF2B5EF4-FFF2-40B4-BE49-F238E27FC236}">
+                <a16:creationId xmlns:a16="http://schemas.microsoft.com/office/drawing/2014/main" id="{5EF63109-57FF-4909-8FC9-A7AD1F49FC56}"/>
+              </a:ext>
+            </a:extLst>
+          </p:cNvPr>
+          <p:cNvSpPr>
+            <a:spLocks noGrp="1"/>
+          </p:cNvSpPr>
+          <p:nvPr>
+            <p:ph type="title"/>
+          </p:nvPr>
+        </p:nvSpPr>
+        <p:spPr>
+          <a:xfrm>
+            <a:off x="1154954" y="973668"/>
+            <a:ext cx="8761413" cy="706964"/>
+          </a:xfrm>
+        </p:spPr>
+        <p:txBody>
+          <a:bodyPr vert="horz" lIns="91440" tIns="45720" rIns="91440" bIns="45720" rtlCol="0" anchor="ctr">
+            <a:normAutofit/>
+          </a:bodyPr>
+          <a:lstStyle/>
+          <a:p>
+            <a:pPr rtl="0"/>
+            <a:r>
+              <a:rPr lang="en-US" dirty="0"/>
+              <a:t>Main things we did and challenges</a:t>
+            </a:r>
+            <a:endParaRPr lang="en-US"/>
+          </a:p>
+        </p:txBody>
+      </p:sp>
+      <p:sp>
+        <p:nvSpPr>
+          <p:cNvPr id="4" name="מציין מיקום תוכן 3">
+            <a:extLst>
+              <a:ext uri="{FF2B5EF4-FFF2-40B4-BE49-F238E27FC236}">
+                <a16:creationId xmlns:a16="http://schemas.microsoft.com/office/drawing/2014/main" id="{D1512E5A-B809-4F4B-A4ED-D899E7C8424A}"/>
+              </a:ext>
+            </a:extLst>
+          </p:cNvPr>
+          <p:cNvSpPr>
+            <a:spLocks noGrp="1"/>
+          </p:cNvSpPr>
+          <p:nvPr>
+            <p:ph sz="half" idx="2"/>
+          </p:nvPr>
+        </p:nvSpPr>
+        <p:spPr>
+          <a:xfrm>
+            <a:off x="240252" y="2368550"/>
+            <a:ext cx="4243896" cy="3416300"/>
+          </a:xfrm>
+        </p:spPr>
+        <p:txBody>
+          <a:bodyPr vert="horz" lIns="91440" tIns="45720" rIns="91440" bIns="45720" rtlCol="0" anchor="ctr">
+            <a:normAutofit/>
+          </a:bodyPr>
+          <a:lstStyle/>
+          <a:p>
+            <a:pPr algn="l" rtl="0"/>
+            <a:r>
+              <a:rPr lang="en-US" sz="1600" dirty="0"/>
+              <a:t>Classification of reviews (supervised model)</a:t>
+            </a:r>
+          </a:p>
+          <a:p>
+            <a:pPr lvl="1" algn="l" rtl="0"/>
+            <a:r>
+              <a:rPr lang="en-US" dirty="0"/>
+              <a:t>Using NN and GRU – a third run</a:t>
+            </a:r>
+          </a:p>
+          <a:p>
+            <a:pPr lvl="1" algn="l" rtl="0"/>
+            <a:r>
+              <a:rPr lang="en-US" dirty="0"/>
+              <a:t>Got better results than LSTM , but on predict got worser results</a:t>
+            </a:r>
+          </a:p>
+          <a:p>
+            <a:pPr lvl="1" algn="l" rtl="0"/>
+            <a:endParaRPr lang="en-US" dirty="0"/>
+          </a:p>
+          <a:p>
+            <a:pPr lvl="1" algn="l" rtl="0"/>
+            <a:endParaRPr lang="en-US" dirty="0"/>
+          </a:p>
+        </p:txBody>
+      </p:sp>
+      <p:pic>
+        <p:nvPicPr>
+          <p:cNvPr id="3" name="תמונה 2" descr="תמונה שמכילה טקסט&#10;&#10;התיאור נוצר באופן אוטומטי">
+            <a:extLst>
+              <a:ext uri="{FF2B5EF4-FFF2-40B4-BE49-F238E27FC236}">
+                <a16:creationId xmlns:a16="http://schemas.microsoft.com/office/drawing/2014/main" id="{9CA07EFD-62AB-42F4-9E6B-479A2C62FD18}"/>
+              </a:ext>
+            </a:extLst>
+          </p:cNvPr>
+          <p:cNvPicPr>
+            <a:picLocks noChangeAspect="1"/>
+          </p:cNvPicPr>
+          <p:nvPr/>
+        </p:nvPicPr>
+        <p:blipFill rotWithShape="1">
+          <a:blip r:embed="rId3"/>
+          <a:srcRect l="27415" r="16863"/>
+          <a:stretch/>
+        </p:blipFill>
+        <p:spPr>
+          <a:xfrm>
+            <a:off x="5435754" y="2435696"/>
+            <a:ext cx="5307110" cy="2643009"/>
+          </a:xfrm>
+          <a:prstGeom prst="roundRect">
+            <a:avLst>
+              <a:gd name="adj" fmla="val 1858"/>
+            </a:avLst>
+          </a:prstGeom>
+          <a:effectLst>
+            <a:outerShdw blurRad="50800" dist="50800" dir="5400000" algn="tl" rotWithShape="0">
+              <a:srgbClr val="000000">
+                <a:alpha val="43000"/>
+              </a:srgbClr>
+            </a:outerShdw>
+          </a:effectLst>
+        </p:spPr>
+      </p:pic>
+      <p:pic>
+        <p:nvPicPr>
+          <p:cNvPr id="5" name="תמונה 4">
+            <a:extLst>
+              <a:ext uri="{FF2B5EF4-FFF2-40B4-BE49-F238E27FC236}">
+                <a16:creationId xmlns:a16="http://schemas.microsoft.com/office/drawing/2014/main" id="{67D517CA-013B-4E7B-846D-4EEE8F8767E7}"/>
+              </a:ext>
+            </a:extLst>
+          </p:cNvPr>
+          <p:cNvPicPr>
+            <a:picLocks noChangeAspect="1"/>
+          </p:cNvPicPr>
+          <p:nvPr/>
+        </p:nvPicPr>
+        <p:blipFill>
+          <a:blip r:embed="rId4"/>
+          <a:stretch>
+            <a:fillRect/>
+          </a:stretch>
+        </p:blipFill>
+        <p:spPr>
+          <a:xfrm>
+            <a:off x="392837" y="5076810"/>
+            <a:ext cx="9314731" cy="904214"/>
+          </a:xfrm>
+          <a:prstGeom prst="rect">
+            <a:avLst/>
+          </a:prstGeom>
+        </p:spPr>
+      </p:pic>
+      <p:pic>
+        <p:nvPicPr>
+          <p:cNvPr id="6" name="תמונה 5">
+            <a:extLst>
+              <a:ext uri="{FF2B5EF4-FFF2-40B4-BE49-F238E27FC236}">
+                <a16:creationId xmlns:a16="http://schemas.microsoft.com/office/drawing/2014/main" id="{F102B0D2-76C3-4FDC-BC1A-D6655E99AC0D}"/>
+              </a:ext>
+            </a:extLst>
+          </p:cNvPr>
+          <p:cNvPicPr>
+            <a:picLocks noChangeAspect="1"/>
+          </p:cNvPicPr>
+          <p:nvPr/>
+        </p:nvPicPr>
+        <p:blipFill>
+          <a:blip r:embed="rId5"/>
+          <a:stretch>
+            <a:fillRect/>
+          </a:stretch>
+        </p:blipFill>
+        <p:spPr>
+          <a:xfrm>
+            <a:off x="418000" y="5895788"/>
+            <a:ext cx="9916367" cy="929659"/>
+          </a:xfrm>
+          <a:prstGeom prst="rect">
+            <a:avLst/>
+          </a:prstGeom>
+        </p:spPr>
+      </p:pic>
+    </p:spTree>
+    <p:extLst>
+      <p:ext uri="{BB962C8B-B14F-4D97-AF65-F5344CB8AC3E}">
+        <p14:creationId xmlns:p14="http://schemas.microsoft.com/office/powerpoint/2010/main" val="132607447"/>
+      </p:ext>
+    </p:extLst>
+  </p:cSld>
+  <p:clrMapOvr>
+    <a:masterClrMapping/>
+  </p:clrMapOvr>
+</p:sld>
+</file>
+
+<file path=ppt/slides/slide18.xml><?xml version="1.0" encoding="utf-8"?>
+<p:sld xmlns:a="http://schemas.openxmlformats.org/drawingml/2006/main" xmlns:r="http://schemas.openxmlformats.org/officeDocument/2006/relationships" xmlns:p="http://schemas.openxmlformats.org/presentationml/2006/main">
+  <p:cSld>
+    <p:bg>
+      <p:bgPr>
+        <a:solidFill>
+          <a:schemeClr val="bg1"/>
+        </a:solidFill>
+        <a:effectLst/>
+      </p:bgPr>
+    </p:bg>
+    <p:spTree>
+      <p:nvGrpSpPr>
+        <p:cNvPr id="1" name=""/>
+        <p:cNvGrpSpPr/>
+        <p:nvPr/>
+      </p:nvGrpSpPr>
+      <p:grpSpPr>
+        <a:xfrm>
+          <a:off x="0" y="0"/>
+          <a:ext cx="0" cy="0"/>
+          <a:chOff x="0" y="0"/>
+          <a:chExt cx="0" cy="0"/>
+        </a:xfrm>
+      </p:grpSpPr>
+      <p:grpSp>
+        <p:nvGrpSpPr>
+          <p:cNvPr id="9" name="Group 8">
+            <a:extLst>
+              <a:ext uri="{FF2B5EF4-FFF2-40B4-BE49-F238E27FC236}">
+                <a16:creationId xmlns:a16="http://schemas.microsoft.com/office/drawing/2014/main" id="{FAEF28A3-012D-4640-B8B8-1EF6EAF7233B}"/>
+              </a:ext>
+              <a:ext uri="{C183D7F6-B498-43B3-948B-1728B52AA6E4}">
+                <adec:decorative xmlns:adec="http://schemas.microsoft.com/office/drawing/2017/decorative" val="1"/>
+              </a:ext>
+            </a:extLst>
+          </p:cNvPr>
+          <p:cNvGrpSpPr>
+            <a:grpSpLocks noGrp="1" noUngrp="1" noRot="1" noChangeAspect="1" noMove="1" noResize="1"/>
+          </p:cNvGrpSpPr>
+          <p:nvPr>
+            <p:extLst>
+              <p:ext uri="{386F3935-93C4-4BCD-93E2-E3B085C9AB24}">
+                <p16:designElem xmlns:p16="http://schemas.microsoft.com/office/powerpoint/2015/main" val="1"/>
+              </p:ext>
+            </p:extLst>
+          </p:nvPr>
+        </p:nvGrpSpPr>
+        <p:grpSpPr>
+          <a:xfrm>
+            <a:off x="0" y="0"/>
+            <a:ext cx="12192000" cy="6858000"/>
+            <a:chOff x="0" y="0"/>
+            <a:chExt cx="12192000" cy="6858000"/>
+          </a:xfrm>
+        </p:grpSpPr>
+        <p:sp>
+          <p:nvSpPr>
+            <p:cNvPr id="10" name="Rectangle 9">
+              <a:extLst>
+                <a:ext uri="{FF2B5EF4-FFF2-40B4-BE49-F238E27FC236}">
+                  <a16:creationId xmlns:a16="http://schemas.microsoft.com/office/drawing/2014/main" id="{F3B2F1C2-14D3-4A53-B329-323795BCFD5A}"/>
+                </a:ext>
+                <a:ext uri="{C183D7F6-B498-43B3-948B-1728B52AA6E4}">
+                  <adec:decorative xmlns:adec="http://schemas.microsoft.com/office/drawing/2017/decorative" val="1"/>
+                </a:ext>
+              </a:extLst>
+            </p:cNvPr>
+            <p:cNvSpPr/>
+            <p:nvPr>
+              <p:extLst>
+                <p:ext uri="{386F3935-93C4-4BCD-93E2-E3B085C9AB24}">
+                  <p16:designElem xmlns:p16="http://schemas.microsoft.com/office/powerpoint/2015/main" val="1"/>
+                </p:ext>
+              </p:extLst>
+            </p:nvPr>
+          </p:nvSpPr>
+          <p:spPr>
+            <a:xfrm>
+              <a:off x="0" y="0"/>
+              <a:ext cx="12192000" cy="6858000"/>
+            </a:xfrm>
+            <a:prstGeom prst="rect">
+              <a:avLst/>
+            </a:prstGeom>
+            <a:blipFill>
+              <a:blip r:embed="rId2">
+                <a:duotone>
+                  <a:schemeClr val="dk2">
+                    <a:shade val="69000"/>
+                    <a:hueMod val="91000"/>
+                    <a:satMod val="164000"/>
+                    <a:lumMod val="74000"/>
+                  </a:schemeClr>
+                  <a:schemeClr val="dk2">
+                    <a:hueMod val="124000"/>
+                    <a:satMod val="140000"/>
+                    <a:lumMod val="142000"/>
+                  </a:schemeClr>
+                </a:duotone>
+              </a:blip>
+              <a:stretch>
+                <a:fillRect/>
+              </a:stretch>
+            </a:blipFill>
+            <a:ln>
+              <a:noFill/>
+            </a:ln>
+          </p:spPr>
+          <p:style>
+            <a:lnRef idx="2">
+              <a:schemeClr val="accent1">
+                <a:shade val="50000"/>
+              </a:schemeClr>
+            </a:lnRef>
+            <a:fillRef idx="1">
+              <a:schemeClr val="accent1"/>
+            </a:fillRef>
+            <a:effectRef idx="0">
+              <a:schemeClr val="accent1"/>
+            </a:effectRef>
+            <a:fontRef idx="minor">
+              <a:schemeClr val="lt1"/>
+            </a:fontRef>
+          </p:style>
+        </p:sp>
+        <p:sp>
+          <p:nvSpPr>
+            <p:cNvPr id="11" name="Oval 10">
+              <a:extLst>
+                <a:ext uri="{FF2B5EF4-FFF2-40B4-BE49-F238E27FC236}">
+                  <a16:creationId xmlns:a16="http://schemas.microsoft.com/office/drawing/2014/main" id="{194E879E-1515-4211-8F1B-B68A92B2C20E}"/>
+                </a:ext>
+                <a:ext uri="{C183D7F6-B498-43B3-948B-1728B52AA6E4}">
+                  <adec:decorative xmlns:adec="http://schemas.microsoft.com/office/drawing/2017/decorative" val="1"/>
+                </a:ext>
+              </a:extLst>
+            </p:cNvPr>
+            <p:cNvSpPr/>
+            <p:nvPr>
+              <p:extLst>
+                <p:ext uri="{386F3935-93C4-4BCD-93E2-E3B085C9AB24}">
+                  <p16:designElem xmlns:p16="http://schemas.microsoft.com/office/powerpoint/2015/main" val="1"/>
+                </p:ext>
+              </p:extLst>
+            </p:nvPr>
+          </p:nvSpPr>
+          <p:spPr>
+            <a:xfrm>
+              <a:off x="0" y="2667000"/>
+              <a:ext cx="4191000" cy="4191000"/>
+            </a:xfrm>
+            <a:prstGeom prst="ellipse">
+              <a:avLst/>
+            </a:prstGeom>
+            <a:gradFill flip="none" rotWithShape="1">
+              <a:gsLst>
+                <a:gs pos="0">
+                  <a:schemeClr val="accent5">
+                    <a:alpha val="11000"/>
+                  </a:schemeClr>
+                </a:gs>
+                <a:gs pos="75000">
+                  <a:schemeClr val="accent5">
+                    <a:alpha val="0"/>
+                  </a:schemeClr>
+                </a:gs>
+                <a:gs pos="36000">
+                  <a:schemeClr val="accent5">
+                    <a:alpha val="10000"/>
+                  </a:schemeClr>
+                </a:gs>
+              </a:gsLst>
+              <a:path path="circle">
+                <a:fillToRect l="50000" t="50000" r="50000" b="50000"/>
+              </a:path>
+              <a:tileRect/>
+            </a:gradFill>
+            <a:ln>
+              <a:noFill/>
+            </a:ln>
+            <a:effectLst/>
+          </p:spPr>
+          <p:style>
+            <a:lnRef idx="1">
+              <a:schemeClr val="accent1"/>
+            </a:lnRef>
+            <a:fillRef idx="3">
+              <a:schemeClr val="accent1"/>
+            </a:fillRef>
+            <a:effectRef idx="2">
+              <a:schemeClr val="accent1"/>
+            </a:effectRef>
+            <a:fontRef idx="minor">
+              <a:schemeClr val="lt1"/>
+            </a:fontRef>
+          </p:style>
+        </p:sp>
+        <p:sp>
+          <p:nvSpPr>
+            <p:cNvPr id="12" name="Oval 11">
+              <a:extLst>
+                <a:ext uri="{FF2B5EF4-FFF2-40B4-BE49-F238E27FC236}">
+                  <a16:creationId xmlns:a16="http://schemas.microsoft.com/office/drawing/2014/main" id="{F7137E7D-1F4E-498A-97D1-0E1FE6FC6F9F}"/>
+                </a:ext>
+                <a:ext uri="{C183D7F6-B498-43B3-948B-1728B52AA6E4}">
+                  <adec:decorative xmlns:adec="http://schemas.microsoft.com/office/drawing/2017/decorative" val="1"/>
+                </a:ext>
+              </a:extLst>
+            </p:cNvPr>
+            <p:cNvSpPr/>
+            <p:nvPr>
+              <p:extLst>
+                <p:ext uri="{386F3935-93C4-4BCD-93E2-E3B085C9AB24}">
+                  <p16:designElem xmlns:p16="http://schemas.microsoft.com/office/powerpoint/2015/main" val="1"/>
+                </p:ext>
+              </p:extLst>
+            </p:nvPr>
+          </p:nvSpPr>
+          <p:spPr>
+            <a:xfrm>
+              <a:off x="0" y="2895600"/>
+              <a:ext cx="2362200" cy="2362200"/>
+            </a:xfrm>
+            <a:prstGeom prst="ellipse">
+              <a:avLst/>
+            </a:prstGeom>
+            <a:gradFill flip="none" rotWithShape="1">
+              <a:gsLst>
+                <a:gs pos="0">
+                  <a:schemeClr val="accent5">
+                    <a:alpha val="8000"/>
+                  </a:schemeClr>
+                </a:gs>
+                <a:gs pos="72000">
+                  <a:schemeClr val="accent5">
+                    <a:alpha val="0"/>
+                  </a:schemeClr>
+                </a:gs>
+                <a:gs pos="36000">
+                  <a:schemeClr val="accent5">
+                    <a:alpha val="8000"/>
+                  </a:schemeClr>
+                </a:gs>
+              </a:gsLst>
+              <a:path path="circle">
+                <a:fillToRect l="50000" t="50000" r="50000" b="50000"/>
+              </a:path>
+              <a:tileRect/>
+            </a:gradFill>
+            <a:ln>
+              <a:noFill/>
+            </a:ln>
+            <a:effectLst/>
+          </p:spPr>
+          <p:style>
+            <a:lnRef idx="1">
+              <a:schemeClr val="accent1"/>
+            </a:lnRef>
+            <a:fillRef idx="3">
+              <a:schemeClr val="accent1"/>
+            </a:fillRef>
+            <a:effectRef idx="2">
+              <a:schemeClr val="accent1"/>
+            </a:effectRef>
+            <a:fontRef idx="minor">
+              <a:schemeClr val="lt1"/>
+            </a:fontRef>
+          </p:style>
+        </p:sp>
+        <p:sp>
+          <p:nvSpPr>
+            <p:cNvPr id="13" name="Oval 12">
+              <a:extLst>
+                <a:ext uri="{FF2B5EF4-FFF2-40B4-BE49-F238E27FC236}">
+                  <a16:creationId xmlns:a16="http://schemas.microsoft.com/office/drawing/2014/main" id="{91375183-B6E5-43E0-B28F-39EC9083853F}"/>
+                </a:ext>
+                <a:ext uri="{C183D7F6-B498-43B3-948B-1728B52AA6E4}">
+                  <adec:decorative xmlns:adec="http://schemas.microsoft.com/office/drawing/2017/decorative" val="1"/>
+                </a:ext>
+              </a:extLst>
+            </p:cNvPr>
+            <p:cNvSpPr/>
+            <p:nvPr>
+              <p:extLst>
+                <p:ext uri="{386F3935-93C4-4BCD-93E2-E3B085C9AB24}">
+                  <p16:designElem xmlns:p16="http://schemas.microsoft.com/office/powerpoint/2015/main" val="1"/>
+                </p:ext>
+              </p:extLst>
+            </p:nvPr>
+          </p:nvSpPr>
+          <p:spPr>
+            <a:xfrm>
+              <a:off x="8609012" y="5867400"/>
+              <a:ext cx="990600" cy="990600"/>
+            </a:xfrm>
+            <a:prstGeom prst="ellipse">
+              <a:avLst/>
+            </a:prstGeom>
+            <a:gradFill flip="none" rotWithShape="1">
+              <a:gsLst>
+                <a:gs pos="0">
+                  <a:schemeClr val="accent5">
+                    <a:alpha val="14000"/>
+                  </a:schemeClr>
+                </a:gs>
+                <a:gs pos="66000">
+                  <a:schemeClr val="accent5">
+                    <a:alpha val="0"/>
+                  </a:schemeClr>
+                </a:gs>
+                <a:gs pos="36000">
+                  <a:schemeClr val="accent5">
+                    <a:alpha val="7000"/>
+                  </a:schemeClr>
+                </a:gs>
+              </a:gsLst>
+              <a:path path="circle">
+                <a:fillToRect l="50000" t="50000" r="50000" b="50000"/>
+              </a:path>
+              <a:tileRect/>
+            </a:gradFill>
+            <a:ln>
+              <a:noFill/>
+            </a:ln>
+            <a:effectLst/>
+          </p:spPr>
+          <p:style>
+            <a:lnRef idx="1">
+              <a:schemeClr val="accent1"/>
+            </a:lnRef>
+            <a:fillRef idx="3">
+              <a:schemeClr val="accent1"/>
+            </a:fillRef>
+            <a:effectRef idx="2">
+              <a:schemeClr val="accent1"/>
+            </a:effectRef>
+            <a:fontRef idx="minor">
+              <a:schemeClr val="lt1"/>
+            </a:fontRef>
+          </p:style>
+        </p:sp>
+        <p:sp>
+          <p:nvSpPr>
+            <p:cNvPr id="14" name="Oval 13">
+              <a:extLst>
+                <a:ext uri="{FF2B5EF4-FFF2-40B4-BE49-F238E27FC236}">
+                  <a16:creationId xmlns:a16="http://schemas.microsoft.com/office/drawing/2014/main" id="{267F36BD-A8AF-4304-A662-1007CC1748D8}"/>
+                </a:ext>
+                <a:ext uri="{C183D7F6-B498-43B3-948B-1728B52AA6E4}">
+                  <adec:decorative xmlns:adec="http://schemas.microsoft.com/office/drawing/2017/decorative" val="1"/>
+                </a:ext>
+              </a:extLst>
+            </p:cNvPr>
+            <p:cNvSpPr/>
+            <p:nvPr>
+              <p:extLst>
+                <p:ext uri="{386F3935-93C4-4BCD-93E2-E3B085C9AB24}">
+                  <p16:designElem xmlns:p16="http://schemas.microsoft.com/office/powerpoint/2015/main" val="1"/>
+                </p:ext>
+              </p:extLst>
+            </p:nvPr>
+          </p:nvSpPr>
+          <p:spPr>
+            <a:xfrm>
+              <a:off x="8609012" y="1676400"/>
+              <a:ext cx="2819400" cy="2819400"/>
+            </a:xfrm>
+            <a:prstGeom prst="ellipse">
+              <a:avLst/>
+            </a:prstGeom>
+            <a:gradFill flip="none" rotWithShape="1">
+              <a:gsLst>
+                <a:gs pos="0">
+                  <a:schemeClr val="accent5">
+                    <a:alpha val="7000"/>
+                  </a:schemeClr>
+                </a:gs>
+                <a:gs pos="69000">
+                  <a:schemeClr val="accent5">
+                    <a:alpha val="0"/>
+                  </a:schemeClr>
+                </a:gs>
+                <a:gs pos="36000">
+                  <a:schemeClr val="accent5">
+                    <a:alpha val="6000"/>
+                  </a:schemeClr>
+                </a:gs>
+              </a:gsLst>
+              <a:path path="circle">
+                <a:fillToRect l="50000" t="50000" r="50000" b="50000"/>
+              </a:path>
+              <a:tileRect/>
+            </a:gradFill>
+            <a:ln>
+              <a:noFill/>
+            </a:ln>
+            <a:effectLst/>
+          </p:spPr>
+          <p:style>
+            <a:lnRef idx="1">
+              <a:schemeClr val="accent1"/>
+            </a:lnRef>
+            <a:fillRef idx="3">
+              <a:schemeClr val="accent1"/>
+            </a:fillRef>
+            <a:effectRef idx="2">
+              <a:schemeClr val="accent1"/>
+            </a:effectRef>
+            <a:fontRef idx="minor">
+              <a:schemeClr val="lt1"/>
+            </a:fontRef>
+          </p:style>
+        </p:sp>
+        <p:sp>
+          <p:nvSpPr>
+            <p:cNvPr id="15" name="Oval 14">
+              <a:extLst>
+                <a:ext uri="{FF2B5EF4-FFF2-40B4-BE49-F238E27FC236}">
+                  <a16:creationId xmlns:a16="http://schemas.microsoft.com/office/drawing/2014/main" id="{15D9095F-2809-4A90-A032-250AC21C3529}"/>
+                </a:ext>
+                <a:ext uri="{C183D7F6-B498-43B3-948B-1728B52AA6E4}">
+                  <adec:decorative xmlns:adec="http://schemas.microsoft.com/office/drawing/2017/decorative" val="1"/>
+                </a:ext>
+              </a:extLst>
+            </p:cNvPr>
+            <p:cNvSpPr/>
+            <p:nvPr>
+              <p:extLst>
+                <p:ext uri="{386F3935-93C4-4BCD-93E2-E3B085C9AB24}">
+                  <p16:designElem xmlns:p16="http://schemas.microsoft.com/office/powerpoint/2015/main" val="1"/>
+                </p:ext>
+              </p:extLst>
+            </p:nvPr>
+          </p:nvSpPr>
+          <p:spPr>
+            <a:xfrm>
+              <a:off x="7999412" y="8464"/>
+              <a:ext cx="1600200" cy="1600200"/>
+            </a:xfrm>
+            <a:prstGeom prst="ellipse">
+              <a:avLst/>
+            </a:prstGeom>
+            <a:gradFill flip="none" rotWithShape="1">
+              <a:gsLst>
+                <a:gs pos="0">
+                  <a:schemeClr val="accent5">
+                    <a:alpha val="14000"/>
+                  </a:schemeClr>
+                </a:gs>
+                <a:gs pos="73000">
+                  <a:schemeClr val="accent5">
+                    <a:alpha val="0"/>
+                  </a:schemeClr>
+                </a:gs>
+                <a:gs pos="36000">
+                  <a:schemeClr val="accent5">
+                    <a:alpha val="7000"/>
+                  </a:schemeClr>
+                </a:gs>
+              </a:gsLst>
+              <a:path path="circle">
+                <a:fillToRect l="50000" t="50000" r="50000" b="50000"/>
+              </a:path>
+              <a:tileRect/>
+            </a:gradFill>
+            <a:ln>
+              <a:noFill/>
+            </a:ln>
+            <a:effectLst/>
+          </p:spPr>
+          <p:style>
+            <a:lnRef idx="1">
+              <a:schemeClr val="accent1"/>
+            </a:lnRef>
+            <a:fillRef idx="3">
+              <a:schemeClr val="accent1"/>
+            </a:fillRef>
+            <a:effectRef idx="2">
+              <a:schemeClr val="accent1"/>
+            </a:effectRef>
+            <a:fontRef idx="minor">
+              <a:schemeClr val="lt1"/>
+            </a:fontRef>
+          </p:style>
+        </p:sp>
+        <p:sp>
+          <p:nvSpPr>
+            <p:cNvPr id="16" name="Freeform 5">
+              <a:extLst>
+                <a:ext uri="{FF2B5EF4-FFF2-40B4-BE49-F238E27FC236}">
+                  <a16:creationId xmlns:a16="http://schemas.microsoft.com/office/drawing/2014/main" id="{9027D7BF-C282-4477-A406-245C3F26521E}"/>
+                </a:ext>
+                <a:ext uri="{C183D7F6-B498-43B3-948B-1728B52AA6E4}">
+                  <adec:decorative xmlns:adec="http://schemas.microsoft.com/office/drawing/2017/decorative" val="1"/>
+                </a:ext>
+              </a:extLst>
+            </p:cNvPr>
+            <p:cNvSpPr/>
+            <p:nvPr>
+              <p:extLst>
+                <p:ext uri="{386F3935-93C4-4BCD-93E2-E3B085C9AB24}">
+                  <p16:designElem xmlns:p16="http://schemas.microsoft.com/office/powerpoint/2015/main" val="1"/>
+                </p:ext>
+              </p:extLst>
+            </p:nvPr>
+          </p:nvSpPr>
+          <p:spPr bwMode="gray">
+            <a:xfrm rot="21010068">
+              <a:off x="8490951" y="1797517"/>
+              <a:ext cx="3299407" cy="440924"/>
+            </a:xfrm>
+            <a:custGeom>
+              <a:avLst/>
+              <a:gdLst/>
+              <a:ahLst/>
+              <a:cxnLst/>
+              <a:rect l="l" t="t" r="r" b="b"/>
+              <a:pathLst>
+                <a:path w="10000" h="5291">
+                  <a:moveTo>
+                    <a:pt x="85" y="2532"/>
+                  </a:moveTo>
+                  <a:cubicBezTo>
+                    <a:pt x="1736" y="3911"/>
+                    <a:pt x="7524" y="5298"/>
+                    <a:pt x="9958" y="5291"/>
+                  </a:cubicBezTo>
+                  <a:cubicBezTo>
+                    <a:pt x="9989" y="1958"/>
+                    <a:pt x="9969" y="3333"/>
+                    <a:pt x="10000" y="0"/>
+                  </a:cubicBezTo>
+                  <a:lnTo>
+                    <a:pt x="10000" y="0"/>
+                  </a:lnTo>
+                  <a:lnTo>
+                    <a:pt x="9667" y="204"/>
+                  </a:lnTo>
+                  <a:lnTo>
+                    <a:pt x="9334" y="400"/>
+                  </a:lnTo>
+                  <a:lnTo>
+                    <a:pt x="9001" y="590"/>
+                  </a:lnTo>
+                  <a:lnTo>
+                    <a:pt x="8667" y="753"/>
+                  </a:lnTo>
+                  <a:lnTo>
+                    <a:pt x="8333" y="917"/>
+                  </a:lnTo>
+                  <a:lnTo>
+                    <a:pt x="7999" y="1071"/>
+                  </a:lnTo>
+                  <a:lnTo>
+                    <a:pt x="7669" y="1202"/>
+                  </a:lnTo>
+                  <a:lnTo>
+                    <a:pt x="7333" y="1325"/>
+                  </a:lnTo>
+                  <a:lnTo>
+                    <a:pt x="7000" y="1440"/>
+                  </a:lnTo>
+                  <a:lnTo>
+                    <a:pt x="6673" y="1538"/>
+                  </a:lnTo>
+                  <a:lnTo>
+                    <a:pt x="6340" y="1636"/>
+                  </a:lnTo>
+                  <a:lnTo>
+                    <a:pt x="6013" y="1719"/>
+                  </a:lnTo>
+                  <a:lnTo>
+                    <a:pt x="5686" y="1784"/>
+                  </a:lnTo>
+                  <a:lnTo>
+                    <a:pt x="5359" y="1850"/>
+                  </a:lnTo>
+                  <a:lnTo>
+                    <a:pt x="5036" y="1906"/>
+                  </a:lnTo>
+                  <a:lnTo>
+                    <a:pt x="4717" y="1948"/>
+                  </a:lnTo>
+                  <a:lnTo>
+                    <a:pt x="4396" y="1980"/>
+                  </a:lnTo>
+                  <a:lnTo>
+                    <a:pt x="4079" y="2013"/>
+                  </a:lnTo>
+                  <a:lnTo>
+                    <a:pt x="3766" y="2029"/>
+                  </a:lnTo>
+                  <a:lnTo>
+                    <a:pt x="3454" y="2046"/>
+                  </a:lnTo>
+                  <a:lnTo>
+                    <a:pt x="3145" y="2053"/>
+                  </a:lnTo>
+                  <a:lnTo>
+                    <a:pt x="2839" y="2046"/>
+                  </a:lnTo>
+                  <a:lnTo>
+                    <a:pt x="2537" y="2046"/>
+                  </a:lnTo>
+                  <a:lnTo>
+                    <a:pt x="2238" y="2029"/>
+                  </a:lnTo>
+                  <a:lnTo>
+                    <a:pt x="1943" y="2004"/>
+                  </a:lnTo>
+                  <a:lnTo>
+                    <a:pt x="1653" y="1980"/>
+                  </a:lnTo>
+                  <a:lnTo>
+                    <a:pt x="1368" y="1955"/>
+                  </a:lnTo>
+                  <a:lnTo>
+                    <a:pt x="1085" y="1915"/>
+                  </a:lnTo>
+                  <a:lnTo>
+                    <a:pt x="806" y="1873"/>
+                  </a:lnTo>
+                  <a:lnTo>
+                    <a:pt x="533" y="1833"/>
+                  </a:lnTo>
+                  <a:lnTo>
+                    <a:pt x="0" y="1726"/>
+                  </a:lnTo>
+                  <a:cubicBezTo>
+                    <a:pt x="28" y="1995"/>
+                    <a:pt x="57" y="2263"/>
+                    <a:pt x="85" y="2532"/>
+                  </a:cubicBezTo>
+                  <a:close/>
+                </a:path>
+              </a:pathLst>
+            </a:custGeom>
+            <a:solidFill>
+              <a:schemeClr val="bg1">
+                <a:alpha val="20000"/>
+              </a:schemeClr>
+            </a:solidFill>
+            <a:ln>
+              <a:noFill/>
+            </a:ln>
+          </p:spPr>
+        </p:sp>
+        <p:sp>
+          <p:nvSpPr>
+            <p:cNvPr id="17" name="Freeform 5">
+              <a:extLst>
+                <a:ext uri="{FF2B5EF4-FFF2-40B4-BE49-F238E27FC236}">
+                  <a16:creationId xmlns:a16="http://schemas.microsoft.com/office/drawing/2014/main" id="{AC3C43D8-426E-472E-A8E8-C41BF7A876B9}"/>
+                </a:ext>
+                <a:ext uri="{C183D7F6-B498-43B3-948B-1728B52AA6E4}">
+                  <adec:decorative xmlns:adec="http://schemas.microsoft.com/office/drawing/2017/decorative" val="1"/>
+                </a:ext>
+              </a:extLst>
+            </p:cNvPr>
+            <p:cNvSpPr/>
+            <p:nvPr>
+              <p:extLst>
+                <p:ext uri="{386F3935-93C4-4BCD-93E2-E3B085C9AB24}">
+                  <p16:designElem xmlns:p16="http://schemas.microsoft.com/office/powerpoint/2015/main" val="1"/>
+                </p:ext>
+              </p:extLst>
+            </p:nvPr>
+          </p:nvSpPr>
+          <p:spPr bwMode="gray">
+            <a:xfrm>
+              <a:off x="459506" y="1866405"/>
+              <a:ext cx="11277600" cy="4533900"/>
+            </a:xfrm>
+            <a:custGeom>
+              <a:avLst/>
+              <a:gdLst/>
+              <a:ahLst/>
+              <a:cxnLst/>
+              <a:rect l="0" t="0" r="r" b="b"/>
+              <a:pathLst>
+                <a:path w="7104" h="2856">
+                  <a:moveTo>
+                    <a:pt x="0" y="0"/>
+                  </a:moveTo>
+                  <a:lnTo>
+                    <a:pt x="0" y="2856"/>
+                  </a:lnTo>
+                  <a:lnTo>
+                    <a:pt x="7104" y="2856"/>
+                  </a:lnTo>
+                  <a:lnTo>
+                    <a:pt x="7104" y="1"/>
+                  </a:lnTo>
+                  <a:lnTo>
+                    <a:pt x="7104" y="1"/>
+                  </a:lnTo>
+                  <a:lnTo>
+                    <a:pt x="6943" y="26"/>
+                  </a:lnTo>
+                  <a:lnTo>
+                    <a:pt x="6782" y="50"/>
+                  </a:lnTo>
+                  <a:lnTo>
+                    <a:pt x="6621" y="73"/>
+                  </a:lnTo>
+                  <a:lnTo>
+                    <a:pt x="6459" y="93"/>
+                  </a:lnTo>
+                  <a:lnTo>
+                    <a:pt x="6298" y="113"/>
+                  </a:lnTo>
+                  <a:lnTo>
+                    <a:pt x="6136" y="132"/>
+                  </a:lnTo>
+                  <a:lnTo>
+                    <a:pt x="5976" y="148"/>
+                  </a:lnTo>
+                  <a:lnTo>
+                    <a:pt x="5814" y="163"/>
+                  </a:lnTo>
+                  <a:lnTo>
+                    <a:pt x="5653" y="177"/>
+                  </a:lnTo>
+                  <a:lnTo>
+                    <a:pt x="5494" y="189"/>
+                  </a:lnTo>
+                  <a:lnTo>
+                    <a:pt x="5334" y="201"/>
+                  </a:lnTo>
+                  <a:lnTo>
+                    <a:pt x="5175" y="211"/>
+                  </a:lnTo>
+                  <a:lnTo>
+                    <a:pt x="5017" y="219"/>
+                  </a:lnTo>
+                  <a:lnTo>
+                    <a:pt x="4859" y="227"/>
+                  </a:lnTo>
+                  <a:lnTo>
+                    <a:pt x="4703" y="234"/>
+                  </a:lnTo>
+                  <a:lnTo>
+                    <a:pt x="4548" y="239"/>
+                  </a:lnTo>
+                  <a:lnTo>
+                    <a:pt x="4393" y="243"/>
+                  </a:lnTo>
+                  <a:lnTo>
+                    <a:pt x="4240" y="247"/>
+                  </a:lnTo>
+                  <a:lnTo>
+                    <a:pt x="4088" y="249"/>
+                  </a:lnTo>
+                  <a:lnTo>
+                    <a:pt x="3937" y="251"/>
+                  </a:lnTo>
+                  <a:lnTo>
+                    <a:pt x="3788" y="252"/>
+                  </a:lnTo>
+                  <a:lnTo>
+                    <a:pt x="3640" y="251"/>
+                  </a:lnTo>
+                  <a:lnTo>
+                    <a:pt x="3494" y="251"/>
+                  </a:lnTo>
+                  <a:lnTo>
+                    <a:pt x="3349" y="249"/>
+                  </a:lnTo>
+                  <a:lnTo>
+                    <a:pt x="3207" y="246"/>
+                  </a:lnTo>
+                  <a:lnTo>
+                    <a:pt x="3066" y="243"/>
+                  </a:lnTo>
+                  <a:lnTo>
+                    <a:pt x="2928" y="240"/>
+                  </a:lnTo>
+                  <a:lnTo>
+                    <a:pt x="2791" y="235"/>
+                  </a:lnTo>
+                  <a:lnTo>
+                    <a:pt x="2656" y="230"/>
+                  </a:lnTo>
+                  <a:lnTo>
+                    <a:pt x="2524" y="225"/>
+                  </a:lnTo>
+                  <a:lnTo>
+                    <a:pt x="2266" y="212"/>
+                  </a:lnTo>
+                  <a:lnTo>
+                    <a:pt x="2019" y="198"/>
+                  </a:lnTo>
+                  <a:lnTo>
+                    <a:pt x="1782" y="183"/>
+                  </a:lnTo>
+                  <a:lnTo>
+                    <a:pt x="1557" y="167"/>
+                  </a:lnTo>
+                  <a:lnTo>
+                    <a:pt x="1343" y="150"/>
+                  </a:lnTo>
+                  <a:lnTo>
+                    <a:pt x="1144" y="132"/>
+                  </a:lnTo>
+                  <a:lnTo>
+                    <a:pt x="957" y="114"/>
+                  </a:lnTo>
+                  <a:lnTo>
+                    <a:pt x="785" y="96"/>
+                  </a:lnTo>
+                  <a:lnTo>
+                    <a:pt x="627" y="79"/>
+                  </a:lnTo>
+                  <a:lnTo>
+                    <a:pt x="487" y="63"/>
+                  </a:lnTo>
+                  <a:lnTo>
+                    <a:pt x="361" y="48"/>
+                  </a:lnTo>
+                  <a:lnTo>
+                    <a:pt x="254" y="35"/>
+                  </a:lnTo>
+                  <a:lnTo>
+                    <a:pt x="165" y="23"/>
+                  </a:lnTo>
+                  <a:lnTo>
+                    <a:pt x="42" y="6"/>
+                  </a:lnTo>
+                  <a:lnTo>
+                    <a:pt x="0" y="0"/>
+                  </a:lnTo>
+                  <a:lnTo>
+                    <a:pt x="0" y="0"/>
+                  </a:lnTo>
+                  <a:close/>
+                </a:path>
+              </a:pathLst>
+            </a:custGeom>
+            <a:solidFill>
+              <a:schemeClr val="bg1"/>
+            </a:solidFill>
+            <a:ln>
+              <a:noFill/>
+            </a:ln>
+          </p:spPr>
+        </p:sp>
+        <p:sp>
+          <p:nvSpPr>
+            <p:cNvPr id="18" name="Freeform 5">
+              <a:extLst>
+                <a:ext uri="{FF2B5EF4-FFF2-40B4-BE49-F238E27FC236}">
+                  <a16:creationId xmlns:a16="http://schemas.microsoft.com/office/drawing/2014/main" id="{52DCAE0E-B8DE-4C42-A48F-FA0C8345AC93}"/>
+                </a:ext>
+                <a:ext uri="{C183D7F6-B498-43B3-948B-1728B52AA6E4}">
+                  <adec:decorative xmlns:adec="http://schemas.microsoft.com/office/drawing/2017/decorative" val="1"/>
+                </a:ext>
+              </a:extLst>
+            </p:cNvPr>
+            <p:cNvSpPr>
+              <a:spLocks noEditPoints="1"/>
+            </p:cNvSpPr>
+            <p:nvPr>
+              <p:extLst>
+                <p:ext uri="{386F3935-93C4-4BCD-93E2-E3B085C9AB24}">
+                  <p16:designElem xmlns:p16="http://schemas.microsoft.com/office/powerpoint/2015/main" val="1"/>
+                </p:ext>
+              </p:extLst>
+            </p:nvPr>
+          </p:nvSpPr>
+          <p:spPr bwMode="gray">
+            <a:xfrm>
+              <a:off x="0" y="1587"/>
+              <a:ext cx="12192000" cy="6856413"/>
+            </a:xfrm>
+            <a:custGeom>
+              <a:avLst/>
+              <a:gdLst/>
+              <a:ahLst/>
+              <a:cxnLst/>
+              <a:rect l="0" t="0" r="r" b="b"/>
+              <a:pathLst>
+                <a:path w="15356" h="8638">
+                  <a:moveTo>
+                    <a:pt x="0" y="0"/>
+                  </a:moveTo>
+                  <a:lnTo>
+                    <a:pt x="0" y="8638"/>
+                  </a:lnTo>
+                  <a:lnTo>
+                    <a:pt x="15356" y="8638"/>
+                  </a:lnTo>
+                  <a:lnTo>
+                    <a:pt x="15356" y="0"/>
+                  </a:lnTo>
+                  <a:lnTo>
+                    <a:pt x="0" y="0"/>
+                  </a:lnTo>
+                  <a:close/>
+                  <a:moveTo>
+                    <a:pt x="14748" y="8038"/>
+                  </a:moveTo>
+                  <a:lnTo>
+                    <a:pt x="600" y="8038"/>
+                  </a:lnTo>
+                  <a:lnTo>
+                    <a:pt x="600" y="592"/>
+                  </a:lnTo>
+                  <a:lnTo>
+                    <a:pt x="14748" y="592"/>
+                  </a:lnTo>
+                  <a:lnTo>
+                    <a:pt x="14748" y="8038"/>
+                  </a:lnTo>
+                  <a:close/>
+                </a:path>
+              </a:pathLst>
+            </a:custGeom>
+            <a:solidFill>
+              <a:schemeClr val="bg1"/>
+            </a:solidFill>
+            <a:ln>
+              <a:noFill/>
+            </a:ln>
+          </p:spPr>
+        </p:sp>
+      </p:grpSp>
+      <p:sp>
+        <p:nvSpPr>
+          <p:cNvPr id="20" name="Rectangle 19">
+            <a:extLst>
+              <a:ext uri="{FF2B5EF4-FFF2-40B4-BE49-F238E27FC236}">
+                <a16:creationId xmlns:a16="http://schemas.microsoft.com/office/drawing/2014/main" id="{59647F54-801D-44AB-8284-EDDFF7763139}"/>
+              </a:ext>
+              <a:ext uri="{C183D7F6-B498-43B3-948B-1728B52AA6E4}">
+                <adec:decorative xmlns:adec="http://schemas.microsoft.com/office/drawing/2017/decorative" val="1"/>
+              </a:ext>
+            </a:extLst>
+          </p:cNvPr>
+          <p:cNvSpPr>
+            <a:spLocks noGrp="1" noRot="1" noChangeAspect="1" noMove="1" noResize="1" noEditPoints="1" noAdjustHandles="1" noChangeArrowheads="1" noChangeShapeType="1" noTextEdit="1"/>
+          </p:cNvSpPr>
+          <p:nvPr>
+            <p:extLst>
+              <p:ext uri="{386F3935-93C4-4BCD-93E2-E3B085C9AB24}">
+                <p16:designElem xmlns:p16="http://schemas.microsoft.com/office/powerpoint/2015/main" val="1"/>
+              </p:ext>
+            </p:extLst>
+          </p:nvPr>
+        </p:nvSpPr>
+        <p:spPr>
+          <a:xfrm>
+            <a:off x="10437812" y="0"/>
+            <a:ext cx="685800" cy="1143000"/>
+          </a:xfrm>
+          <a:prstGeom prst="rect">
+            <a:avLst/>
+          </a:prstGeom>
+          <a:solidFill>
+            <a:schemeClr val="accent1"/>
+          </a:solidFill>
+          <a:ln>
+            <a:noFill/>
+          </a:ln>
+        </p:spPr>
+        <p:style>
+          <a:lnRef idx="1">
+            <a:schemeClr val="accent1"/>
+          </a:lnRef>
+          <a:fillRef idx="3">
+            <a:schemeClr val="accent1"/>
+          </a:fillRef>
+          <a:effectRef idx="2">
+            <a:schemeClr val="accent1"/>
+          </a:effectRef>
+          <a:fontRef idx="minor">
+            <a:schemeClr val="lt1"/>
+          </a:fontRef>
+        </p:style>
+      </p:sp>
+      <p:sp>
+        <p:nvSpPr>
+          <p:cNvPr id="2" name="כותרת 1">
+            <a:extLst>
+              <a:ext uri="{FF2B5EF4-FFF2-40B4-BE49-F238E27FC236}">
+                <a16:creationId xmlns:a16="http://schemas.microsoft.com/office/drawing/2014/main" id="{5EF63109-57FF-4909-8FC9-A7AD1F49FC56}"/>
+              </a:ext>
+            </a:extLst>
+          </p:cNvPr>
+          <p:cNvSpPr>
+            <a:spLocks noGrp="1"/>
+          </p:cNvSpPr>
+          <p:nvPr>
+            <p:ph type="title"/>
+          </p:nvPr>
+        </p:nvSpPr>
+        <p:spPr>
+          <a:xfrm>
+            <a:off x="1154954" y="973668"/>
+            <a:ext cx="8761413" cy="706964"/>
+          </a:xfrm>
+        </p:spPr>
+        <p:txBody>
+          <a:bodyPr vert="horz" lIns="91440" tIns="45720" rIns="91440" bIns="45720" rtlCol="0" anchor="ctr">
+            <a:normAutofit/>
+          </a:bodyPr>
+          <a:lstStyle/>
+          <a:p>
+            <a:pPr rtl="0"/>
+            <a:r>
+              <a:rPr lang="en-US" dirty="0"/>
+              <a:t>Main things we did and challenges</a:t>
+            </a:r>
+            <a:endParaRPr lang="en-US"/>
+          </a:p>
+        </p:txBody>
+      </p:sp>
+      <p:sp>
+        <p:nvSpPr>
+          <p:cNvPr id="4" name="מציין מיקום תוכן 3">
+            <a:extLst>
+              <a:ext uri="{FF2B5EF4-FFF2-40B4-BE49-F238E27FC236}">
+                <a16:creationId xmlns:a16="http://schemas.microsoft.com/office/drawing/2014/main" id="{D1512E5A-B809-4F4B-A4ED-D899E7C8424A}"/>
+              </a:ext>
+            </a:extLst>
+          </p:cNvPr>
+          <p:cNvSpPr>
+            <a:spLocks noGrp="1"/>
+          </p:cNvSpPr>
+          <p:nvPr>
+            <p:ph sz="half" idx="2"/>
+          </p:nvPr>
+        </p:nvSpPr>
+        <p:spPr>
+          <a:xfrm>
+            <a:off x="240252" y="2368550"/>
+            <a:ext cx="4243896" cy="3416300"/>
+          </a:xfrm>
+        </p:spPr>
+        <p:txBody>
+          <a:bodyPr vert="horz" lIns="91440" tIns="45720" rIns="91440" bIns="45720" rtlCol="0" anchor="ctr">
+            <a:normAutofit/>
+          </a:bodyPr>
+          <a:lstStyle/>
+          <a:p>
+            <a:pPr algn="l" rtl="0"/>
+            <a:r>
+              <a:rPr lang="en-US" sz="1600" dirty="0"/>
+              <a:t>Classification of reviews (supervised model)</a:t>
+            </a:r>
+          </a:p>
+          <a:p>
+            <a:pPr lvl="1" algn="l" rtl="0"/>
+            <a:r>
+              <a:rPr lang="en-US" dirty="0"/>
+              <a:t>Using NN and GRU – Now running with 20 epochs and got the best results ever</a:t>
+            </a:r>
+          </a:p>
+          <a:p>
+            <a:pPr lvl="1" algn="l" rtl="0"/>
+            <a:endParaRPr lang="en-US" dirty="0"/>
+          </a:p>
+          <a:p>
+            <a:pPr lvl="1" algn="l" rtl="0"/>
+            <a:endParaRPr lang="en-US" dirty="0"/>
+          </a:p>
+        </p:txBody>
+      </p:sp>
+      <p:pic>
+        <p:nvPicPr>
+          <p:cNvPr id="7" name="תמונה 6">
+            <a:extLst>
+              <a:ext uri="{FF2B5EF4-FFF2-40B4-BE49-F238E27FC236}">
+                <a16:creationId xmlns:a16="http://schemas.microsoft.com/office/drawing/2014/main" id="{9035231D-D359-4A8F-9589-605E5BE25751}"/>
+              </a:ext>
+            </a:extLst>
+          </p:cNvPr>
+          <p:cNvPicPr>
+            <a:picLocks noChangeAspect="1"/>
+          </p:cNvPicPr>
+          <p:nvPr/>
+        </p:nvPicPr>
+        <p:blipFill>
+          <a:blip r:embed="rId3"/>
+          <a:stretch>
+            <a:fillRect/>
+          </a:stretch>
+        </p:blipFill>
+        <p:spPr>
+          <a:xfrm>
+            <a:off x="4359785" y="3053826"/>
+            <a:ext cx="7865549" cy="1302882"/>
+          </a:xfrm>
+          <a:prstGeom prst="rect">
+            <a:avLst/>
+          </a:prstGeom>
+        </p:spPr>
+      </p:pic>
+      <p:pic>
+        <p:nvPicPr>
+          <p:cNvPr id="8" name="תמונה 7">
+            <a:extLst>
+              <a:ext uri="{FF2B5EF4-FFF2-40B4-BE49-F238E27FC236}">
+                <a16:creationId xmlns:a16="http://schemas.microsoft.com/office/drawing/2014/main" id="{596CA20E-D829-43F8-82B5-BDEBB03030A0}"/>
+              </a:ext>
+            </a:extLst>
+          </p:cNvPr>
+          <p:cNvPicPr>
+            <a:picLocks noChangeAspect="1"/>
+          </p:cNvPicPr>
+          <p:nvPr/>
+        </p:nvPicPr>
+        <p:blipFill>
+          <a:blip r:embed="rId4"/>
+          <a:stretch>
+            <a:fillRect/>
+          </a:stretch>
+        </p:blipFill>
+        <p:spPr>
+          <a:xfrm>
+            <a:off x="724284" y="4479748"/>
+            <a:ext cx="9040699" cy="945646"/>
+          </a:xfrm>
+          <a:prstGeom prst="rect">
+            <a:avLst/>
+          </a:prstGeom>
+        </p:spPr>
+      </p:pic>
+      <p:pic>
+        <p:nvPicPr>
+          <p:cNvPr id="19" name="תמונה 18">
+            <a:extLst>
+              <a:ext uri="{FF2B5EF4-FFF2-40B4-BE49-F238E27FC236}">
+                <a16:creationId xmlns:a16="http://schemas.microsoft.com/office/drawing/2014/main" id="{15792B37-1B88-4FC3-81F1-053488EAB896}"/>
+              </a:ext>
+            </a:extLst>
+          </p:cNvPr>
+          <p:cNvPicPr>
+            <a:picLocks noChangeAspect="1"/>
+          </p:cNvPicPr>
+          <p:nvPr/>
+        </p:nvPicPr>
+        <p:blipFill>
+          <a:blip r:embed="rId5"/>
+          <a:stretch>
+            <a:fillRect/>
+          </a:stretch>
+        </p:blipFill>
+        <p:spPr>
+          <a:xfrm>
+            <a:off x="622570" y="5579349"/>
+            <a:ext cx="10048672" cy="865872"/>
+          </a:xfrm>
+          <a:prstGeom prst="rect">
+            <a:avLst/>
+          </a:prstGeom>
+        </p:spPr>
+      </p:pic>
+    </p:spTree>
+    <p:extLst>
+      <p:ext uri="{BB962C8B-B14F-4D97-AF65-F5344CB8AC3E}">
+        <p14:creationId xmlns:p14="http://schemas.microsoft.com/office/powerpoint/2010/main" val="650338589"/>
+      </p:ext>
+    </p:extLst>
+  </p:cSld>
+  <p:clrMapOvr>
+    <a:masterClrMapping/>
+  </p:clrMapOvr>
+</p:sld>
+</file>
+
+<file path=ppt/slides/slide19.xml><?xml version="1.0" encoding="utf-8"?>
+<p:sld xmlns:a="http://schemas.openxmlformats.org/drawingml/2006/main" xmlns:r="http://schemas.openxmlformats.org/officeDocument/2006/relationships" xmlns:p="http://schemas.openxmlformats.org/presentationml/2006/main">
+  <p:cSld>
     <p:spTree>
       <p:nvGrpSpPr>
         <p:cNvPr id="1" name=""/>
@@ -16234,167 +18597,6 @@
     <p:extLst>
       <p:ext uri="{BB962C8B-B14F-4D97-AF65-F5344CB8AC3E}">
         <p14:creationId xmlns:p14="http://schemas.microsoft.com/office/powerpoint/2010/main" val="970089619"/>
-      </p:ext>
-    </p:extLst>
-  </p:cSld>
-  <p:clrMapOvr>
-    <a:masterClrMapping/>
-  </p:clrMapOvr>
-</p:sld>
-</file>
-
-<file path=ppt/slides/slide18.xml><?xml version="1.0" encoding="utf-8"?>
-<p:sld xmlns:a="http://schemas.openxmlformats.org/drawingml/2006/main" xmlns:r="http://schemas.openxmlformats.org/officeDocument/2006/relationships" xmlns:p="http://schemas.openxmlformats.org/presentationml/2006/main">
-  <p:cSld>
-    <p:spTree>
-      <p:nvGrpSpPr>
-        <p:cNvPr id="1" name=""/>
-        <p:cNvGrpSpPr/>
-        <p:nvPr/>
-      </p:nvGrpSpPr>
-      <p:grpSpPr>
-        <a:xfrm>
-          <a:off x="0" y="0"/>
-          <a:ext cx="0" cy="0"/>
-          <a:chOff x="0" y="0"/>
-          <a:chExt cx="0" cy="0"/>
-        </a:xfrm>
-      </p:grpSpPr>
-      <p:sp>
-        <p:nvSpPr>
-          <p:cNvPr id="2" name="כותרת 1">
-            <a:extLst>
-              <a:ext uri="{FF2B5EF4-FFF2-40B4-BE49-F238E27FC236}">
-                <a16:creationId xmlns:a16="http://schemas.microsoft.com/office/drawing/2014/main" id="{5EF63109-57FF-4909-8FC9-A7AD1F49FC56}"/>
-              </a:ext>
-            </a:extLst>
-          </p:cNvPr>
-          <p:cNvSpPr>
-            <a:spLocks noGrp="1"/>
-          </p:cNvSpPr>
-          <p:nvPr>
-            <p:ph type="title"/>
-          </p:nvPr>
-        </p:nvSpPr>
-        <p:spPr/>
-        <p:txBody>
-          <a:bodyPr/>
-          <a:lstStyle/>
-          <a:p>
-            <a:r>
-              <a:rPr lang="en-US" dirty="0"/>
-              <a:t>Main things we did and challenges</a:t>
-            </a:r>
-            <a:endParaRPr lang="he-IL" dirty="0"/>
-          </a:p>
-        </p:txBody>
-      </p:sp>
-      <p:sp>
-        <p:nvSpPr>
-          <p:cNvPr id="4" name="מציין מיקום תוכן 3">
-            <a:extLst>
-              <a:ext uri="{FF2B5EF4-FFF2-40B4-BE49-F238E27FC236}">
-                <a16:creationId xmlns:a16="http://schemas.microsoft.com/office/drawing/2014/main" id="{D1512E5A-B809-4F4B-A4ED-D899E7C8424A}"/>
-              </a:ext>
-            </a:extLst>
-          </p:cNvPr>
-          <p:cNvSpPr>
-            <a:spLocks noGrp="1"/>
-          </p:cNvSpPr>
-          <p:nvPr>
-            <p:ph sz="half" idx="2"/>
-          </p:nvPr>
-        </p:nvSpPr>
-        <p:spPr>
-          <a:xfrm>
-            <a:off x="1154954" y="2603500"/>
-            <a:ext cx="9878917" cy="3416300"/>
-          </a:xfrm>
-        </p:spPr>
-        <p:txBody>
-          <a:bodyPr/>
-          <a:lstStyle/>
-          <a:p>
-            <a:pPr algn="l" rtl="0"/>
-            <a:r>
-              <a:rPr lang="en-US" dirty="0"/>
-              <a:t>Topic Modelling</a:t>
-            </a:r>
-          </a:p>
-          <a:p>
-            <a:pPr lvl="1" algn="l" rtl="0"/>
-            <a:r>
-              <a:rPr lang="en-US" dirty="0"/>
-              <a:t>We made a second try, dropping film, movie words.</a:t>
-            </a:r>
-          </a:p>
-          <a:p>
-            <a:pPr lvl="1" algn="l" rtl="0"/>
-            <a:r>
-              <a:rPr lang="en-US" dirty="0"/>
-              <a:t>Not good ,since there are also reviews on episodes etc. So maybe topic modelling will be one films and episodes etc.</a:t>
-            </a:r>
-          </a:p>
-          <a:p>
-            <a:pPr lvl="1" algn="l" rtl="0"/>
-            <a:r>
-              <a:rPr lang="en-US" dirty="0"/>
-              <a:t>So a third try (keep </a:t>
-            </a:r>
-            <a:r>
-              <a:rPr lang="en-US" dirty="0" err="1"/>
-              <a:t>orig</a:t>
-            </a:r>
-            <a:r>
-              <a:rPr lang="en-US" dirty="0"/>
-              <a:t> </a:t>
-            </a:r>
-            <a:r>
-              <a:rPr lang="en-US" dirty="0" err="1"/>
-              <a:t>stopwords</a:t>
-            </a:r>
-            <a:r>
-              <a:rPr lang="en-US" dirty="0"/>
-              <a:t>):</a:t>
-            </a:r>
-          </a:p>
-          <a:p>
-            <a:pPr lvl="2" algn="l" rtl="0"/>
-            <a:r>
-              <a:rPr lang="en-US" dirty="0"/>
-              <a:t>Make graph score as a </a:t>
-            </a:r>
-            <a:r>
-              <a:rPr lang="en-US"/>
-              <a:t>function of num </a:t>
-            </a:r>
-            <a:r>
-              <a:rPr lang="en-US" dirty="0"/>
-              <a:t>of topics </a:t>
-            </a:r>
-          </a:p>
-          <a:p>
-            <a:pPr lvl="1" algn="l" rtl="0"/>
-            <a:endParaRPr lang="en-US" dirty="0"/>
-          </a:p>
-          <a:p>
-            <a:pPr lvl="1" algn="l" rtl="0"/>
-            <a:endParaRPr lang="en-US" dirty="0"/>
-          </a:p>
-          <a:p>
-            <a:pPr lvl="1" algn="l" rtl="0"/>
-            <a:endParaRPr lang="en-US" dirty="0"/>
-          </a:p>
-          <a:p>
-            <a:pPr lvl="1" algn="l" rtl="0"/>
-            <a:endParaRPr lang="he-IL" dirty="0"/>
-          </a:p>
-        </p:txBody>
-      </p:sp>
-    </p:spTree>
-    <p:extLst>
-      <p:ext uri="{BB962C8B-B14F-4D97-AF65-F5344CB8AC3E}">
-        <p14:creationId xmlns:p14="http://schemas.microsoft.com/office/powerpoint/2010/main" val="1213935601"/>
       </p:ext>
     </p:extLst>
   </p:cSld>
@@ -16566,6 +18768,1926 @@
     <p:extLst>
       <p:ext uri="{BB962C8B-B14F-4D97-AF65-F5344CB8AC3E}">
         <p14:creationId xmlns:p14="http://schemas.microsoft.com/office/powerpoint/2010/main" val="2601649669"/>
+      </p:ext>
+    </p:extLst>
+  </p:cSld>
+  <p:clrMapOvr>
+    <a:masterClrMapping/>
+  </p:clrMapOvr>
+</p:sld>
+</file>
+
+<file path=ppt/slides/slide20.xml><?xml version="1.0" encoding="utf-8"?>
+<p:sld xmlns:a="http://schemas.openxmlformats.org/drawingml/2006/main" xmlns:r="http://schemas.openxmlformats.org/officeDocument/2006/relationships" xmlns:p="http://schemas.openxmlformats.org/presentationml/2006/main">
+  <p:cSld>
+    <p:spTree>
+      <p:nvGrpSpPr>
+        <p:cNvPr id="1" name=""/>
+        <p:cNvGrpSpPr/>
+        <p:nvPr/>
+      </p:nvGrpSpPr>
+      <p:grpSpPr>
+        <a:xfrm>
+          <a:off x="0" y="0"/>
+          <a:ext cx="0" cy="0"/>
+          <a:chOff x="0" y="0"/>
+          <a:chExt cx="0" cy="0"/>
+        </a:xfrm>
+      </p:grpSpPr>
+      <p:sp>
+        <p:nvSpPr>
+          <p:cNvPr id="2" name="כותרת 1">
+            <a:extLst>
+              <a:ext uri="{FF2B5EF4-FFF2-40B4-BE49-F238E27FC236}">
+                <a16:creationId xmlns:a16="http://schemas.microsoft.com/office/drawing/2014/main" id="{5EF63109-57FF-4909-8FC9-A7AD1F49FC56}"/>
+              </a:ext>
+            </a:extLst>
+          </p:cNvPr>
+          <p:cNvSpPr>
+            <a:spLocks noGrp="1"/>
+          </p:cNvSpPr>
+          <p:nvPr>
+            <p:ph type="title"/>
+          </p:nvPr>
+        </p:nvSpPr>
+        <p:spPr/>
+        <p:txBody>
+          <a:bodyPr/>
+          <a:lstStyle/>
+          <a:p>
+            <a:r>
+              <a:rPr lang="en-US" dirty="0"/>
+              <a:t>Main things we did and challenges</a:t>
+            </a:r>
+            <a:endParaRPr lang="he-IL" dirty="0"/>
+          </a:p>
+        </p:txBody>
+      </p:sp>
+      <p:sp>
+        <p:nvSpPr>
+          <p:cNvPr id="4" name="מציין מיקום תוכן 3">
+            <a:extLst>
+              <a:ext uri="{FF2B5EF4-FFF2-40B4-BE49-F238E27FC236}">
+                <a16:creationId xmlns:a16="http://schemas.microsoft.com/office/drawing/2014/main" id="{D1512E5A-B809-4F4B-A4ED-D899E7C8424A}"/>
+              </a:ext>
+            </a:extLst>
+          </p:cNvPr>
+          <p:cNvSpPr>
+            <a:spLocks noGrp="1"/>
+          </p:cNvSpPr>
+          <p:nvPr>
+            <p:ph sz="half" idx="2"/>
+          </p:nvPr>
+        </p:nvSpPr>
+        <p:spPr>
+          <a:xfrm>
+            <a:off x="1154954" y="2603500"/>
+            <a:ext cx="9878917" cy="3416300"/>
+          </a:xfrm>
+        </p:spPr>
+        <p:txBody>
+          <a:bodyPr/>
+          <a:lstStyle/>
+          <a:p>
+            <a:pPr algn="l" rtl="0"/>
+            <a:r>
+              <a:rPr lang="en-US" dirty="0"/>
+              <a:t>Topic Modelling</a:t>
+            </a:r>
+          </a:p>
+          <a:p>
+            <a:pPr lvl="1" algn="l" rtl="0"/>
+            <a:r>
+              <a:rPr lang="en-US" dirty="0"/>
+              <a:t>We made a second try, dropping film, movie words.</a:t>
+            </a:r>
+          </a:p>
+          <a:p>
+            <a:pPr lvl="1" algn="l" rtl="0"/>
+            <a:r>
+              <a:rPr lang="en-US" dirty="0"/>
+              <a:t>Not good ,since there are also reviews on episodes etc. So maybe topic modelling will be one films and episodes etc.</a:t>
+            </a:r>
+          </a:p>
+          <a:p>
+            <a:pPr lvl="1" algn="l" rtl="0"/>
+            <a:r>
+              <a:rPr lang="en-US" dirty="0"/>
+              <a:t>So a third try (keep </a:t>
+            </a:r>
+            <a:r>
+              <a:rPr lang="en-US" dirty="0" err="1"/>
+              <a:t>orig</a:t>
+            </a:r>
+            <a:r>
+              <a:rPr lang="en-US" dirty="0"/>
+              <a:t> </a:t>
+            </a:r>
+            <a:r>
+              <a:rPr lang="en-US" dirty="0" err="1"/>
+              <a:t>stopwords</a:t>
+            </a:r>
+            <a:r>
+              <a:rPr lang="en-US" dirty="0"/>
+              <a:t>):</a:t>
+            </a:r>
+          </a:p>
+          <a:p>
+            <a:pPr lvl="2" algn="l" rtl="0"/>
+            <a:r>
+              <a:rPr lang="en-US" dirty="0"/>
+              <a:t>Make graph score as a function of num of topics </a:t>
+            </a:r>
+          </a:p>
+          <a:p>
+            <a:pPr lvl="2" algn="l" rtl="0"/>
+            <a:r>
+              <a:rPr lang="en-US" dirty="0"/>
+              <a:t>The best score was for 14 topics</a:t>
+            </a:r>
+          </a:p>
+          <a:p>
+            <a:pPr lvl="2" algn="l" rtl="0"/>
+            <a:endParaRPr lang="en-US" dirty="0"/>
+          </a:p>
+          <a:p>
+            <a:pPr lvl="1" algn="l" rtl="0"/>
+            <a:endParaRPr lang="en-US" dirty="0"/>
+          </a:p>
+          <a:p>
+            <a:pPr lvl="1" algn="l" rtl="0"/>
+            <a:endParaRPr lang="en-US" dirty="0"/>
+          </a:p>
+          <a:p>
+            <a:pPr lvl="1" algn="l" rtl="0"/>
+            <a:endParaRPr lang="en-US" dirty="0"/>
+          </a:p>
+          <a:p>
+            <a:pPr lvl="1" algn="l" rtl="0"/>
+            <a:endParaRPr lang="he-IL" dirty="0"/>
+          </a:p>
+        </p:txBody>
+      </p:sp>
+      <p:pic>
+        <p:nvPicPr>
+          <p:cNvPr id="3" name="תמונה 2">
+            <a:extLst>
+              <a:ext uri="{FF2B5EF4-FFF2-40B4-BE49-F238E27FC236}">
+                <a16:creationId xmlns:a16="http://schemas.microsoft.com/office/drawing/2014/main" id="{D8057D21-AC11-4DF8-B284-7C4E26EEEDCC}"/>
+              </a:ext>
+            </a:extLst>
+          </p:cNvPr>
+          <p:cNvPicPr>
+            <a:picLocks noChangeAspect="1"/>
+          </p:cNvPicPr>
+          <p:nvPr/>
+        </p:nvPicPr>
+        <p:blipFill>
+          <a:blip r:embed="rId2"/>
+          <a:stretch>
+            <a:fillRect/>
+          </a:stretch>
+        </p:blipFill>
+        <p:spPr>
+          <a:xfrm>
+            <a:off x="6894828" y="4075890"/>
+            <a:ext cx="3670470" cy="2453740"/>
+          </a:xfrm>
+          <a:prstGeom prst="rect">
+            <a:avLst/>
+          </a:prstGeom>
+        </p:spPr>
+      </p:pic>
+    </p:spTree>
+    <p:extLst>
+      <p:ext uri="{BB962C8B-B14F-4D97-AF65-F5344CB8AC3E}">
+        <p14:creationId xmlns:p14="http://schemas.microsoft.com/office/powerpoint/2010/main" val="1213935601"/>
+      </p:ext>
+    </p:extLst>
+  </p:cSld>
+  <p:clrMapOvr>
+    <a:masterClrMapping/>
+  </p:clrMapOvr>
+</p:sld>
+</file>
+
+<file path=ppt/slides/slide21.xml><?xml version="1.0" encoding="utf-8"?>
+<p:sld xmlns:a="http://schemas.openxmlformats.org/drawingml/2006/main" xmlns:r="http://schemas.openxmlformats.org/officeDocument/2006/relationships" xmlns:p="http://schemas.openxmlformats.org/presentationml/2006/main">
+  <p:cSld>
+    <p:spTree>
+      <p:nvGrpSpPr>
+        <p:cNvPr id="1" name=""/>
+        <p:cNvGrpSpPr/>
+        <p:nvPr/>
+      </p:nvGrpSpPr>
+      <p:grpSpPr>
+        <a:xfrm>
+          <a:off x="0" y="0"/>
+          <a:ext cx="0" cy="0"/>
+          <a:chOff x="0" y="0"/>
+          <a:chExt cx="0" cy="0"/>
+        </a:xfrm>
+      </p:grpSpPr>
+      <p:sp>
+        <p:nvSpPr>
+          <p:cNvPr id="2" name="כותרת 1">
+            <a:extLst>
+              <a:ext uri="{FF2B5EF4-FFF2-40B4-BE49-F238E27FC236}">
+                <a16:creationId xmlns:a16="http://schemas.microsoft.com/office/drawing/2014/main" id="{5EF63109-57FF-4909-8FC9-A7AD1F49FC56}"/>
+              </a:ext>
+            </a:extLst>
+          </p:cNvPr>
+          <p:cNvSpPr>
+            <a:spLocks noGrp="1"/>
+          </p:cNvSpPr>
+          <p:nvPr>
+            <p:ph type="title"/>
+          </p:nvPr>
+        </p:nvSpPr>
+        <p:spPr/>
+        <p:txBody>
+          <a:bodyPr/>
+          <a:lstStyle/>
+          <a:p>
+            <a:r>
+              <a:rPr lang="en-US" dirty="0"/>
+              <a:t>Main things we did and challenges</a:t>
+            </a:r>
+            <a:endParaRPr lang="he-IL" dirty="0"/>
+          </a:p>
+        </p:txBody>
+      </p:sp>
+      <p:sp>
+        <p:nvSpPr>
+          <p:cNvPr id="5" name="תיבת טקסט 4">
+            <a:extLst>
+              <a:ext uri="{FF2B5EF4-FFF2-40B4-BE49-F238E27FC236}">
+                <a16:creationId xmlns:a16="http://schemas.microsoft.com/office/drawing/2014/main" id="{AE5C6F31-EAF3-4D40-9BA1-73A78595F7B6}"/>
+              </a:ext>
+            </a:extLst>
+          </p:cNvPr>
+          <p:cNvSpPr txBox="1"/>
+          <p:nvPr/>
+        </p:nvSpPr>
+        <p:spPr>
+          <a:xfrm>
+            <a:off x="564204" y="3127443"/>
+            <a:ext cx="3083668" cy="2123658"/>
+          </a:xfrm>
+          <a:prstGeom prst="rect">
+            <a:avLst/>
+          </a:prstGeom>
+          <a:noFill/>
+        </p:spPr>
+        <p:txBody>
+          <a:bodyPr wrap="square" rtlCol="1">
+            <a:spAutoFit/>
+          </a:bodyPr>
+          <a:lstStyle/>
+          <a:p>
+            <a:r>
+              <a:rPr lang="en-US" sz="1200" dirty="0"/>
+              <a:t>(1,</a:t>
+            </a:r>
+          </a:p>
+          <a:p>
+            <a:r>
+              <a:rPr lang="en-US" sz="1200" dirty="0"/>
+              <a:t>  [('great', 0.04810005310895667),</a:t>
+            </a:r>
+          </a:p>
+          <a:p>
+            <a:r>
+              <a:rPr lang="en-US" sz="1200" dirty="0"/>
+              <a:t>   ('music', 0.03004300784138125),</a:t>
+            </a:r>
+          </a:p>
+          <a:p>
+            <a:r>
+              <a:rPr lang="en-US" sz="1200" dirty="0"/>
+              <a:t>   ('version', 0.023013881223380436),</a:t>
+            </a:r>
+          </a:p>
+          <a:p>
+            <a:r>
+              <a:rPr lang="en-US" sz="1200" dirty="0"/>
+              <a:t>   ('good', 0.016536671213904133),</a:t>
+            </a:r>
+          </a:p>
+          <a:p>
+            <a:r>
+              <a:rPr lang="en-US" sz="1200" dirty="0"/>
+              <a:t>   ('time', 0.016255506149184102),</a:t>
+            </a:r>
+          </a:p>
+          <a:p>
+            <a:r>
+              <a:rPr lang="en-US" sz="1200" dirty="0"/>
+              <a:t>   ('star', 0.01500588363931729),</a:t>
+            </a:r>
+          </a:p>
+          <a:p>
+            <a:r>
+              <a:rPr lang="en-US" sz="1200" dirty="0"/>
+              <a:t>   ('wonderful', 0.014985056597486175),</a:t>
+            </a:r>
+          </a:p>
+          <a:p>
+            <a:r>
+              <a:rPr lang="en-US" sz="1200" dirty="0"/>
+              <a:t>   ('year', 0.014943402513823948),</a:t>
+            </a:r>
+          </a:p>
+          <a:p>
+            <a:r>
+              <a:rPr lang="en-US" sz="1200" dirty="0"/>
+              <a:t>   ('number', 0.014370658863468328),</a:t>
+            </a:r>
+          </a:p>
+          <a:p>
+            <a:r>
+              <a:rPr lang="en-US" sz="1200" dirty="0"/>
+              <a:t>   ('song', 0.014027012673254954)]),</a:t>
+            </a:r>
+            <a:endParaRPr lang="he-IL" sz="1200" dirty="0"/>
+          </a:p>
+        </p:txBody>
+      </p:sp>
+      <p:sp>
+        <p:nvSpPr>
+          <p:cNvPr id="6" name="תיבת טקסט 5">
+            <a:extLst>
+              <a:ext uri="{FF2B5EF4-FFF2-40B4-BE49-F238E27FC236}">
+                <a16:creationId xmlns:a16="http://schemas.microsoft.com/office/drawing/2014/main" id="{874C4DFE-26A2-436B-BE51-9F1BB546B538}"/>
+              </a:ext>
+            </a:extLst>
+          </p:cNvPr>
+          <p:cNvSpPr txBox="1"/>
+          <p:nvPr/>
+        </p:nvSpPr>
+        <p:spPr>
+          <a:xfrm>
+            <a:off x="3570673" y="3218663"/>
+            <a:ext cx="3083668" cy="2123658"/>
+          </a:xfrm>
+          <a:prstGeom prst="rect">
+            <a:avLst/>
+          </a:prstGeom>
+          <a:noFill/>
+        </p:spPr>
+        <p:txBody>
+          <a:bodyPr wrap="square" rtlCol="1">
+            <a:spAutoFit/>
+          </a:bodyPr>
+          <a:lstStyle/>
+          <a:p>
+            <a:r>
+              <a:rPr lang="en-US" sz="1200" dirty="0"/>
+              <a:t> (6,</a:t>
+            </a:r>
+          </a:p>
+          <a:p>
+            <a:r>
+              <a:rPr lang="en-US" sz="1200" dirty="0"/>
+              <a:t>  [('scene', 0.03321999723249056),</a:t>
+            </a:r>
+          </a:p>
+          <a:p>
+            <a:r>
+              <a:rPr lang="en-US" sz="1200" dirty="0"/>
+              <a:t>   ('guy', 0.02616284816257141),</a:t>
+            </a:r>
+          </a:p>
+          <a:p>
+            <a:r>
+              <a:rPr lang="en-US" sz="1200" dirty="0"/>
+              <a:t>   ('woman', 0.017721944373060274),</a:t>
+            </a:r>
+          </a:p>
+          <a:p>
+            <a:r>
+              <a:rPr lang="en-US" sz="1200" dirty="0"/>
+              <a:t>   ('sex', 0.015537588708561489),</a:t>
+            </a:r>
+          </a:p>
+          <a:p>
+            <a:r>
+              <a:rPr lang="en-US" sz="1200" dirty="0"/>
+              <a:t>   ('girl', 0.014648032103109495),</a:t>
+            </a:r>
+          </a:p>
+          <a:p>
+            <a:r>
+              <a:rPr lang="en-US" sz="1200" dirty="0"/>
+              <a:t>   ('death', 0.014262557574080298),</a:t>
+            </a:r>
+          </a:p>
+          <a:p>
+            <a:r>
+              <a:rPr lang="en-US" sz="1200" dirty="0"/>
+              <a:t>   ('car', 0.014203253800383498),</a:t>
+            </a:r>
+          </a:p>
+          <a:p>
+            <a:r>
+              <a:rPr lang="en-US" sz="1200" dirty="0"/>
+              <a:t>   ('killer', 0.014203253800383498),</a:t>
+            </a:r>
+          </a:p>
+          <a:p>
+            <a:r>
+              <a:rPr lang="en-US" sz="1200" dirty="0"/>
+              <a:t>   ('night', 0.01233518492893431),</a:t>
+            </a:r>
+          </a:p>
+          <a:p>
+            <a:r>
+              <a:rPr lang="en-US" sz="1200" dirty="0"/>
+              <a:t>   ('head', 0.011840986814794315)]),</a:t>
+            </a:r>
+            <a:endParaRPr lang="he-IL" sz="1200" dirty="0"/>
+          </a:p>
+        </p:txBody>
+      </p:sp>
+      <p:sp>
+        <p:nvSpPr>
+          <p:cNvPr id="7" name="תיבת טקסט 6">
+            <a:extLst>
+              <a:ext uri="{FF2B5EF4-FFF2-40B4-BE49-F238E27FC236}">
+                <a16:creationId xmlns:a16="http://schemas.microsoft.com/office/drawing/2014/main" id="{3098E3FB-137C-41BD-87C7-3DACA83415EA}"/>
+              </a:ext>
+            </a:extLst>
+          </p:cNvPr>
+          <p:cNvSpPr txBox="1"/>
+          <p:nvPr/>
+        </p:nvSpPr>
+        <p:spPr>
+          <a:xfrm>
+            <a:off x="6654341" y="3249821"/>
+            <a:ext cx="3083668" cy="2123658"/>
+          </a:xfrm>
+          <a:prstGeom prst="rect">
+            <a:avLst/>
+          </a:prstGeom>
+          <a:noFill/>
+        </p:spPr>
+        <p:txBody>
+          <a:bodyPr wrap="square" rtlCol="1">
+            <a:spAutoFit/>
+          </a:bodyPr>
+          <a:lstStyle/>
+          <a:p>
+            <a:r>
+              <a:rPr lang="en-US" sz="1200" dirty="0"/>
+              <a:t> (11,</a:t>
+            </a:r>
+          </a:p>
+          <a:p>
+            <a:r>
+              <a:rPr lang="en-US" sz="1200" dirty="0"/>
+              <a:t>  [('scene', 0.05976507172447578),</a:t>
+            </a:r>
+          </a:p>
+          <a:p>
+            <a:r>
+              <a:rPr lang="en-US" sz="1200" dirty="0"/>
+              <a:t>   ('action', 0.037007060627682345),</a:t>
+            </a:r>
+          </a:p>
+          <a:p>
+            <a:r>
+              <a:rPr lang="en-US" sz="1200" dirty="0"/>
+              <a:t>   ('black', 0.01966965208038253),</a:t>
+            </a:r>
+          </a:p>
+          <a:p>
+            <a:r>
+              <a:rPr lang="en-US" sz="1200" dirty="0"/>
+              <a:t>   ('art', 0.015101010638864336),</a:t>
+            </a:r>
+          </a:p>
+          <a:p>
+            <a:r>
+              <a:rPr lang="en-US" sz="1200" dirty="0"/>
+              <a:t>   ('sequence', 0.014131904878542295),</a:t>
+            </a:r>
+          </a:p>
+          <a:p>
+            <a:r>
+              <a:rPr lang="en-US" sz="1200" dirty="0"/>
+              <a:t>   ('hero', 0.011810310859309272),</a:t>
+            </a:r>
+          </a:p>
+          <a:p>
+            <a:r>
+              <a:rPr lang="en-US" sz="1200" dirty="0"/>
+              <a:t>   ('style', 0.011597320582315418),</a:t>
+            </a:r>
+          </a:p>
+          <a:p>
+            <a:r>
+              <a:rPr lang="en-US" sz="1200" dirty="0"/>
+              <a:t>   ('time', 0.009861449824815497),</a:t>
+            </a:r>
+          </a:p>
+          <a:p>
+            <a:r>
+              <a:rPr lang="en-US" sz="1200" dirty="0"/>
+              <a:t>   ('point', 0.009776253714017955),</a:t>
+            </a:r>
+          </a:p>
+          <a:p>
+            <a:r>
+              <a:rPr lang="en-US" sz="1200" dirty="0"/>
+              <a:t>   ('slow', 0.009765604200168263)]),</a:t>
+            </a:r>
+            <a:endParaRPr lang="he-IL" sz="1200" dirty="0"/>
+          </a:p>
+        </p:txBody>
+      </p:sp>
+      <p:sp>
+        <p:nvSpPr>
+          <p:cNvPr id="8" name="תיבת טקסט 7">
+            <a:extLst>
+              <a:ext uri="{FF2B5EF4-FFF2-40B4-BE49-F238E27FC236}">
+                <a16:creationId xmlns:a16="http://schemas.microsoft.com/office/drawing/2014/main" id="{0ABAD80F-F3E8-4ED2-AC1B-502D5FFE920F}"/>
+              </a:ext>
+            </a:extLst>
+          </p:cNvPr>
+          <p:cNvSpPr txBox="1"/>
+          <p:nvPr/>
+        </p:nvSpPr>
+        <p:spPr>
+          <a:xfrm>
+            <a:off x="1031133" y="5612860"/>
+            <a:ext cx="1099224" cy="369332"/>
+          </a:xfrm>
+          <a:prstGeom prst="rect">
+            <a:avLst/>
+          </a:prstGeom>
+          <a:noFill/>
+        </p:spPr>
+        <p:txBody>
+          <a:bodyPr wrap="square" rtlCol="1">
+            <a:spAutoFit/>
+          </a:bodyPr>
+          <a:lstStyle/>
+          <a:p>
+            <a:r>
+              <a:rPr lang="en-US" dirty="0"/>
+              <a:t>Musical</a:t>
+            </a:r>
+            <a:endParaRPr lang="he-IL" dirty="0"/>
+          </a:p>
+        </p:txBody>
+      </p:sp>
+      <p:sp>
+        <p:nvSpPr>
+          <p:cNvPr id="9" name="תיבת טקסט 8">
+            <a:extLst>
+              <a:ext uri="{FF2B5EF4-FFF2-40B4-BE49-F238E27FC236}">
+                <a16:creationId xmlns:a16="http://schemas.microsoft.com/office/drawing/2014/main" id="{7C83F2A0-728A-4111-8726-8414BAB4973E}"/>
+              </a:ext>
+            </a:extLst>
+          </p:cNvPr>
+          <p:cNvSpPr txBox="1"/>
+          <p:nvPr/>
+        </p:nvSpPr>
+        <p:spPr>
+          <a:xfrm>
+            <a:off x="3839183" y="5599890"/>
+            <a:ext cx="2065506" cy="369332"/>
+          </a:xfrm>
+          <a:prstGeom prst="rect">
+            <a:avLst/>
+          </a:prstGeom>
+          <a:noFill/>
+        </p:spPr>
+        <p:txBody>
+          <a:bodyPr wrap="square" rtlCol="1">
+            <a:spAutoFit/>
+          </a:bodyPr>
+          <a:lstStyle/>
+          <a:p>
+            <a:r>
+              <a:rPr lang="en-US" dirty="0"/>
+              <a:t>Death and killing</a:t>
+            </a:r>
+            <a:endParaRPr lang="he-IL" dirty="0"/>
+          </a:p>
+        </p:txBody>
+      </p:sp>
+      <p:sp>
+        <p:nvSpPr>
+          <p:cNvPr id="10" name="תיבת טקסט 9">
+            <a:extLst>
+              <a:ext uri="{FF2B5EF4-FFF2-40B4-BE49-F238E27FC236}">
+                <a16:creationId xmlns:a16="http://schemas.microsoft.com/office/drawing/2014/main" id="{11339AA5-FBCB-4D3C-9E90-68B1219C379C}"/>
+              </a:ext>
+            </a:extLst>
+          </p:cNvPr>
+          <p:cNvSpPr txBox="1"/>
+          <p:nvPr/>
+        </p:nvSpPr>
+        <p:spPr>
+          <a:xfrm>
+            <a:off x="6987703" y="5606376"/>
+            <a:ext cx="2065506" cy="369332"/>
+          </a:xfrm>
+          <a:prstGeom prst="rect">
+            <a:avLst/>
+          </a:prstGeom>
+          <a:noFill/>
+        </p:spPr>
+        <p:txBody>
+          <a:bodyPr wrap="square" rtlCol="1">
+            <a:spAutoFit/>
+          </a:bodyPr>
+          <a:lstStyle/>
+          <a:p>
+            <a:r>
+              <a:rPr lang="en-US" dirty="0"/>
+              <a:t>Action</a:t>
+            </a:r>
+            <a:endParaRPr lang="he-IL" dirty="0"/>
+          </a:p>
+        </p:txBody>
+      </p:sp>
+    </p:spTree>
+    <p:extLst>
+      <p:ext uri="{BB962C8B-B14F-4D97-AF65-F5344CB8AC3E}">
+        <p14:creationId xmlns:p14="http://schemas.microsoft.com/office/powerpoint/2010/main" val="436364225"/>
+      </p:ext>
+    </p:extLst>
+  </p:cSld>
+  <p:clrMapOvr>
+    <a:masterClrMapping/>
+  </p:clrMapOvr>
+</p:sld>
+</file>
+
+<file path=ppt/slides/slide22.xml><?xml version="1.0" encoding="utf-8"?>
+<p:sld xmlns:a="http://schemas.openxmlformats.org/drawingml/2006/main" xmlns:r="http://schemas.openxmlformats.org/officeDocument/2006/relationships" xmlns:p="http://schemas.openxmlformats.org/presentationml/2006/main">
+  <p:cSld>
+    <p:spTree>
+      <p:nvGrpSpPr>
+        <p:cNvPr id="1" name=""/>
+        <p:cNvGrpSpPr/>
+        <p:nvPr/>
+      </p:nvGrpSpPr>
+      <p:grpSpPr>
+        <a:xfrm>
+          <a:off x="0" y="0"/>
+          <a:ext cx="0" cy="0"/>
+          <a:chOff x="0" y="0"/>
+          <a:chExt cx="0" cy="0"/>
+        </a:xfrm>
+      </p:grpSpPr>
+      <p:sp>
+        <p:nvSpPr>
+          <p:cNvPr id="2" name="כותרת 1">
+            <a:extLst>
+              <a:ext uri="{FF2B5EF4-FFF2-40B4-BE49-F238E27FC236}">
+                <a16:creationId xmlns:a16="http://schemas.microsoft.com/office/drawing/2014/main" id="{5EF63109-57FF-4909-8FC9-A7AD1F49FC56}"/>
+              </a:ext>
+            </a:extLst>
+          </p:cNvPr>
+          <p:cNvSpPr>
+            <a:spLocks noGrp="1"/>
+          </p:cNvSpPr>
+          <p:nvPr>
+            <p:ph type="title"/>
+          </p:nvPr>
+        </p:nvSpPr>
+        <p:spPr/>
+        <p:txBody>
+          <a:bodyPr/>
+          <a:lstStyle/>
+          <a:p>
+            <a:r>
+              <a:rPr lang="en-US" dirty="0"/>
+              <a:t>Main things we did and challenges</a:t>
+            </a:r>
+            <a:endParaRPr lang="he-IL" dirty="0"/>
+          </a:p>
+        </p:txBody>
+      </p:sp>
+      <p:sp>
+        <p:nvSpPr>
+          <p:cNvPr id="4" name="מציין מיקום תוכן 3">
+            <a:extLst>
+              <a:ext uri="{FF2B5EF4-FFF2-40B4-BE49-F238E27FC236}">
+                <a16:creationId xmlns:a16="http://schemas.microsoft.com/office/drawing/2014/main" id="{D1512E5A-B809-4F4B-A4ED-D899E7C8424A}"/>
+              </a:ext>
+            </a:extLst>
+          </p:cNvPr>
+          <p:cNvSpPr>
+            <a:spLocks noGrp="1"/>
+          </p:cNvSpPr>
+          <p:nvPr>
+            <p:ph sz="half" idx="2"/>
+          </p:nvPr>
+        </p:nvSpPr>
+        <p:spPr>
+          <a:xfrm>
+            <a:off x="1154954" y="2603500"/>
+            <a:ext cx="9878917" cy="3416300"/>
+          </a:xfrm>
+        </p:spPr>
+        <p:txBody>
+          <a:bodyPr/>
+          <a:lstStyle/>
+          <a:p>
+            <a:pPr algn="l" rtl="0"/>
+            <a:r>
+              <a:rPr lang="en-US" dirty="0"/>
+              <a:t>Topic Modelling – getting 14 topics</a:t>
+            </a:r>
+          </a:p>
+          <a:p>
+            <a:pPr lvl="1" algn="l" rtl="0"/>
+            <a:endParaRPr lang="en-US" dirty="0"/>
+          </a:p>
+          <a:p>
+            <a:pPr lvl="1" algn="l" rtl="0"/>
+            <a:endParaRPr lang="en-US" dirty="0"/>
+          </a:p>
+          <a:p>
+            <a:pPr lvl="1" algn="l" rtl="0"/>
+            <a:endParaRPr lang="en-US" dirty="0"/>
+          </a:p>
+          <a:p>
+            <a:pPr lvl="1" algn="l" rtl="0"/>
+            <a:endParaRPr lang="en-US" dirty="0"/>
+          </a:p>
+          <a:p>
+            <a:pPr lvl="1" algn="l" rtl="0"/>
+            <a:endParaRPr lang="he-IL" dirty="0"/>
+          </a:p>
+        </p:txBody>
+      </p:sp>
+      <p:sp>
+        <p:nvSpPr>
+          <p:cNvPr id="5" name="תיבת טקסט 4">
+            <a:extLst>
+              <a:ext uri="{FF2B5EF4-FFF2-40B4-BE49-F238E27FC236}">
+                <a16:creationId xmlns:a16="http://schemas.microsoft.com/office/drawing/2014/main" id="{AE5C6F31-EAF3-4D40-9BA1-73A78595F7B6}"/>
+              </a:ext>
+            </a:extLst>
+          </p:cNvPr>
+          <p:cNvSpPr txBox="1"/>
+          <p:nvPr/>
+        </p:nvSpPr>
+        <p:spPr>
+          <a:xfrm>
+            <a:off x="564204" y="3127443"/>
+            <a:ext cx="3083668" cy="2123658"/>
+          </a:xfrm>
+          <a:prstGeom prst="rect">
+            <a:avLst/>
+          </a:prstGeom>
+          <a:noFill/>
+        </p:spPr>
+        <p:txBody>
+          <a:bodyPr wrap="square" rtlCol="1">
+            <a:spAutoFit/>
+          </a:bodyPr>
+          <a:lstStyle/>
+          <a:p>
+            <a:r>
+              <a:rPr lang="en-US" sz="1200" dirty="0"/>
+              <a:t> (8,</a:t>
+            </a:r>
+          </a:p>
+          <a:p>
+            <a:r>
+              <a:rPr lang="en-US" sz="1200" dirty="0"/>
+              <a:t>  [('film', 0.4150432678505516),</a:t>
+            </a:r>
+          </a:p>
+          <a:p>
+            <a:r>
+              <a:rPr lang="en-US" sz="1200" dirty="0"/>
+              <a:t>   ('director', 0.03753639831029816),</a:t>
+            </a:r>
+          </a:p>
+          <a:p>
+            <a:r>
+              <a:rPr lang="en-US" sz="1200" dirty="0"/>
+              <a:t>   ('camera', 0.01416970840339581),</a:t>
+            </a:r>
+          </a:p>
+          <a:p>
+            <a:r>
+              <a:rPr lang="en-US" sz="1200" dirty="0"/>
+              <a:t>   ('work', 0.013298199565270886),</a:t>
+            </a:r>
+          </a:p>
+          <a:p>
+            <a:r>
+              <a:rPr lang="en-US" sz="1200" dirty="0"/>
+              <a:t>   ('minute', 0.011114300947381372),</a:t>
+            </a:r>
+          </a:p>
+          <a:p>
+            <a:r>
+              <a:rPr lang="en-US" sz="1200" dirty="0"/>
+              <a:t>   ('audience', 0.010601648689660828),</a:t>
+            </a:r>
+          </a:p>
+          <a:p>
+            <a:r>
+              <a:rPr lang="en-US" sz="1200" dirty="0"/>
+              <a:t>   ('shot', 0.009904441619160891),</a:t>
+            </a:r>
+          </a:p>
+          <a:p>
+            <a:r>
+              <a:rPr lang="en-US" sz="1200" dirty="0"/>
+              <a:t>   ('scene', 0.00964811549030062),</a:t>
+            </a:r>
+          </a:p>
+          <a:p>
+            <a:r>
+              <a:rPr lang="en-US" sz="1200" dirty="0"/>
+              <a:t>   ('time', 0.009217487593815363),</a:t>
+            </a:r>
+          </a:p>
+          <a:p>
+            <a:r>
+              <a:rPr lang="en-US" sz="1200" dirty="0"/>
+              <a:t>   ('cinema', 0.008551039658778656)]),</a:t>
+            </a:r>
+            <a:endParaRPr lang="he-IL" sz="1200" dirty="0"/>
+          </a:p>
+        </p:txBody>
+      </p:sp>
+      <p:sp>
+        <p:nvSpPr>
+          <p:cNvPr id="6" name="תיבת טקסט 5">
+            <a:extLst>
+              <a:ext uri="{FF2B5EF4-FFF2-40B4-BE49-F238E27FC236}">
+                <a16:creationId xmlns:a16="http://schemas.microsoft.com/office/drawing/2014/main" id="{874C4DFE-26A2-436B-BE51-9F1BB546B538}"/>
+              </a:ext>
+            </a:extLst>
+          </p:cNvPr>
+          <p:cNvSpPr txBox="1"/>
+          <p:nvPr/>
+        </p:nvSpPr>
+        <p:spPr>
+          <a:xfrm>
+            <a:off x="3570673" y="3218663"/>
+            <a:ext cx="3083668" cy="2123658"/>
+          </a:xfrm>
+          <a:prstGeom prst="rect">
+            <a:avLst/>
+          </a:prstGeom>
+          <a:noFill/>
+        </p:spPr>
+        <p:txBody>
+          <a:bodyPr wrap="square" rtlCol="1">
+            <a:spAutoFit/>
+          </a:bodyPr>
+          <a:lstStyle/>
+          <a:p>
+            <a:r>
+              <a:rPr lang="en-US" sz="1200" dirty="0"/>
+              <a:t> (5,</a:t>
+            </a:r>
+          </a:p>
+          <a:p>
+            <a:r>
+              <a:rPr lang="en-US" sz="1200" dirty="0"/>
+              <a:t>  [('bad', 0.09762325867927903),</a:t>
+            </a:r>
+          </a:p>
+          <a:p>
+            <a:r>
+              <a:rPr lang="en-US" sz="1200" dirty="0"/>
+              <a:t>   ('horror', 0.030106714890403608),</a:t>
+            </a:r>
+          </a:p>
+          <a:p>
+            <a:r>
+              <a:rPr lang="en-US" sz="1200" dirty="0"/>
+              <a:t>   ('effect', 0.027473619363685142),</a:t>
+            </a:r>
+          </a:p>
+          <a:p>
+            <a:r>
+              <a:rPr lang="en-US" sz="1200" dirty="0"/>
+              <a:t>   ('low', 0.019504779316786233),</a:t>
+            </a:r>
+          </a:p>
+          <a:p>
+            <a:r>
+              <a:rPr lang="en-US" sz="1200" dirty="0"/>
+              <a:t>   ('plot', 0.018848989487490312),</a:t>
+            </a:r>
+          </a:p>
+          <a:p>
+            <a:r>
+              <a:rPr lang="en-US" sz="1200" dirty="0"/>
+              <a:t>   ('budget', 0.01745792015262018),</a:t>
+            </a:r>
+          </a:p>
+          <a:p>
+            <a:r>
+              <a:rPr lang="en-US" sz="1200" dirty="0"/>
+              <a:t>   ('awful', 0.01646429919914151),</a:t>
+            </a:r>
+          </a:p>
+          <a:p>
+            <a:r>
+              <a:rPr lang="en-US" sz="1200" dirty="0"/>
+              <a:t>   ('special', 0.016394745732398006),</a:t>
+            </a:r>
+          </a:p>
+          <a:p>
+            <a:r>
+              <a:rPr lang="en-US" sz="1200" dirty="0"/>
+              <a:t>   ('terrible', 0.014755271159158204),</a:t>
+            </a:r>
+          </a:p>
+          <a:p>
+            <a:r>
+              <a:rPr lang="en-US" sz="1200" dirty="0"/>
+              <a:t>   ('stupid', 0.013384074243357644)]),</a:t>
+            </a:r>
+            <a:endParaRPr lang="he-IL" sz="1200" dirty="0"/>
+          </a:p>
+        </p:txBody>
+      </p:sp>
+      <p:sp>
+        <p:nvSpPr>
+          <p:cNvPr id="7" name="תיבת טקסט 6">
+            <a:extLst>
+              <a:ext uri="{FF2B5EF4-FFF2-40B4-BE49-F238E27FC236}">
+                <a16:creationId xmlns:a16="http://schemas.microsoft.com/office/drawing/2014/main" id="{3098E3FB-137C-41BD-87C7-3DACA83415EA}"/>
+              </a:ext>
+            </a:extLst>
+          </p:cNvPr>
+          <p:cNvSpPr txBox="1"/>
+          <p:nvPr/>
+        </p:nvSpPr>
+        <p:spPr>
+          <a:xfrm>
+            <a:off x="6654341" y="3249821"/>
+            <a:ext cx="3083668" cy="2123658"/>
+          </a:xfrm>
+          <a:prstGeom prst="rect">
+            <a:avLst/>
+          </a:prstGeom>
+          <a:noFill/>
+        </p:spPr>
+        <p:txBody>
+          <a:bodyPr wrap="square" rtlCol="1">
+            <a:spAutoFit/>
+          </a:bodyPr>
+          <a:lstStyle/>
+          <a:p>
+            <a:r>
+              <a:rPr lang="en-US" sz="1200" dirty="0"/>
+              <a:t> (3,</a:t>
+            </a:r>
+          </a:p>
+          <a:p>
+            <a:r>
+              <a:rPr lang="en-US" sz="1200" dirty="0"/>
+              <a:t>  [('life', 0.043484419263456094),</a:t>
+            </a:r>
+          </a:p>
+          <a:p>
+            <a:r>
+              <a:rPr lang="en-US" sz="1200" dirty="0"/>
+              <a:t>   ('young', 0.04026709834075273),</a:t>
+            </a:r>
+          </a:p>
+          <a:p>
+            <a:r>
+              <a:rPr lang="en-US" sz="1200" dirty="0"/>
+              <a:t>   ('family', 0.033903278025091056),</a:t>
+            </a:r>
+          </a:p>
+          <a:p>
+            <a:r>
+              <a:rPr lang="en-US" sz="1200" dirty="0"/>
+              <a:t>   ('friend', 0.027974504249291786),</a:t>
+            </a:r>
+          </a:p>
+          <a:p>
+            <a:r>
+              <a:rPr lang="en-US" sz="1200" dirty="0"/>
+              <a:t>   ('child', 0.027610279239174425),</a:t>
+            </a:r>
+          </a:p>
+          <a:p>
+            <a:r>
+              <a:rPr lang="en-US" sz="1200" dirty="0"/>
+              <a:t>   ('woman', 0.027013354917037637),</a:t>
+            </a:r>
+          </a:p>
+          <a:p>
+            <a:r>
+              <a:rPr lang="en-US" sz="1200" dirty="0"/>
+              <a:t>   ('love', 0.026375961149332255),</a:t>
+            </a:r>
+          </a:p>
+          <a:p>
+            <a:r>
+              <a:rPr lang="en-US" sz="1200" dirty="0"/>
+              <a:t>   ('kid', 0.026345609065155807),</a:t>
+            </a:r>
+          </a:p>
+          <a:p>
+            <a:r>
+              <a:rPr lang="en-US" sz="1200" dirty="0"/>
+              <a:t>   ('girl', 0.02285511938486443),</a:t>
+            </a:r>
+          </a:p>
+          <a:p>
+            <a:r>
+              <a:rPr lang="en-US" sz="1200" dirty="0"/>
+              <a:t>   ('boy', 0.019789558883043304)]),</a:t>
+            </a:r>
+            <a:endParaRPr lang="he-IL" sz="1200" dirty="0"/>
+          </a:p>
+        </p:txBody>
+      </p:sp>
+      <p:sp>
+        <p:nvSpPr>
+          <p:cNvPr id="8" name="תיבת טקסט 7">
+            <a:extLst>
+              <a:ext uri="{FF2B5EF4-FFF2-40B4-BE49-F238E27FC236}">
+                <a16:creationId xmlns:a16="http://schemas.microsoft.com/office/drawing/2014/main" id="{7009FB34-8CC3-47E8-AB82-3DF668C3B26D}"/>
+              </a:ext>
+            </a:extLst>
+          </p:cNvPr>
+          <p:cNvSpPr txBox="1"/>
+          <p:nvPr/>
+        </p:nvSpPr>
+        <p:spPr>
+          <a:xfrm>
+            <a:off x="1031133" y="5612860"/>
+            <a:ext cx="1284050" cy="369332"/>
+          </a:xfrm>
+          <a:prstGeom prst="rect">
+            <a:avLst/>
+          </a:prstGeom>
+          <a:noFill/>
+        </p:spPr>
+        <p:txBody>
+          <a:bodyPr wrap="square" rtlCol="1">
+            <a:spAutoFit/>
+          </a:bodyPr>
+          <a:lstStyle/>
+          <a:p>
+            <a:r>
+              <a:rPr lang="en-US" dirty="0"/>
+              <a:t>Directors</a:t>
+            </a:r>
+            <a:endParaRPr lang="he-IL" dirty="0"/>
+          </a:p>
+        </p:txBody>
+      </p:sp>
+      <p:sp>
+        <p:nvSpPr>
+          <p:cNvPr id="9" name="תיבת טקסט 8">
+            <a:extLst>
+              <a:ext uri="{FF2B5EF4-FFF2-40B4-BE49-F238E27FC236}">
+                <a16:creationId xmlns:a16="http://schemas.microsoft.com/office/drawing/2014/main" id="{B0A0DB88-5DDA-4202-8367-084373858EA6}"/>
+              </a:ext>
+            </a:extLst>
+          </p:cNvPr>
+          <p:cNvSpPr txBox="1"/>
+          <p:nvPr/>
+        </p:nvSpPr>
+        <p:spPr>
+          <a:xfrm>
+            <a:off x="3828457" y="5584910"/>
+            <a:ext cx="1284050" cy="369332"/>
+          </a:xfrm>
+          <a:prstGeom prst="rect">
+            <a:avLst/>
+          </a:prstGeom>
+          <a:noFill/>
+        </p:spPr>
+        <p:txBody>
+          <a:bodyPr wrap="square" rtlCol="1">
+            <a:spAutoFit/>
+          </a:bodyPr>
+          <a:lstStyle/>
+          <a:p>
+            <a:r>
+              <a:rPr lang="en-US" dirty="0"/>
+              <a:t>Horror</a:t>
+            </a:r>
+            <a:endParaRPr lang="he-IL" dirty="0"/>
+          </a:p>
+        </p:txBody>
+      </p:sp>
+      <p:sp>
+        <p:nvSpPr>
+          <p:cNvPr id="10" name="תיבת טקסט 9">
+            <a:extLst>
+              <a:ext uri="{FF2B5EF4-FFF2-40B4-BE49-F238E27FC236}">
+                <a16:creationId xmlns:a16="http://schemas.microsoft.com/office/drawing/2014/main" id="{83689694-C87D-46BE-90F3-95305F726FCE}"/>
+              </a:ext>
+            </a:extLst>
+          </p:cNvPr>
+          <p:cNvSpPr txBox="1"/>
+          <p:nvPr/>
+        </p:nvSpPr>
+        <p:spPr>
+          <a:xfrm>
+            <a:off x="7431164" y="5584910"/>
+            <a:ext cx="1284050" cy="369332"/>
+          </a:xfrm>
+          <a:prstGeom prst="rect">
+            <a:avLst/>
+          </a:prstGeom>
+          <a:noFill/>
+        </p:spPr>
+        <p:txBody>
+          <a:bodyPr wrap="square" rtlCol="1">
+            <a:spAutoFit/>
+          </a:bodyPr>
+          <a:lstStyle/>
+          <a:p>
+            <a:r>
+              <a:rPr lang="en-US" dirty="0"/>
+              <a:t>Family</a:t>
+            </a:r>
+            <a:endParaRPr lang="he-IL" dirty="0"/>
+          </a:p>
+        </p:txBody>
+      </p:sp>
+    </p:spTree>
+    <p:extLst>
+      <p:ext uri="{BB962C8B-B14F-4D97-AF65-F5344CB8AC3E}">
+        <p14:creationId xmlns:p14="http://schemas.microsoft.com/office/powerpoint/2010/main" val="85337015"/>
+      </p:ext>
+    </p:extLst>
+  </p:cSld>
+  <p:clrMapOvr>
+    <a:masterClrMapping/>
+  </p:clrMapOvr>
+</p:sld>
+</file>
+
+<file path=ppt/slides/slide23.xml><?xml version="1.0" encoding="utf-8"?>
+<p:sld xmlns:a="http://schemas.openxmlformats.org/drawingml/2006/main" xmlns:r="http://schemas.openxmlformats.org/officeDocument/2006/relationships" xmlns:p="http://schemas.openxmlformats.org/presentationml/2006/main">
+  <p:cSld>
+    <p:spTree>
+      <p:nvGrpSpPr>
+        <p:cNvPr id="1" name=""/>
+        <p:cNvGrpSpPr/>
+        <p:nvPr/>
+      </p:nvGrpSpPr>
+      <p:grpSpPr>
+        <a:xfrm>
+          <a:off x="0" y="0"/>
+          <a:ext cx="0" cy="0"/>
+          <a:chOff x="0" y="0"/>
+          <a:chExt cx="0" cy="0"/>
+        </a:xfrm>
+      </p:grpSpPr>
+      <p:sp>
+        <p:nvSpPr>
+          <p:cNvPr id="2" name="כותרת 1">
+            <a:extLst>
+              <a:ext uri="{FF2B5EF4-FFF2-40B4-BE49-F238E27FC236}">
+                <a16:creationId xmlns:a16="http://schemas.microsoft.com/office/drawing/2014/main" id="{5EF63109-57FF-4909-8FC9-A7AD1F49FC56}"/>
+              </a:ext>
+            </a:extLst>
+          </p:cNvPr>
+          <p:cNvSpPr>
+            <a:spLocks noGrp="1"/>
+          </p:cNvSpPr>
+          <p:nvPr>
+            <p:ph type="title"/>
+          </p:nvPr>
+        </p:nvSpPr>
+        <p:spPr/>
+        <p:txBody>
+          <a:bodyPr/>
+          <a:lstStyle/>
+          <a:p>
+            <a:r>
+              <a:rPr lang="en-US" dirty="0"/>
+              <a:t>Main things we did and challenges</a:t>
+            </a:r>
+            <a:endParaRPr lang="he-IL" dirty="0"/>
+          </a:p>
+        </p:txBody>
+      </p:sp>
+      <p:sp>
+        <p:nvSpPr>
+          <p:cNvPr id="4" name="מציין מיקום תוכן 3">
+            <a:extLst>
+              <a:ext uri="{FF2B5EF4-FFF2-40B4-BE49-F238E27FC236}">
+                <a16:creationId xmlns:a16="http://schemas.microsoft.com/office/drawing/2014/main" id="{D1512E5A-B809-4F4B-A4ED-D899E7C8424A}"/>
+              </a:ext>
+            </a:extLst>
+          </p:cNvPr>
+          <p:cNvSpPr>
+            <a:spLocks noGrp="1"/>
+          </p:cNvSpPr>
+          <p:nvPr>
+            <p:ph sz="half" idx="2"/>
+          </p:nvPr>
+        </p:nvSpPr>
+        <p:spPr>
+          <a:xfrm>
+            <a:off x="1154954" y="2603500"/>
+            <a:ext cx="9878917" cy="3416300"/>
+          </a:xfrm>
+        </p:spPr>
+        <p:txBody>
+          <a:bodyPr/>
+          <a:lstStyle/>
+          <a:p>
+            <a:pPr algn="l" rtl="0"/>
+            <a:r>
+              <a:rPr lang="en-US" dirty="0"/>
+              <a:t>Topic Modelling – getting 14 topics</a:t>
+            </a:r>
+          </a:p>
+          <a:p>
+            <a:pPr lvl="1" algn="l" rtl="0"/>
+            <a:endParaRPr lang="en-US" dirty="0"/>
+          </a:p>
+          <a:p>
+            <a:pPr lvl="1" algn="l" rtl="0"/>
+            <a:endParaRPr lang="en-US" dirty="0"/>
+          </a:p>
+          <a:p>
+            <a:pPr lvl="1" algn="l" rtl="0"/>
+            <a:endParaRPr lang="en-US" dirty="0"/>
+          </a:p>
+          <a:p>
+            <a:pPr lvl="1" algn="l" rtl="0"/>
+            <a:endParaRPr lang="en-US" dirty="0"/>
+          </a:p>
+          <a:p>
+            <a:pPr lvl="1" algn="l" rtl="0"/>
+            <a:endParaRPr lang="he-IL" dirty="0"/>
+          </a:p>
+        </p:txBody>
+      </p:sp>
+      <p:sp>
+        <p:nvSpPr>
+          <p:cNvPr id="5" name="תיבת טקסט 4">
+            <a:extLst>
+              <a:ext uri="{FF2B5EF4-FFF2-40B4-BE49-F238E27FC236}">
+                <a16:creationId xmlns:a16="http://schemas.microsoft.com/office/drawing/2014/main" id="{AE5C6F31-EAF3-4D40-9BA1-73A78595F7B6}"/>
+              </a:ext>
+            </a:extLst>
+          </p:cNvPr>
+          <p:cNvSpPr txBox="1"/>
+          <p:nvPr/>
+        </p:nvSpPr>
+        <p:spPr>
+          <a:xfrm>
+            <a:off x="564204" y="3127443"/>
+            <a:ext cx="3083668" cy="2308324"/>
+          </a:xfrm>
+          <a:prstGeom prst="rect">
+            <a:avLst/>
+          </a:prstGeom>
+          <a:noFill/>
+        </p:spPr>
+        <p:txBody>
+          <a:bodyPr wrap="square" rtlCol="1">
+            <a:spAutoFit/>
+          </a:bodyPr>
+          <a:lstStyle/>
+          <a:p>
+            <a:r>
+              <a:rPr lang="en-US" sz="1200" dirty="0"/>
+              <a:t>(10,</a:t>
+            </a:r>
+          </a:p>
+          <a:p>
+            <a:r>
+              <a:rPr lang="en-US" sz="1200" dirty="0"/>
+              <a:t>  [('performance', 0.03530586137385641),</a:t>
+            </a:r>
+          </a:p>
+          <a:p>
+            <a:r>
+              <a:rPr lang="en-US" sz="1200" dirty="0"/>
+              <a:t>   ('story', 0.02670956737478679),</a:t>
+            </a:r>
+          </a:p>
+          <a:p>
+            <a:r>
+              <a:rPr lang="en-US" sz="1200" dirty="0"/>
+              <a:t>   ('book', 0.02293960303923089),</a:t>
+            </a:r>
+          </a:p>
+          <a:p>
+            <a:r>
+              <a:rPr lang="en-US" sz="1200" dirty="0"/>
+              <a:t>   ('role', 0.01312218948674213),</a:t>
+            </a:r>
+          </a:p>
+          <a:p>
+            <a:r>
+              <a:rPr lang="en-US" sz="1200" dirty="0"/>
+              <a:t>   ('drama', 0.012812063885873779),</a:t>
+            </a:r>
+          </a:p>
+          <a:p>
+            <a:r>
+              <a:rPr lang="en-US" sz="1200" dirty="0"/>
+              <a:t>   ('character', 0.011290510156613429),</a:t>
+            </a:r>
+          </a:p>
+          <a:p>
+            <a:r>
+              <a:rPr lang="en-US" sz="1200" dirty="0"/>
+              <a:t>   ('strong', 0.010631493254768181),</a:t>
+            </a:r>
+          </a:p>
+          <a:p>
+            <a:r>
+              <a:rPr lang="en-US" sz="1200" dirty="0"/>
+              <a:t>   ('viewer', 0.010059699178167158),</a:t>
+            </a:r>
+          </a:p>
+          <a:p>
+            <a:r>
+              <a:rPr lang="en-US" sz="1200" dirty="0"/>
+              <a:t>   ('work', 0.00969142502713599),</a:t>
+            </a:r>
+          </a:p>
+          <a:p>
+            <a:r>
+              <a:rPr lang="en-US" sz="1200" dirty="0"/>
+              <a:t>   ('brilliant', 0.009148705225616375)]),</a:t>
+            </a:r>
+            <a:endParaRPr lang="he-IL" sz="1200" dirty="0"/>
+          </a:p>
+        </p:txBody>
+      </p:sp>
+      <p:sp>
+        <p:nvSpPr>
+          <p:cNvPr id="6" name="תיבת טקסט 5">
+            <a:extLst>
+              <a:ext uri="{FF2B5EF4-FFF2-40B4-BE49-F238E27FC236}">
+                <a16:creationId xmlns:a16="http://schemas.microsoft.com/office/drawing/2014/main" id="{874C4DFE-26A2-436B-BE51-9F1BB546B538}"/>
+              </a:ext>
+            </a:extLst>
+          </p:cNvPr>
+          <p:cNvSpPr txBox="1"/>
+          <p:nvPr/>
+        </p:nvSpPr>
+        <p:spPr>
+          <a:xfrm>
+            <a:off x="3570673" y="3218663"/>
+            <a:ext cx="3083668" cy="2123658"/>
+          </a:xfrm>
+          <a:prstGeom prst="rect">
+            <a:avLst/>
+          </a:prstGeom>
+          <a:noFill/>
+        </p:spPr>
+        <p:txBody>
+          <a:bodyPr wrap="square" rtlCol="1">
+            <a:spAutoFit/>
+          </a:bodyPr>
+          <a:lstStyle/>
+          <a:p>
+            <a:r>
+              <a:rPr lang="en-US" sz="1200" dirty="0"/>
+              <a:t> (9,</a:t>
+            </a:r>
+          </a:p>
+          <a:p>
+            <a:r>
+              <a:rPr lang="en-US" sz="1200" dirty="0"/>
+              <a:t>  [('good', 0.049701941482089146),</a:t>
+            </a:r>
+          </a:p>
+          <a:p>
+            <a:r>
+              <a:rPr lang="en-US" sz="1200" dirty="0"/>
+              <a:t>   ('funny', 0.04608148755810774),</a:t>
+            </a:r>
+          </a:p>
+          <a:p>
+            <a:r>
+              <a:rPr lang="en-US" sz="1200" dirty="0"/>
+              <a:t>   ('actor', 0.03541700847689363),</a:t>
+            </a:r>
+          </a:p>
+          <a:p>
+            <a:r>
+              <a:rPr lang="en-US" sz="1200" dirty="0"/>
+              <a:t>   ('comedy', 0.03476073284112661),</a:t>
+            </a:r>
+          </a:p>
+          <a:p>
+            <a:r>
+              <a:rPr lang="en-US" sz="1200" dirty="0"/>
+              <a:t>   ('line', 0.0246322121957889),</a:t>
+            </a:r>
+          </a:p>
+          <a:p>
+            <a:r>
+              <a:rPr lang="en-US" sz="1200" dirty="0"/>
+              <a:t>   ('fun', 0.02306808859721083),</a:t>
+            </a:r>
+          </a:p>
+          <a:p>
+            <a:r>
+              <a:rPr lang="en-US" sz="1200" dirty="0"/>
+              <a:t>   ('humor', 0.018714793546622914),</a:t>
+            </a:r>
+          </a:p>
+          <a:p>
+            <a:r>
+              <a:rPr lang="en-US" sz="1200" dirty="0"/>
+              <a:t>   ('script', 0.017828821438337434),</a:t>
+            </a:r>
+          </a:p>
+          <a:p>
+            <a:r>
+              <a:rPr lang="en-US" sz="1200" dirty="0"/>
+              <a:t>   ('part', 0.01742411812961444),</a:t>
+            </a:r>
+          </a:p>
+          <a:p>
+            <a:r>
+              <a:rPr lang="en-US" sz="1200" dirty="0"/>
+              <a:t>   ('joke', 0.01332239540607055)]),</a:t>
+            </a:r>
+            <a:endParaRPr lang="he-IL" sz="1200" dirty="0"/>
+          </a:p>
+        </p:txBody>
+      </p:sp>
+      <p:sp>
+        <p:nvSpPr>
+          <p:cNvPr id="7" name="תיבת טקסט 6">
+            <a:extLst>
+              <a:ext uri="{FF2B5EF4-FFF2-40B4-BE49-F238E27FC236}">
+                <a16:creationId xmlns:a16="http://schemas.microsoft.com/office/drawing/2014/main" id="{3098E3FB-137C-41BD-87C7-3DACA83415EA}"/>
+              </a:ext>
+            </a:extLst>
+          </p:cNvPr>
+          <p:cNvSpPr txBox="1"/>
+          <p:nvPr/>
+        </p:nvSpPr>
+        <p:spPr>
+          <a:xfrm>
+            <a:off x="6654341" y="3249821"/>
+            <a:ext cx="3481880" cy="2123658"/>
+          </a:xfrm>
+          <a:prstGeom prst="rect">
+            <a:avLst/>
+          </a:prstGeom>
+          <a:noFill/>
+        </p:spPr>
+        <p:txBody>
+          <a:bodyPr wrap="square" rtlCol="1">
+            <a:spAutoFit/>
+          </a:bodyPr>
+          <a:lstStyle/>
+          <a:p>
+            <a:r>
+              <a:rPr lang="en-US" sz="1200" dirty="0"/>
+              <a:t> (13,</a:t>
+            </a:r>
+          </a:p>
+          <a:p>
+            <a:r>
+              <a:rPr lang="en-US" sz="1200" dirty="0"/>
+              <a:t>  [('people', 0.03337990698030509),</a:t>
+            </a:r>
+          </a:p>
+          <a:p>
+            <a:r>
+              <a:rPr lang="en-US" sz="1200" dirty="0"/>
+              <a:t>   ('life', 0.015407583210519264),</a:t>
+            </a:r>
+          </a:p>
+          <a:p>
+            <a:r>
+              <a:rPr lang="en-US" sz="1200" dirty="0"/>
+              <a:t>   ('war', 0.014737688288322774),</a:t>
+            </a:r>
+          </a:p>
+          <a:p>
+            <a:r>
+              <a:rPr lang="en-US" sz="1200" dirty="0"/>
+              <a:t>   ('history', 0.012536604972534308),</a:t>
+            </a:r>
+          </a:p>
+          <a:p>
+            <a:r>
+              <a:rPr lang="en-US" sz="1200" dirty="0"/>
+              <a:t>   ('</a:t>
+            </a:r>
+            <a:r>
+              <a:rPr lang="en-US" sz="1200" dirty="0" err="1"/>
+              <a:t>american</a:t>
+            </a:r>
+            <a:r>
+              <a:rPr lang="en-US" sz="1200" dirty="0"/>
+              <a:t>', 0.012105958236836564),</a:t>
+            </a:r>
+          </a:p>
+          <a:p>
+            <a:r>
+              <a:rPr lang="en-US" sz="1200" dirty="0"/>
+              <a:t>   ('point', 0.011397783604800276),</a:t>
+            </a:r>
+          </a:p>
+          <a:p>
+            <a:r>
+              <a:rPr lang="en-US" sz="1200" dirty="0"/>
+              <a:t>   ('world', 0.010814018029743334),</a:t>
+            </a:r>
+          </a:p>
+          <a:p>
+            <a:r>
+              <a:rPr lang="en-US" sz="1200" dirty="0"/>
+              <a:t>   ('documentary', 0.009981434340727697),</a:t>
+            </a:r>
+          </a:p>
+          <a:p>
+            <a:r>
+              <a:rPr lang="en-US" sz="1200" dirty="0"/>
+              <a:t>   ('event', 0.009646486879629452),</a:t>
+            </a:r>
+          </a:p>
+          <a:p>
+            <a:r>
+              <a:rPr lang="en-US" sz="1200" dirty="0"/>
+              <a:t>   ('country', 0.00917756043409191)]),</a:t>
+            </a:r>
+            <a:endParaRPr lang="he-IL" sz="1200" dirty="0"/>
+          </a:p>
+        </p:txBody>
+      </p:sp>
+      <p:sp>
+        <p:nvSpPr>
+          <p:cNvPr id="8" name="תיבת טקסט 7">
+            <a:extLst>
+              <a:ext uri="{FF2B5EF4-FFF2-40B4-BE49-F238E27FC236}">
+                <a16:creationId xmlns:a16="http://schemas.microsoft.com/office/drawing/2014/main" id="{D5D011D0-E384-4096-9099-567172AF1C9D}"/>
+              </a:ext>
+            </a:extLst>
+          </p:cNvPr>
+          <p:cNvSpPr txBox="1"/>
+          <p:nvPr/>
+        </p:nvSpPr>
+        <p:spPr>
+          <a:xfrm>
+            <a:off x="824213" y="5650468"/>
+            <a:ext cx="2171906" cy="369332"/>
+          </a:xfrm>
+          <a:prstGeom prst="rect">
+            <a:avLst/>
+          </a:prstGeom>
+          <a:noFill/>
+        </p:spPr>
+        <p:txBody>
+          <a:bodyPr wrap="square" rtlCol="1">
+            <a:spAutoFit/>
+          </a:bodyPr>
+          <a:lstStyle/>
+          <a:p>
+            <a:r>
+              <a:rPr lang="en-US" dirty="0"/>
+              <a:t>Performance</a:t>
+            </a:r>
+            <a:endParaRPr lang="he-IL" dirty="0"/>
+          </a:p>
+        </p:txBody>
+      </p:sp>
+      <p:sp>
+        <p:nvSpPr>
+          <p:cNvPr id="9" name="תיבת טקסט 8">
+            <a:extLst>
+              <a:ext uri="{FF2B5EF4-FFF2-40B4-BE49-F238E27FC236}">
+                <a16:creationId xmlns:a16="http://schemas.microsoft.com/office/drawing/2014/main" id="{4D208DE6-EAF8-4ECD-8814-C01AEE4E8200}"/>
+              </a:ext>
+            </a:extLst>
+          </p:cNvPr>
+          <p:cNvSpPr txBox="1"/>
+          <p:nvPr/>
+        </p:nvSpPr>
+        <p:spPr>
+          <a:xfrm>
+            <a:off x="3903050" y="5697191"/>
+            <a:ext cx="2565843" cy="369332"/>
+          </a:xfrm>
+          <a:prstGeom prst="rect">
+            <a:avLst/>
+          </a:prstGeom>
+          <a:noFill/>
+        </p:spPr>
+        <p:txBody>
+          <a:bodyPr wrap="square" rtlCol="1">
+            <a:spAutoFit/>
+          </a:bodyPr>
+          <a:lstStyle/>
+          <a:p>
+            <a:r>
+              <a:rPr lang="en-US" dirty="0"/>
+              <a:t>Funny and comedy</a:t>
+            </a:r>
+            <a:endParaRPr lang="he-IL" dirty="0"/>
+          </a:p>
+        </p:txBody>
+      </p:sp>
+      <p:sp>
+        <p:nvSpPr>
+          <p:cNvPr id="10" name="תיבת טקסט 9">
+            <a:extLst>
+              <a:ext uri="{FF2B5EF4-FFF2-40B4-BE49-F238E27FC236}">
+                <a16:creationId xmlns:a16="http://schemas.microsoft.com/office/drawing/2014/main" id="{CD54637B-EA51-49F3-9241-642A334D8F37}"/>
+              </a:ext>
+            </a:extLst>
+          </p:cNvPr>
+          <p:cNvSpPr txBox="1"/>
+          <p:nvPr/>
+        </p:nvSpPr>
+        <p:spPr>
+          <a:xfrm>
+            <a:off x="7118009" y="5673830"/>
+            <a:ext cx="2171906" cy="369332"/>
+          </a:xfrm>
+          <a:prstGeom prst="rect">
+            <a:avLst/>
+          </a:prstGeom>
+          <a:noFill/>
+        </p:spPr>
+        <p:txBody>
+          <a:bodyPr wrap="square" rtlCol="1">
+            <a:spAutoFit/>
+          </a:bodyPr>
+          <a:lstStyle/>
+          <a:p>
+            <a:r>
+              <a:rPr lang="en-US" dirty="0"/>
+              <a:t>History</a:t>
+            </a:r>
+            <a:endParaRPr lang="he-IL" dirty="0"/>
+          </a:p>
+        </p:txBody>
+      </p:sp>
+    </p:spTree>
+    <p:extLst>
+      <p:ext uri="{BB962C8B-B14F-4D97-AF65-F5344CB8AC3E}">
+        <p14:creationId xmlns:p14="http://schemas.microsoft.com/office/powerpoint/2010/main" val="3624624794"/>
+      </p:ext>
+    </p:extLst>
+  </p:cSld>
+  <p:clrMapOvr>
+    <a:masterClrMapping/>
+  </p:clrMapOvr>
+</p:sld>
+</file>
+
+<file path=ppt/slides/slide24.xml><?xml version="1.0" encoding="utf-8"?>
+<p:sld xmlns:a="http://schemas.openxmlformats.org/drawingml/2006/main" xmlns:r="http://schemas.openxmlformats.org/officeDocument/2006/relationships" xmlns:p="http://schemas.openxmlformats.org/presentationml/2006/main">
+  <p:cSld>
+    <p:spTree>
+      <p:nvGrpSpPr>
+        <p:cNvPr id="1" name=""/>
+        <p:cNvGrpSpPr/>
+        <p:nvPr/>
+      </p:nvGrpSpPr>
+      <p:grpSpPr>
+        <a:xfrm>
+          <a:off x="0" y="0"/>
+          <a:ext cx="0" cy="0"/>
+          <a:chOff x="0" y="0"/>
+          <a:chExt cx="0" cy="0"/>
+        </a:xfrm>
+      </p:grpSpPr>
+      <p:sp>
+        <p:nvSpPr>
+          <p:cNvPr id="2" name="כותרת 1">
+            <a:extLst>
+              <a:ext uri="{FF2B5EF4-FFF2-40B4-BE49-F238E27FC236}">
+                <a16:creationId xmlns:a16="http://schemas.microsoft.com/office/drawing/2014/main" id="{5EF63109-57FF-4909-8FC9-A7AD1F49FC56}"/>
+              </a:ext>
+            </a:extLst>
+          </p:cNvPr>
+          <p:cNvSpPr>
+            <a:spLocks noGrp="1"/>
+          </p:cNvSpPr>
+          <p:nvPr>
+            <p:ph type="title"/>
+          </p:nvPr>
+        </p:nvSpPr>
+        <p:spPr/>
+        <p:txBody>
+          <a:bodyPr/>
+          <a:lstStyle/>
+          <a:p>
+            <a:r>
+              <a:rPr lang="en-US" dirty="0"/>
+              <a:t>Main things we did and challenges</a:t>
+            </a:r>
+            <a:endParaRPr lang="he-IL" dirty="0"/>
+          </a:p>
+        </p:txBody>
+      </p:sp>
+      <p:sp>
+        <p:nvSpPr>
+          <p:cNvPr id="4" name="מציין מיקום תוכן 3">
+            <a:extLst>
+              <a:ext uri="{FF2B5EF4-FFF2-40B4-BE49-F238E27FC236}">
+                <a16:creationId xmlns:a16="http://schemas.microsoft.com/office/drawing/2014/main" id="{D1512E5A-B809-4F4B-A4ED-D899E7C8424A}"/>
+              </a:ext>
+            </a:extLst>
+          </p:cNvPr>
+          <p:cNvSpPr>
+            <a:spLocks noGrp="1"/>
+          </p:cNvSpPr>
+          <p:nvPr>
+            <p:ph sz="half" idx="2"/>
+          </p:nvPr>
+        </p:nvSpPr>
+        <p:spPr>
+          <a:xfrm>
+            <a:off x="1154954" y="2603500"/>
+            <a:ext cx="9878917" cy="3416300"/>
+          </a:xfrm>
+        </p:spPr>
+        <p:txBody>
+          <a:bodyPr/>
+          <a:lstStyle/>
+          <a:p>
+            <a:pPr algn="l" rtl="0"/>
+            <a:r>
+              <a:rPr lang="en-US" dirty="0"/>
+              <a:t>Topic Modelling – getting 14 topics</a:t>
+            </a:r>
+          </a:p>
+          <a:p>
+            <a:pPr lvl="1" algn="l" rtl="0"/>
+            <a:endParaRPr lang="en-US" dirty="0"/>
+          </a:p>
+          <a:p>
+            <a:pPr lvl="1" algn="l" rtl="0"/>
+            <a:endParaRPr lang="en-US" dirty="0"/>
+          </a:p>
+          <a:p>
+            <a:pPr lvl="1" algn="l" rtl="0"/>
+            <a:endParaRPr lang="en-US" dirty="0"/>
+          </a:p>
+          <a:p>
+            <a:pPr lvl="1" algn="l" rtl="0"/>
+            <a:endParaRPr lang="en-US" dirty="0"/>
+          </a:p>
+          <a:p>
+            <a:pPr lvl="1" algn="l" rtl="0"/>
+            <a:endParaRPr lang="he-IL" dirty="0"/>
+          </a:p>
+        </p:txBody>
+      </p:sp>
+      <p:sp>
+        <p:nvSpPr>
+          <p:cNvPr id="5" name="תיבת טקסט 4">
+            <a:extLst>
+              <a:ext uri="{FF2B5EF4-FFF2-40B4-BE49-F238E27FC236}">
+                <a16:creationId xmlns:a16="http://schemas.microsoft.com/office/drawing/2014/main" id="{AE5C6F31-EAF3-4D40-9BA1-73A78595F7B6}"/>
+              </a:ext>
+            </a:extLst>
+          </p:cNvPr>
+          <p:cNvSpPr txBox="1"/>
+          <p:nvPr/>
+        </p:nvSpPr>
+        <p:spPr>
+          <a:xfrm>
+            <a:off x="564204" y="3127443"/>
+            <a:ext cx="3083668" cy="2123658"/>
+          </a:xfrm>
+          <a:prstGeom prst="rect">
+            <a:avLst/>
+          </a:prstGeom>
+          <a:noFill/>
+        </p:spPr>
+        <p:txBody>
+          <a:bodyPr wrap="square" rtlCol="1">
+            <a:spAutoFit/>
+          </a:bodyPr>
+          <a:lstStyle/>
+          <a:p>
+            <a:r>
+              <a:rPr lang="en-US" sz="1200" dirty="0"/>
+              <a:t> (0,</a:t>
+            </a:r>
+          </a:p>
+          <a:p>
+            <a:r>
+              <a:rPr lang="en-US" sz="1200" dirty="0"/>
+              <a:t>  [('movie', 0.5241227369967113),</a:t>
+            </a:r>
+          </a:p>
+          <a:p>
+            <a:r>
+              <a:rPr lang="en-US" sz="1200" dirty="0"/>
+              <a:t>   ('people', 0.03708079227731835),</a:t>
+            </a:r>
+          </a:p>
+          <a:p>
+            <a:r>
+              <a:rPr lang="en-US" sz="1200" dirty="0"/>
+              <a:t>   ('bad', 0.032812882488798066),</a:t>
+            </a:r>
+          </a:p>
+          <a:p>
+            <a:r>
+              <a:rPr lang="en-US" sz="1200" dirty="0"/>
+              <a:t>   ('time', 0.02650148472173441),</a:t>
+            </a:r>
+          </a:p>
+          <a:p>
+            <a:r>
+              <a:rPr lang="en-US" sz="1200" dirty="0"/>
+              <a:t>   ('good', 0.02611833072575753),</a:t>
+            </a:r>
+          </a:p>
+          <a:p>
+            <a:r>
+              <a:rPr lang="en-US" sz="1200" dirty="0"/>
+              <a:t>   ('watch', 0.014964292176208266),</a:t>
+            </a:r>
+          </a:p>
+          <a:p>
+            <a:r>
+              <a:rPr lang="en-US" sz="1200" dirty="0"/>
+              <a:t>   ('thing', 0.012495077535468352),</a:t>
+            </a:r>
+          </a:p>
+          <a:p>
+            <a:r>
+              <a:rPr lang="en-US" sz="1200" dirty="0"/>
+              <a:t>   ('money', 0.011377545047202444),</a:t>
+            </a:r>
+          </a:p>
+          <a:p>
+            <a:r>
+              <a:rPr lang="en-US" sz="1200" dirty="0"/>
+              <a:t>   ('waste', 0.010462232723479889),</a:t>
+            </a:r>
+          </a:p>
+          <a:p>
+            <a:r>
+              <a:rPr lang="en-US" sz="1200" dirty="0"/>
+              <a:t>   ('theater', 0.010323871558266015)</a:t>
+            </a:r>
+            <a:endParaRPr lang="he-IL" sz="1200" dirty="0"/>
+          </a:p>
+        </p:txBody>
+      </p:sp>
+      <p:sp>
+        <p:nvSpPr>
+          <p:cNvPr id="8" name="תיבת טקסט 7">
+            <a:extLst>
+              <a:ext uri="{FF2B5EF4-FFF2-40B4-BE49-F238E27FC236}">
+                <a16:creationId xmlns:a16="http://schemas.microsoft.com/office/drawing/2014/main" id="{737F3DE3-A714-4E26-84D8-D2454DAA3317}"/>
+              </a:ext>
+            </a:extLst>
+          </p:cNvPr>
+          <p:cNvSpPr txBox="1"/>
+          <p:nvPr/>
+        </p:nvSpPr>
+        <p:spPr>
+          <a:xfrm>
+            <a:off x="882579" y="5590378"/>
+            <a:ext cx="2171906" cy="369332"/>
+          </a:xfrm>
+          <a:prstGeom prst="rect">
+            <a:avLst/>
+          </a:prstGeom>
+          <a:noFill/>
+        </p:spPr>
+        <p:txBody>
+          <a:bodyPr wrap="square" rtlCol="1">
+            <a:spAutoFit/>
+          </a:bodyPr>
+          <a:lstStyle/>
+          <a:p>
+            <a:r>
+              <a:rPr lang="en-US" dirty="0"/>
+              <a:t>Time on watching</a:t>
+            </a:r>
+            <a:endParaRPr lang="he-IL" dirty="0"/>
+          </a:p>
+        </p:txBody>
+      </p:sp>
+    </p:spTree>
+    <p:extLst>
+      <p:ext uri="{BB962C8B-B14F-4D97-AF65-F5344CB8AC3E}">
+        <p14:creationId xmlns:p14="http://schemas.microsoft.com/office/powerpoint/2010/main" val="846852919"/>
       </p:ext>
     </p:extLst>
   </p:cSld>
